--- a/인공지능 기반의 기업 데이터 분석.pptx
+++ b/인공지능 기반의 기업 데이터 분석.pptx
@@ -4,13 +4,16 @@
   <p:sldMasterIdLst>
     <p:sldMasterId id="2147483648" r:id="rId1"/>
   </p:sldMasterIdLst>
+  <p:notesMasterIdLst>
+    <p:notesMasterId r:id="rId19"/>
+  </p:notesMasterIdLst>
   <p:sldIdLst>
     <p:sldId id="256" r:id="rId2"/>
     <p:sldId id="257" r:id="rId3"/>
-    <p:sldId id="385" r:id="rId4"/>
-    <p:sldId id="379" r:id="rId5"/>
-    <p:sldId id="259" r:id="rId6"/>
-    <p:sldId id="380" r:id="rId7"/>
+    <p:sldId id="379" r:id="rId4"/>
+    <p:sldId id="259" r:id="rId5"/>
+    <p:sldId id="380" r:id="rId6"/>
+    <p:sldId id="385" r:id="rId7"/>
     <p:sldId id="387" r:id="rId8"/>
     <p:sldId id="386" r:id="rId9"/>
     <p:sldId id="388" r:id="rId10"/>
@@ -18,6 +21,10 @@
     <p:sldId id="389" r:id="rId12"/>
     <p:sldId id="390" r:id="rId13"/>
     <p:sldId id="381" r:id="rId14"/>
+    <p:sldId id="391" r:id="rId15"/>
+    <p:sldId id="392" r:id="rId16"/>
+    <p:sldId id="394" r:id="rId17"/>
+    <p:sldId id="393" r:id="rId18"/>
   </p:sldIdLst>
   <p:sldSz cx="12192000" cy="6858000"/>
   <p:notesSz cx="6858000" cy="9144000"/>
@@ -122,6 +129,1784 @@
     </p:ext>
   </p:extLst>
 </p:presentation>
+</file>
+
+<file path=ppt/notesMasters/notesMaster1.xml><?xml version="1.0" encoding="utf-8"?>
+<p:notesMaster xmlns:a="http://schemas.openxmlformats.org/drawingml/2006/main" xmlns:r="http://schemas.openxmlformats.org/officeDocument/2006/relationships" xmlns:p="http://schemas.openxmlformats.org/presentationml/2006/main">
+  <p:cSld>
+    <p:bg>
+      <p:bgRef idx="1001">
+        <a:schemeClr val="bg1"/>
+      </p:bgRef>
+    </p:bg>
+    <p:spTree>
+      <p:nvGrpSpPr>
+        <p:cNvPr id="1" name=""/>
+        <p:cNvGrpSpPr/>
+        <p:nvPr/>
+      </p:nvGrpSpPr>
+      <p:grpSpPr>
+        <a:xfrm>
+          <a:off x="0" y="0"/>
+          <a:ext cx="0" cy="0"/>
+          <a:chOff x="0" y="0"/>
+          <a:chExt cx="0" cy="0"/>
+        </a:xfrm>
+      </p:grpSpPr>
+      <p:sp>
+        <p:nvSpPr>
+          <p:cNvPr id="2" name="머리글 개체 틀 1"/>
+          <p:cNvSpPr>
+            <a:spLocks noGrp="1"/>
+          </p:cNvSpPr>
+          <p:nvPr>
+            <p:ph type="hdr" sz="quarter"/>
+          </p:nvPr>
+        </p:nvSpPr>
+        <p:spPr>
+          <a:xfrm>
+            <a:off x="0" y="0"/>
+            <a:ext cx="2971800" cy="458788"/>
+          </a:xfrm>
+          <a:prstGeom prst="rect">
+            <a:avLst/>
+          </a:prstGeom>
+        </p:spPr>
+        <p:txBody>
+          <a:bodyPr vert="horz" lIns="91440" tIns="45720" rIns="91440" bIns="45720" rtlCol="0"/>
+          <a:lstStyle>
+            <a:lvl1pPr algn="l">
+              <a:defRPr sz="1200"/>
+            </a:lvl1pPr>
+          </a:lstStyle>
+          <a:p>
+            <a:endParaRPr lang="en-US"/>
+          </a:p>
+        </p:txBody>
+      </p:sp>
+      <p:sp>
+        <p:nvSpPr>
+          <p:cNvPr id="3" name="날짜 개체 틀 2"/>
+          <p:cNvSpPr>
+            <a:spLocks noGrp="1"/>
+          </p:cNvSpPr>
+          <p:nvPr>
+            <p:ph type="dt" idx="1"/>
+          </p:nvPr>
+        </p:nvSpPr>
+        <p:spPr>
+          <a:xfrm>
+            <a:off x="3884613" y="0"/>
+            <a:ext cx="2971800" cy="458788"/>
+          </a:xfrm>
+          <a:prstGeom prst="rect">
+            <a:avLst/>
+          </a:prstGeom>
+        </p:spPr>
+        <p:txBody>
+          <a:bodyPr vert="horz" lIns="91440" tIns="45720" rIns="91440" bIns="45720" rtlCol="0"/>
+          <a:lstStyle>
+            <a:lvl1pPr algn="r">
+              <a:defRPr sz="1200"/>
+            </a:lvl1pPr>
+          </a:lstStyle>
+          <a:p>
+            <a:fld id="{CC184784-D88C-4581-B1A0-BFD4DA477AA5}" type="datetimeFigureOut">
+              <a:rPr lang="en-US" smtClean="0"/>
+              <a:t>7/5/2022</a:t>
+            </a:fld>
+            <a:endParaRPr lang="en-US"/>
+          </a:p>
+        </p:txBody>
+      </p:sp>
+      <p:sp>
+        <p:nvSpPr>
+          <p:cNvPr id="4" name="슬라이드 이미지 개체 틀 3"/>
+          <p:cNvSpPr>
+            <a:spLocks noGrp="1" noRot="1" noChangeAspect="1"/>
+          </p:cNvSpPr>
+          <p:nvPr>
+            <p:ph type="sldImg" idx="2"/>
+          </p:nvPr>
+        </p:nvSpPr>
+        <p:spPr>
+          <a:xfrm>
+            <a:off x="685800" y="1143000"/>
+            <a:ext cx="5486400" cy="3086100"/>
+          </a:xfrm>
+          <a:prstGeom prst="rect">
+            <a:avLst/>
+          </a:prstGeom>
+          <a:noFill/>
+          <a:ln w="12700">
+            <a:solidFill>
+              <a:prstClr val="black"/>
+            </a:solidFill>
+          </a:ln>
+        </p:spPr>
+        <p:txBody>
+          <a:bodyPr vert="horz" lIns="91440" tIns="45720" rIns="91440" bIns="45720" rtlCol="0" anchor="ctr"/>
+          <a:lstStyle/>
+          <a:p>
+            <a:endParaRPr lang="en-US"/>
+          </a:p>
+        </p:txBody>
+      </p:sp>
+      <p:sp>
+        <p:nvSpPr>
+          <p:cNvPr id="5" name="슬라이드 노트 개체 틀 4"/>
+          <p:cNvSpPr>
+            <a:spLocks noGrp="1"/>
+          </p:cNvSpPr>
+          <p:nvPr>
+            <p:ph type="body" sz="quarter" idx="3"/>
+          </p:nvPr>
+        </p:nvSpPr>
+        <p:spPr>
+          <a:xfrm>
+            <a:off x="685800" y="4400550"/>
+            <a:ext cx="5486400" cy="3600450"/>
+          </a:xfrm>
+          <a:prstGeom prst="rect">
+            <a:avLst/>
+          </a:prstGeom>
+        </p:spPr>
+        <p:txBody>
+          <a:bodyPr vert="horz" lIns="91440" tIns="45720" rIns="91440" bIns="45720" rtlCol="0"/>
+          <a:lstStyle/>
+          <a:p>
+            <a:pPr lvl="0"/>
+            <a:r>
+              <a:rPr lang="ko-KR" altLang="en-US"/>
+              <a:t>마스터 텍스트 스타일 편집</a:t>
+            </a:r>
+          </a:p>
+          <a:p>
+            <a:pPr lvl="1"/>
+            <a:r>
+              <a:rPr lang="ko-KR" altLang="en-US"/>
+              <a:t>둘째 수준</a:t>
+            </a:r>
+          </a:p>
+          <a:p>
+            <a:pPr lvl="2"/>
+            <a:r>
+              <a:rPr lang="ko-KR" altLang="en-US"/>
+              <a:t>셋째 수준</a:t>
+            </a:r>
+          </a:p>
+          <a:p>
+            <a:pPr lvl="3"/>
+            <a:r>
+              <a:rPr lang="ko-KR" altLang="en-US"/>
+              <a:t>넷째 수준</a:t>
+            </a:r>
+          </a:p>
+          <a:p>
+            <a:pPr lvl="4"/>
+            <a:r>
+              <a:rPr lang="ko-KR" altLang="en-US"/>
+              <a:t>다섯째 수준</a:t>
+            </a:r>
+            <a:endParaRPr lang="en-US"/>
+          </a:p>
+        </p:txBody>
+      </p:sp>
+      <p:sp>
+        <p:nvSpPr>
+          <p:cNvPr id="6" name="바닥글 개체 틀 5"/>
+          <p:cNvSpPr>
+            <a:spLocks noGrp="1"/>
+          </p:cNvSpPr>
+          <p:nvPr>
+            <p:ph type="ftr" sz="quarter" idx="4"/>
+          </p:nvPr>
+        </p:nvSpPr>
+        <p:spPr>
+          <a:xfrm>
+            <a:off x="0" y="8685213"/>
+            <a:ext cx="2971800" cy="458787"/>
+          </a:xfrm>
+          <a:prstGeom prst="rect">
+            <a:avLst/>
+          </a:prstGeom>
+        </p:spPr>
+        <p:txBody>
+          <a:bodyPr vert="horz" lIns="91440" tIns="45720" rIns="91440" bIns="45720" rtlCol="0" anchor="b"/>
+          <a:lstStyle>
+            <a:lvl1pPr algn="l">
+              <a:defRPr sz="1200"/>
+            </a:lvl1pPr>
+          </a:lstStyle>
+          <a:p>
+            <a:endParaRPr lang="en-US"/>
+          </a:p>
+        </p:txBody>
+      </p:sp>
+      <p:sp>
+        <p:nvSpPr>
+          <p:cNvPr id="7" name="슬라이드 번호 개체 틀 6"/>
+          <p:cNvSpPr>
+            <a:spLocks noGrp="1"/>
+          </p:cNvSpPr>
+          <p:nvPr>
+            <p:ph type="sldNum" sz="quarter" idx="5"/>
+          </p:nvPr>
+        </p:nvSpPr>
+        <p:spPr>
+          <a:xfrm>
+            <a:off x="3884613" y="8685213"/>
+            <a:ext cx="2971800" cy="458787"/>
+          </a:xfrm>
+          <a:prstGeom prst="rect">
+            <a:avLst/>
+          </a:prstGeom>
+        </p:spPr>
+        <p:txBody>
+          <a:bodyPr vert="horz" lIns="91440" tIns="45720" rIns="91440" bIns="45720" rtlCol="0" anchor="b"/>
+          <a:lstStyle>
+            <a:lvl1pPr algn="r">
+              <a:defRPr sz="1200"/>
+            </a:lvl1pPr>
+          </a:lstStyle>
+          <a:p>
+            <a:fld id="{5D45A76C-9AB8-4EEE-87C1-821E5EC831BA}" type="slidenum">
+              <a:rPr lang="en-US" smtClean="0"/>
+              <a:t>‹#›</a:t>
+            </a:fld>
+            <a:endParaRPr lang="en-US"/>
+          </a:p>
+        </p:txBody>
+      </p:sp>
+    </p:spTree>
+    <p:extLst>
+      <p:ext uri="{BB962C8B-B14F-4D97-AF65-F5344CB8AC3E}">
+        <p14:creationId xmlns:p14="http://schemas.microsoft.com/office/powerpoint/2010/main" val="20765577"/>
+      </p:ext>
+    </p:extLst>
+  </p:cSld>
+  <p:clrMap bg1="lt1" tx1="dk1" bg2="lt2" tx2="dk2" accent1="accent1" accent2="accent2" accent3="accent3" accent4="accent4" accent5="accent5" accent6="accent6" hlink="hlink" folHlink="folHlink"/>
+  <p:notesStyle>
+    <a:lvl1pPr marL="0" algn="l" defTabSz="914400" rtl="0" eaLnBrk="1" latinLnBrk="0" hangingPunct="1">
+      <a:defRPr sz="1200" kern="1200">
+        <a:solidFill>
+          <a:schemeClr val="tx1"/>
+        </a:solidFill>
+        <a:latin typeface="+mn-lt"/>
+        <a:ea typeface="+mn-ea"/>
+        <a:cs typeface="+mn-cs"/>
+      </a:defRPr>
+    </a:lvl1pPr>
+    <a:lvl2pPr marL="457200" algn="l" defTabSz="914400" rtl="0" eaLnBrk="1" latinLnBrk="0" hangingPunct="1">
+      <a:defRPr sz="1200" kern="1200">
+        <a:solidFill>
+          <a:schemeClr val="tx1"/>
+        </a:solidFill>
+        <a:latin typeface="+mn-lt"/>
+        <a:ea typeface="+mn-ea"/>
+        <a:cs typeface="+mn-cs"/>
+      </a:defRPr>
+    </a:lvl2pPr>
+    <a:lvl3pPr marL="914400" algn="l" defTabSz="914400" rtl="0" eaLnBrk="1" latinLnBrk="0" hangingPunct="1">
+      <a:defRPr sz="1200" kern="1200">
+        <a:solidFill>
+          <a:schemeClr val="tx1"/>
+        </a:solidFill>
+        <a:latin typeface="+mn-lt"/>
+        <a:ea typeface="+mn-ea"/>
+        <a:cs typeface="+mn-cs"/>
+      </a:defRPr>
+    </a:lvl3pPr>
+    <a:lvl4pPr marL="1371600" algn="l" defTabSz="914400" rtl="0" eaLnBrk="1" latinLnBrk="0" hangingPunct="1">
+      <a:defRPr sz="1200" kern="1200">
+        <a:solidFill>
+          <a:schemeClr val="tx1"/>
+        </a:solidFill>
+        <a:latin typeface="+mn-lt"/>
+        <a:ea typeface="+mn-ea"/>
+        <a:cs typeface="+mn-cs"/>
+      </a:defRPr>
+    </a:lvl4pPr>
+    <a:lvl5pPr marL="1828800" algn="l" defTabSz="914400" rtl="0" eaLnBrk="1" latinLnBrk="0" hangingPunct="1">
+      <a:defRPr sz="1200" kern="1200">
+        <a:solidFill>
+          <a:schemeClr val="tx1"/>
+        </a:solidFill>
+        <a:latin typeface="+mn-lt"/>
+        <a:ea typeface="+mn-ea"/>
+        <a:cs typeface="+mn-cs"/>
+      </a:defRPr>
+    </a:lvl5pPr>
+    <a:lvl6pPr marL="2286000" algn="l" defTabSz="914400" rtl="0" eaLnBrk="1" latinLnBrk="0" hangingPunct="1">
+      <a:defRPr sz="1200" kern="1200">
+        <a:solidFill>
+          <a:schemeClr val="tx1"/>
+        </a:solidFill>
+        <a:latin typeface="+mn-lt"/>
+        <a:ea typeface="+mn-ea"/>
+        <a:cs typeface="+mn-cs"/>
+      </a:defRPr>
+    </a:lvl6pPr>
+    <a:lvl7pPr marL="2743200" algn="l" defTabSz="914400" rtl="0" eaLnBrk="1" latinLnBrk="0" hangingPunct="1">
+      <a:defRPr sz="1200" kern="1200">
+        <a:solidFill>
+          <a:schemeClr val="tx1"/>
+        </a:solidFill>
+        <a:latin typeface="+mn-lt"/>
+        <a:ea typeface="+mn-ea"/>
+        <a:cs typeface="+mn-cs"/>
+      </a:defRPr>
+    </a:lvl7pPr>
+    <a:lvl8pPr marL="3200400" algn="l" defTabSz="914400" rtl="0" eaLnBrk="1" latinLnBrk="0" hangingPunct="1">
+      <a:defRPr sz="1200" kern="1200">
+        <a:solidFill>
+          <a:schemeClr val="tx1"/>
+        </a:solidFill>
+        <a:latin typeface="+mn-lt"/>
+        <a:ea typeface="+mn-ea"/>
+        <a:cs typeface="+mn-cs"/>
+      </a:defRPr>
+    </a:lvl8pPr>
+    <a:lvl9pPr marL="3657600" algn="l" defTabSz="914400" rtl="0" eaLnBrk="1" latinLnBrk="0" hangingPunct="1">
+      <a:defRPr sz="1200" kern="1200">
+        <a:solidFill>
+          <a:schemeClr val="tx1"/>
+        </a:solidFill>
+        <a:latin typeface="+mn-lt"/>
+        <a:ea typeface="+mn-ea"/>
+        <a:cs typeface="+mn-cs"/>
+      </a:defRPr>
+    </a:lvl9pPr>
+  </p:notesStyle>
+</p:notesMaster>
+</file>
+
+<file path=ppt/notesSlides/notesSlide1.xml><?xml version="1.0" encoding="utf-8"?>
+<p:notes xmlns:a="http://schemas.openxmlformats.org/drawingml/2006/main" xmlns:r="http://schemas.openxmlformats.org/officeDocument/2006/relationships" xmlns:p="http://schemas.openxmlformats.org/presentationml/2006/main">
+  <p:cSld>
+    <p:spTree>
+      <p:nvGrpSpPr>
+        <p:cNvPr id="1" name=""/>
+        <p:cNvGrpSpPr/>
+        <p:nvPr/>
+      </p:nvGrpSpPr>
+      <p:grpSpPr>
+        <a:xfrm>
+          <a:off x="0" y="0"/>
+          <a:ext cx="0" cy="0"/>
+          <a:chOff x="0" y="0"/>
+          <a:chExt cx="0" cy="0"/>
+        </a:xfrm>
+      </p:grpSpPr>
+      <p:sp>
+        <p:nvSpPr>
+          <p:cNvPr id="2" name="슬라이드 이미지 개체 틀 1"/>
+          <p:cNvSpPr>
+            <a:spLocks noGrp="1" noRot="1" noChangeAspect="1"/>
+          </p:cNvSpPr>
+          <p:nvPr>
+            <p:ph type="sldImg"/>
+          </p:nvPr>
+        </p:nvSpPr>
+        <p:spPr/>
+      </p:sp>
+      <p:sp>
+        <p:nvSpPr>
+          <p:cNvPr id="3" name="슬라이드 노트 개체 틀 2"/>
+          <p:cNvSpPr>
+            <a:spLocks noGrp="1"/>
+          </p:cNvSpPr>
+          <p:nvPr>
+            <p:ph type="body" idx="1"/>
+          </p:nvPr>
+        </p:nvSpPr>
+        <p:spPr/>
+        <p:txBody>
+          <a:bodyPr/>
+          <a:lstStyle/>
+          <a:p>
+            <a:endParaRPr lang="en-US"/>
+          </a:p>
+        </p:txBody>
+      </p:sp>
+      <p:sp>
+        <p:nvSpPr>
+          <p:cNvPr id="4" name="슬라이드 번호 개체 틀 3"/>
+          <p:cNvSpPr>
+            <a:spLocks noGrp="1"/>
+          </p:cNvSpPr>
+          <p:nvPr>
+            <p:ph type="sldNum" sz="quarter" idx="5"/>
+          </p:nvPr>
+        </p:nvSpPr>
+        <p:spPr/>
+        <p:txBody>
+          <a:bodyPr/>
+          <a:lstStyle/>
+          <a:p>
+            <a:fld id="{5D45A76C-9AB8-4EEE-87C1-821E5EC831BA}" type="slidenum">
+              <a:rPr lang="en-US" smtClean="0"/>
+              <a:t>1</a:t>
+            </a:fld>
+            <a:endParaRPr lang="en-US"/>
+          </a:p>
+        </p:txBody>
+      </p:sp>
+    </p:spTree>
+    <p:extLst>
+      <p:ext uri="{BB962C8B-B14F-4D97-AF65-F5344CB8AC3E}">
+        <p14:creationId xmlns:p14="http://schemas.microsoft.com/office/powerpoint/2010/main" val="3094980086"/>
+      </p:ext>
+    </p:extLst>
+  </p:cSld>
+  <p:clrMapOvr>
+    <a:masterClrMapping/>
+  </p:clrMapOvr>
+</p:notes>
+</file>
+
+<file path=ppt/notesSlides/notesSlide10.xml><?xml version="1.0" encoding="utf-8"?>
+<p:notes xmlns:a="http://schemas.openxmlformats.org/drawingml/2006/main" xmlns:r="http://schemas.openxmlformats.org/officeDocument/2006/relationships" xmlns:p="http://schemas.openxmlformats.org/presentationml/2006/main">
+  <p:cSld>
+    <p:spTree>
+      <p:nvGrpSpPr>
+        <p:cNvPr id="1" name=""/>
+        <p:cNvGrpSpPr/>
+        <p:nvPr/>
+      </p:nvGrpSpPr>
+      <p:grpSpPr>
+        <a:xfrm>
+          <a:off x="0" y="0"/>
+          <a:ext cx="0" cy="0"/>
+          <a:chOff x="0" y="0"/>
+          <a:chExt cx="0" cy="0"/>
+        </a:xfrm>
+      </p:grpSpPr>
+      <p:sp>
+        <p:nvSpPr>
+          <p:cNvPr id="2" name="슬라이드 이미지 개체 틀 1"/>
+          <p:cNvSpPr>
+            <a:spLocks noGrp="1" noRot="1" noChangeAspect="1"/>
+          </p:cNvSpPr>
+          <p:nvPr>
+            <p:ph type="sldImg"/>
+          </p:nvPr>
+        </p:nvSpPr>
+        <p:spPr/>
+      </p:sp>
+      <p:sp>
+        <p:nvSpPr>
+          <p:cNvPr id="3" name="슬라이드 노트 개체 틀 2"/>
+          <p:cNvSpPr>
+            <a:spLocks noGrp="1"/>
+          </p:cNvSpPr>
+          <p:nvPr>
+            <p:ph type="body" idx="1"/>
+          </p:nvPr>
+        </p:nvSpPr>
+        <p:spPr/>
+        <p:txBody>
+          <a:bodyPr/>
+          <a:lstStyle/>
+          <a:p>
+            <a:endParaRPr lang="en-US"/>
+          </a:p>
+        </p:txBody>
+      </p:sp>
+      <p:sp>
+        <p:nvSpPr>
+          <p:cNvPr id="4" name="슬라이드 번호 개체 틀 3"/>
+          <p:cNvSpPr>
+            <a:spLocks noGrp="1"/>
+          </p:cNvSpPr>
+          <p:nvPr>
+            <p:ph type="sldNum" sz="quarter" idx="5"/>
+          </p:nvPr>
+        </p:nvSpPr>
+        <p:spPr/>
+        <p:txBody>
+          <a:bodyPr/>
+          <a:lstStyle/>
+          <a:p>
+            <a:fld id="{5D45A76C-9AB8-4EEE-87C1-821E5EC831BA}" type="slidenum">
+              <a:rPr lang="en-US" smtClean="0"/>
+              <a:t>10</a:t>
+            </a:fld>
+            <a:endParaRPr lang="en-US"/>
+          </a:p>
+        </p:txBody>
+      </p:sp>
+    </p:spTree>
+    <p:extLst>
+      <p:ext uri="{BB962C8B-B14F-4D97-AF65-F5344CB8AC3E}">
+        <p14:creationId xmlns:p14="http://schemas.microsoft.com/office/powerpoint/2010/main" val="2701335289"/>
+      </p:ext>
+    </p:extLst>
+  </p:cSld>
+  <p:clrMapOvr>
+    <a:masterClrMapping/>
+  </p:clrMapOvr>
+</p:notes>
+</file>
+
+<file path=ppt/notesSlides/notesSlide11.xml><?xml version="1.0" encoding="utf-8"?>
+<p:notes xmlns:a="http://schemas.openxmlformats.org/drawingml/2006/main" xmlns:r="http://schemas.openxmlformats.org/officeDocument/2006/relationships" xmlns:p="http://schemas.openxmlformats.org/presentationml/2006/main">
+  <p:cSld>
+    <p:spTree>
+      <p:nvGrpSpPr>
+        <p:cNvPr id="1" name=""/>
+        <p:cNvGrpSpPr/>
+        <p:nvPr/>
+      </p:nvGrpSpPr>
+      <p:grpSpPr>
+        <a:xfrm>
+          <a:off x="0" y="0"/>
+          <a:ext cx="0" cy="0"/>
+          <a:chOff x="0" y="0"/>
+          <a:chExt cx="0" cy="0"/>
+        </a:xfrm>
+      </p:grpSpPr>
+      <p:sp>
+        <p:nvSpPr>
+          <p:cNvPr id="2" name="슬라이드 이미지 개체 틀 1"/>
+          <p:cNvSpPr>
+            <a:spLocks noGrp="1" noRot="1" noChangeAspect="1"/>
+          </p:cNvSpPr>
+          <p:nvPr>
+            <p:ph type="sldImg"/>
+          </p:nvPr>
+        </p:nvSpPr>
+        <p:spPr/>
+      </p:sp>
+      <p:sp>
+        <p:nvSpPr>
+          <p:cNvPr id="3" name="슬라이드 노트 개체 틀 2"/>
+          <p:cNvSpPr>
+            <a:spLocks noGrp="1"/>
+          </p:cNvSpPr>
+          <p:nvPr>
+            <p:ph type="body" idx="1"/>
+          </p:nvPr>
+        </p:nvSpPr>
+        <p:spPr/>
+        <p:txBody>
+          <a:bodyPr/>
+          <a:lstStyle/>
+          <a:p>
+            <a:endParaRPr lang="en-US"/>
+          </a:p>
+        </p:txBody>
+      </p:sp>
+      <p:sp>
+        <p:nvSpPr>
+          <p:cNvPr id="4" name="슬라이드 번호 개체 틀 3"/>
+          <p:cNvSpPr>
+            <a:spLocks noGrp="1"/>
+          </p:cNvSpPr>
+          <p:nvPr>
+            <p:ph type="sldNum" sz="quarter" idx="5"/>
+          </p:nvPr>
+        </p:nvSpPr>
+        <p:spPr/>
+        <p:txBody>
+          <a:bodyPr/>
+          <a:lstStyle/>
+          <a:p>
+            <a:fld id="{5D45A76C-9AB8-4EEE-87C1-821E5EC831BA}" type="slidenum">
+              <a:rPr lang="en-US" smtClean="0"/>
+              <a:t>11</a:t>
+            </a:fld>
+            <a:endParaRPr lang="en-US"/>
+          </a:p>
+        </p:txBody>
+      </p:sp>
+    </p:spTree>
+    <p:extLst>
+      <p:ext uri="{BB962C8B-B14F-4D97-AF65-F5344CB8AC3E}">
+        <p14:creationId xmlns:p14="http://schemas.microsoft.com/office/powerpoint/2010/main" val="4261913546"/>
+      </p:ext>
+    </p:extLst>
+  </p:cSld>
+  <p:clrMapOvr>
+    <a:masterClrMapping/>
+  </p:clrMapOvr>
+</p:notes>
+</file>
+
+<file path=ppt/notesSlides/notesSlide12.xml><?xml version="1.0" encoding="utf-8"?>
+<p:notes xmlns:a="http://schemas.openxmlformats.org/drawingml/2006/main" xmlns:r="http://schemas.openxmlformats.org/officeDocument/2006/relationships" xmlns:p="http://schemas.openxmlformats.org/presentationml/2006/main">
+  <p:cSld>
+    <p:spTree>
+      <p:nvGrpSpPr>
+        <p:cNvPr id="1" name=""/>
+        <p:cNvGrpSpPr/>
+        <p:nvPr/>
+      </p:nvGrpSpPr>
+      <p:grpSpPr>
+        <a:xfrm>
+          <a:off x="0" y="0"/>
+          <a:ext cx="0" cy="0"/>
+          <a:chOff x="0" y="0"/>
+          <a:chExt cx="0" cy="0"/>
+        </a:xfrm>
+      </p:grpSpPr>
+      <p:sp>
+        <p:nvSpPr>
+          <p:cNvPr id="2" name="슬라이드 이미지 개체 틀 1"/>
+          <p:cNvSpPr>
+            <a:spLocks noGrp="1" noRot="1" noChangeAspect="1"/>
+          </p:cNvSpPr>
+          <p:nvPr>
+            <p:ph type="sldImg"/>
+          </p:nvPr>
+        </p:nvSpPr>
+        <p:spPr/>
+      </p:sp>
+      <p:sp>
+        <p:nvSpPr>
+          <p:cNvPr id="3" name="슬라이드 노트 개체 틀 2"/>
+          <p:cNvSpPr>
+            <a:spLocks noGrp="1"/>
+          </p:cNvSpPr>
+          <p:nvPr>
+            <p:ph type="body" idx="1"/>
+          </p:nvPr>
+        </p:nvSpPr>
+        <p:spPr/>
+        <p:txBody>
+          <a:bodyPr/>
+          <a:lstStyle/>
+          <a:p>
+            <a:endParaRPr lang="en-US"/>
+          </a:p>
+        </p:txBody>
+      </p:sp>
+      <p:sp>
+        <p:nvSpPr>
+          <p:cNvPr id="4" name="슬라이드 번호 개체 틀 3"/>
+          <p:cNvSpPr>
+            <a:spLocks noGrp="1"/>
+          </p:cNvSpPr>
+          <p:nvPr>
+            <p:ph type="sldNum" sz="quarter" idx="5"/>
+          </p:nvPr>
+        </p:nvSpPr>
+        <p:spPr/>
+        <p:txBody>
+          <a:bodyPr/>
+          <a:lstStyle/>
+          <a:p>
+            <a:fld id="{5D45A76C-9AB8-4EEE-87C1-821E5EC831BA}" type="slidenum">
+              <a:rPr lang="en-US" smtClean="0"/>
+              <a:t>12</a:t>
+            </a:fld>
+            <a:endParaRPr lang="en-US"/>
+          </a:p>
+        </p:txBody>
+      </p:sp>
+    </p:spTree>
+    <p:extLst>
+      <p:ext uri="{BB962C8B-B14F-4D97-AF65-F5344CB8AC3E}">
+        <p14:creationId xmlns:p14="http://schemas.microsoft.com/office/powerpoint/2010/main" val="3476920958"/>
+      </p:ext>
+    </p:extLst>
+  </p:cSld>
+  <p:clrMapOvr>
+    <a:masterClrMapping/>
+  </p:clrMapOvr>
+</p:notes>
+</file>
+
+<file path=ppt/notesSlides/notesSlide13.xml><?xml version="1.0" encoding="utf-8"?>
+<p:notes xmlns:a="http://schemas.openxmlformats.org/drawingml/2006/main" xmlns:r="http://schemas.openxmlformats.org/officeDocument/2006/relationships" xmlns:p="http://schemas.openxmlformats.org/presentationml/2006/main">
+  <p:cSld>
+    <p:spTree>
+      <p:nvGrpSpPr>
+        <p:cNvPr id="1" name=""/>
+        <p:cNvGrpSpPr/>
+        <p:nvPr/>
+      </p:nvGrpSpPr>
+      <p:grpSpPr>
+        <a:xfrm>
+          <a:off x="0" y="0"/>
+          <a:ext cx="0" cy="0"/>
+          <a:chOff x="0" y="0"/>
+          <a:chExt cx="0" cy="0"/>
+        </a:xfrm>
+      </p:grpSpPr>
+      <p:sp>
+        <p:nvSpPr>
+          <p:cNvPr id="2" name="슬라이드 이미지 개체 틀 1"/>
+          <p:cNvSpPr>
+            <a:spLocks noGrp="1" noRot="1" noChangeAspect="1"/>
+          </p:cNvSpPr>
+          <p:nvPr>
+            <p:ph type="sldImg"/>
+          </p:nvPr>
+        </p:nvSpPr>
+        <p:spPr/>
+      </p:sp>
+      <p:sp>
+        <p:nvSpPr>
+          <p:cNvPr id="3" name="슬라이드 노트 개체 틀 2"/>
+          <p:cNvSpPr>
+            <a:spLocks noGrp="1"/>
+          </p:cNvSpPr>
+          <p:nvPr>
+            <p:ph type="body" idx="1"/>
+          </p:nvPr>
+        </p:nvSpPr>
+        <p:spPr/>
+        <p:txBody>
+          <a:bodyPr/>
+          <a:lstStyle/>
+          <a:p>
+            <a:endParaRPr lang="en-US"/>
+          </a:p>
+        </p:txBody>
+      </p:sp>
+      <p:sp>
+        <p:nvSpPr>
+          <p:cNvPr id="4" name="슬라이드 번호 개체 틀 3"/>
+          <p:cNvSpPr>
+            <a:spLocks noGrp="1"/>
+          </p:cNvSpPr>
+          <p:nvPr>
+            <p:ph type="sldNum" sz="quarter" idx="5"/>
+          </p:nvPr>
+        </p:nvSpPr>
+        <p:spPr/>
+        <p:txBody>
+          <a:bodyPr/>
+          <a:lstStyle/>
+          <a:p>
+            <a:fld id="{5D45A76C-9AB8-4EEE-87C1-821E5EC831BA}" type="slidenum">
+              <a:rPr lang="en-US" smtClean="0"/>
+              <a:t>13</a:t>
+            </a:fld>
+            <a:endParaRPr lang="en-US"/>
+          </a:p>
+        </p:txBody>
+      </p:sp>
+    </p:spTree>
+    <p:extLst>
+      <p:ext uri="{BB962C8B-B14F-4D97-AF65-F5344CB8AC3E}">
+        <p14:creationId xmlns:p14="http://schemas.microsoft.com/office/powerpoint/2010/main" val="3757322039"/>
+      </p:ext>
+    </p:extLst>
+  </p:cSld>
+  <p:clrMapOvr>
+    <a:masterClrMapping/>
+  </p:clrMapOvr>
+</p:notes>
+</file>
+
+<file path=ppt/notesSlides/notesSlide14.xml><?xml version="1.0" encoding="utf-8"?>
+<p:notes xmlns:a="http://schemas.openxmlformats.org/drawingml/2006/main" xmlns:r="http://schemas.openxmlformats.org/officeDocument/2006/relationships" xmlns:p="http://schemas.openxmlformats.org/presentationml/2006/main">
+  <p:cSld>
+    <p:spTree>
+      <p:nvGrpSpPr>
+        <p:cNvPr id="1" name=""/>
+        <p:cNvGrpSpPr/>
+        <p:nvPr/>
+      </p:nvGrpSpPr>
+      <p:grpSpPr>
+        <a:xfrm>
+          <a:off x="0" y="0"/>
+          <a:ext cx="0" cy="0"/>
+          <a:chOff x="0" y="0"/>
+          <a:chExt cx="0" cy="0"/>
+        </a:xfrm>
+      </p:grpSpPr>
+      <p:sp>
+        <p:nvSpPr>
+          <p:cNvPr id="2" name="슬라이드 이미지 개체 틀 1"/>
+          <p:cNvSpPr>
+            <a:spLocks noGrp="1" noRot="1" noChangeAspect="1"/>
+          </p:cNvSpPr>
+          <p:nvPr>
+            <p:ph type="sldImg"/>
+          </p:nvPr>
+        </p:nvSpPr>
+        <p:spPr/>
+      </p:sp>
+      <p:sp>
+        <p:nvSpPr>
+          <p:cNvPr id="3" name="슬라이드 노트 개체 틀 2"/>
+          <p:cNvSpPr>
+            <a:spLocks noGrp="1"/>
+          </p:cNvSpPr>
+          <p:nvPr>
+            <p:ph type="body" idx="1"/>
+          </p:nvPr>
+        </p:nvSpPr>
+        <p:spPr/>
+        <p:txBody>
+          <a:bodyPr/>
+          <a:lstStyle/>
+          <a:p>
+            <a:endParaRPr lang="en-US"/>
+          </a:p>
+        </p:txBody>
+      </p:sp>
+      <p:sp>
+        <p:nvSpPr>
+          <p:cNvPr id="4" name="슬라이드 번호 개체 틀 3"/>
+          <p:cNvSpPr>
+            <a:spLocks noGrp="1"/>
+          </p:cNvSpPr>
+          <p:nvPr>
+            <p:ph type="sldNum" sz="quarter" idx="5"/>
+          </p:nvPr>
+        </p:nvSpPr>
+        <p:spPr/>
+        <p:txBody>
+          <a:bodyPr/>
+          <a:lstStyle/>
+          <a:p>
+            <a:fld id="{5D45A76C-9AB8-4EEE-87C1-821E5EC831BA}" type="slidenum">
+              <a:rPr lang="en-US" smtClean="0"/>
+              <a:t>14</a:t>
+            </a:fld>
+            <a:endParaRPr lang="en-US"/>
+          </a:p>
+        </p:txBody>
+      </p:sp>
+    </p:spTree>
+    <p:extLst>
+      <p:ext uri="{BB962C8B-B14F-4D97-AF65-F5344CB8AC3E}">
+        <p14:creationId xmlns:p14="http://schemas.microsoft.com/office/powerpoint/2010/main" val="550395688"/>
+      </p:ext>
+    </p:extLst>
+  </p:cSld>
+  <p:clrMapOvr>
+    <a:masterClrMapping/>
+  </p:clrMapOvr>
+</p:notes>
+</file>
+
+<file path=ppt/notesSlides/notesSlide15.xml><?xml version="1.0" encoding="utf-8"?>
+<p:notes xmlns:a="http://schemas.openxmlformats.org/drawingml/2006/main" xmlns:r="http://schemas.openxmlformats.org/officeDocument/2006/relationships" xmlns:p="http://schemas.openxmlformats.org/presentationml/2006/main">
+  <p:cSld>
+    <p:spTree>
+      <p:nvGrpSpPr>
+        <p:cNvPr id="1" name=""/>
+        <p:cNvGrpSpPr/>
+        <p:nvPr/>
+      </p:nvGrpSpPr>
+      <p:grpSpPr>
+        <a:xfrm>
+          <a:off x="0" y="0"/>
+          <a:ext cx="0" cy="0"/>
+          <a:chOff x="0" y="0"/>
+          <a:chExt cx="0" cy="0"/>
+        </a:xfrm>
+      </p:grpSpPr>
+      <p:sp>
+        <p:nvSpPr>
+          <p:cNvPr id="2" name="슬라이드 이미지 개체 틀 1"/>
+          <p:cNvSpPr>
+            <a:spLocks noGrp="1" noRot="1" noChangeAspect="1"/>
+          </p:cNvSpPr>
+          <p:nvPr>
+            <p:ph type="sldImg"/>
+          </p:nvPr>
+        </p:nvSpPr>
+        <p:spPr/>
+      </p:sp>
+      <p:sp>
+        <p:nvSpPr>
+          <p:cNvPr id="3" name="슬라이드 노트 개체 틀 2"/>
+          <p:cNvSpPr>
+            <a:spLocks noGrp="1"/>
+          </p:cNvSpPr>
+          <p:nvPr>
+            <p:ph type="body" idx="1"/>
+          </p:nvPr>
+        </p:nvSpPr>
+        <p:spPr/>
+        <p:txBody>
+          <a:bodyPr/>
+          <a:lstStyle/>
+          <a:p>
+            <a:endParaRPr lang="en-US"/>
+          </a:p>
+        </p:txBody>
+      </p:sp>
+      <p:sp>
+        <p:nvSpPr>
+          <p:cNvPr id="4" name="슬라이드 번호 개체 틀 3"/>
+          <p:cNvSpPr>
+            <a:spLocks noGrp="1"/>
+          </p:cNvSpPr>
+          <p:nvPr>
+            <p:ph type="sldNum" sz="quarter" idx="5"/>
+          </p:nvPr>
+        </p:nvSpPr>
+        <p:spPr/>
+        <p:txBody>
+          <a:bodyPr/>
+          <a:lstStyle/>
+          <a:p>
+            <a:fld id="{5D45A76C-9AB8-4EEE-87C1-821E5EC831BA}" type="slidenum">
+              <a:rPr lang="en-US" smtClean="0"/>
+              <a:t>15</a:t>
+            </a:fld>
+            <a:endParaRPr lang="en-US"/>
+          </a:p>
+        </p:txBody>
+      </p:sp>
+    </p:spTree>
+    <p:extLst>
+      <p:ext uri="{BB962C8B-B14F-4D97-AF65-F5344CB8AC3E}">
+        <p14:creationId xmlns:p14="http://schemas.microsoft.com/office/powerpoint/2010/main" val="718494738"/>
+      </p:ext>
+    </p:extLst>
+  </p:cSld>
+  <p:clrMapOvr>
+    <a:masterClrMapping/>
+  </p:clrMapOvr>
+</p:notes>
+</file>
+
+<file path=ppt/notesSlides/notesSlide16.xml><?xml version="1.0" encoding="utf-8"?>
+<p:notes xmlns:a="http://schemas.openxmlformats.org/drawingml/2006/main" xmlns:r="http://schemas.openxmlformats.org/officeDocument/2006/relationships" xmlns:p="http://schemas.openxmlformats.org/presentationml/2006/main">
+  <p:cSld>
+    <p:spTree>
+      <p:nvGrpSpPr>
+        <p:cNvPr id="1" name=""/>
+        <p:cNvGrpSpPr/>
+        <p:nvPr/>
+      </p:nvGrpSpPr>
+      <p:grpSpPr>
+        <a:xfrm>
+          <a:off x="0" y="0"/>
+          <a:ext cx="0" cy="0"/>
+          <a:chOff x="0" y="0"/>
+          <a:chExt cx="0" cy="0"/>
+        </a:xfrm>
+      </p:grpSpPr>
+      <p:sp>
+        <p:nvSpPr>
+          <p:cNvPr id="2" name="슬라이드 이미지 개체 틀 1"/>
+          <p:cNvSpPr>
+            <a:spLocks noGrp="1" noRot="1" noChangeAspect="1"/>
+          </p:cNvSpPr>
+          <p:nvPr>
+            <p:ph type="sldImg"/>
+          </p:nvPr>
+        </p:nvSpPr>
+        <p:spPr/>
+      </p:sp>
+      <p:sp>
+        <p:nvSpPr>
+          <p:cNvPr id="3" name="슬라이드 노트 개체 틀 2"/>
+          <p:cNvSpPr>
+            <a:spLocks noGrp="1"/>
+          </p:cNvSpPr>
+          <p:nvPr>
+            <p:ph type="body" idx="1"/>
+          </p:nvPr>
+        </p:nvSpPr>
+        <p:spPr/>
+        <p:txBody>
+          <a:bodyPr/>
+          <a:lstStyle/>
+          <a:p>
+            <a:endParaRPr lang="en-US"/>
+          </a:p>
+        </p:txBody>
+      </p:sp>
+      <p:sp>
+        <p:nvSpPr>
+          <p:cNvPr id="4" name="슬라이드 번호 개체 틀 3"/>
+          <p:cNvSpPr>
+            <a:spLocks noGrp="1"/>
+          </p:cNvSpPr>
+          <p:nvPr>
+            <p:ph type="sldNum" sz="quarter" idx="5"/>
+          </p:nvPr>
+        </p:nvSpPr>
+        <p:spPr/>
+        <p:txBody>
+          <a:bodyPr/>
+          <a:lstStyle/>
+          <a:p>
+            <a:fld id="{5D45A76C-9AB8-4EEE-87C1-821E5EC831BA}" type="slidenum">
+              <a:rPr lang="en-US" smtClean="0"/>
+              <a:t>16</a:t>
+            </a:fld>
+            <a:endParaRPr lang="en-US"/>
+          </a:p>
+        </p:txBody>
+      </p:sp>
+    </p:spTree>
+    <p:extLst>
+      <p:ext uri="{BB962C8B-B14F-4D97-AF65-F5344CB8AC3E}">
+        <p14:creationId xmlns:p14="http://schemas.microsoft.com/office/powerpoint/2010/main" val="122398217"/>
+      </p:ext>
+    </p:extLst>
+  </p:cSld>
+  <p:clrMapOvr>
+    <a:masterClrMapping/>
+  </p:clrMapOvr>
+</p:notes>
+</file>
+
+<file path=ppt/notesSlides/notesSlide17.xml><?xml version="1.0" encoding="utf-8"?>
+<p:notes xmlns:a="http://schemas.openxmlformats.org/drawingml/2006/main" xmlns:r="http://schemas.openxmlformats.org/officeDocument/2006/relationships" xmlns:p="http://schemas.openxmlformats.org/presentationml/2006/main">
+  <p:cSld>
+    <p:spTree>
+      <p:nvGrpSpPr>
+        <p:cNvPr id="1" name=""/>
+        <p:cNvGrpSpPr/>
+        <p:nvPr/>
+      </p:nvGrpSpPr>
+      <p:grpSpPr>
+        <a:xfrm>
+          <a:off x="0" y="0"/>
+          <a:ext cx="0" cy="0"/>
+          <a:chOff x="0" y="0"/>
+          <a:chExt cx="0" cy="0"/>
+        </a:xfrm>
+      </p:grpSpPr>
+      <p:sp>
+        <p:nvSpPr>
+          <p:cNvPr id="2" name="슬라이드 이미지 개체 틀 1"/>
+          <p:cNvSpPr>
+            <a:spLocks noGrp="1" noRot="1" noChangeAspect="1"/>
+          </p:cNvSpPr>
+          <p:nvPr>
+            <p:ph type="sldImg"/>
+          </p:nvPr>
+        </p:nvSpPr>
+        <p:spPr/>
+      </p:sp>
+      <p:sp>
+        <p:nvSpPr>
+          <p:cNvPr id="3" name="슬라이드 노트 개체 틀 2"/>
+          <p:cNvSpPr>
+            <a:spLocks noGrp="1"/>
+          </p:cNvSpPr>
+          <p:nvPr>
+            <p:ph type="body" idx="1"/>
+          </p:nvPr>
+        </p:nvSpPr>
+        <p:spPr/>
+        <p:txBody>
+          <a:bodyPr/>
+          <a:lstStyle/>
+          <a:p>
+            <a:endParaRPr lang="en-US"/>
+          </a:p>
+        </p:txBody>
+      </p:sp>
+      <p:sp>
+        <p:nvSpPr>
+          <p:cNvPr id="4" name="슬라이드 번호 개체 틀 3"/>
+          <p:cNvSpPr>
+            <a:spLocks noGrp="1"/>
+          </p:cNvSpPr>
+          <p:nvPr>
+            <p:ph type="sldNum" sz="quarter" idx="5"/>
+          </p:nvPr>
+        </p:nvSpPr>
+        <p:spPr/>
+        <p:txBody>
+          <a:bodyPr/>
+          <a:lstStyle/>
+          <a:p>
+            <a:fld id="{5D45A76C-9AB8-4EEE-87C1-821E5EC831BA}" type="slidenum">
+              <a:rPr lang="en-US" smtClean="0"/>
+              <a:t>17</a:t>
+            </a:fld>
+            <a:endParaRPr lang="en-US"/>
+          </a:p>
+        </p:txBody>
+      </p:sp>
+    </p:spTree>
+    <p:extLst>
+      <p:ext uri="{BB962C8B-B14F-4D97-AF65-F5344CB8AC3E}">
+        <p14:creationId xmlns:p14="http://schemas.microsoft.com/office/powerpoint/2010/main" val="3355124374"/>
+      </p:ext>
+    </p:extLst>
+  </p:cSld>
+  <p:clrMapOvr>
+    <a:masterClrMapping/>
+  </p:clrMapOvr>
+</p:notes>
+</file>
+
+<file path=ppt/notesSlides/notesSlide2.xml><?xml version="1.0" encoding="utf-8"?>
+<p:notes xmlns:a="http://schemas.openxmlformats.org/drawingml/2006/main" xmlns:r="http://schemas.openxmlformats.org/officeDocument/2006/relationships" xmlns:p="http://schemas.openxmlformats.org/presentationml/2006/main">
+  <p:cSld>
+    <p:spTree>
+      <p:nvGrpSpPr>
+        <p:cNvPr id="1" name=""/>
+        <p:cNvGrpSpPr/>
+        <p:nvPr/>
+      </p:nvGrpSpPr>
+      <p:grpSpPr>
+        <a:xfrm>
+          <a:off x="0" y="0"/>
+          <a:ext cx="0" cy="0"/>
+          <a:chOff x="0" y="0"/>
+          <a:chExt cx="0" cy="0"/>
+        </a:xfrm>
+      </p:grpSpPr>
+      <p:sp>
+        <p:nvSpPr>
+          <p:cNvPr id="2" name="슬라이드 이미지 개체 틀 1"/>
+          <p:cNvSpPr>
+            <a:spLocks noGrp="1" noRot="1" noChangeAspect="1"/>
+          </p:cNvSpPr>
+          <p:nvPr>
+            <p:ph type="sldImg"/>
+          </p:nvPr>
+        </p:nvSpPr>
+        <p:spPr/>
+      </p:sp>
+      <p:sp>
+        <p:nvSpPr>
+          <p:cNvPr id="3" name="슬라이드 노트 개체 틀 2"/>
+          <p:cNvSpPr>
+            <a:spLocks noGrp="1"/>
+          </p:cNvSpPr>
+          <p:nvPr>
+            <p:ph type="body" idx="1"/>
+          </p:nvPr>
+        </p:nvSpPr>
+        <p:spPr/>
+        <p:txBody>
+          <a:bodyPr/>
+          <a:lstStyle/>
+          <a:p>
+            <a:endParaRPr lang="en-US"/>
+          </a:p>
+        </p:txBody>
+      </p:sp>
+      <p:sp>
+        <p:nvSpPr>
+          <p:cNvPr id="4" name="슬라이드 번호 개체 틀 3"/>
+          <p:cNvSpPr>
+            <a:spLocks noGrp="1"/>
+          </p:cNvSpPr>
+          <p:nvPr>
+            <p:ph type="sldNum" sz="quarter" idx="5"/>
+          </p:nvPr>
+        </p:nvSpPr>
+        <p:spPr/>
+        <p:txBody>
+          <a:bodyPr/>
+          <a:lstStyle/>
+          <a:p>
+            <a:fld id="{5D45A76C-9AB8-4EEE-87C1-821E5EC831BA}" type="slidenum">
+              <a:rPr lang="en-US" smtClean="0"/>
+              <a:t>2</a:t>
+            </a:fld>
+            <a:endParaRPr lang="en-US"/>
+          </a:p>
+        </p:txBody>
+      </p:sp>
+    </p:spTree>
+    <p:extLst>
+      <p:ext uri="{BB962C8B-B14F-4D97-AF65-F5344CB8AC3E}">
+        <p14:creationId xmlns:p14="http://schemas.microsoft.com/office/powerpoint/2010/main" val="4041637691"/>
+      </p:ext>
+    </p:extLst>
+  </p:cSld>
+  <p:clrMapOvr>
+    <a:masterClrMapping/>
+  </p:clrMapOvr>
+</p:notes>
+</file>
+
+<file path=ppt/notesSlides/notesSlide3.xml><?xml version="1.0" encoding="utf-8"?>
+<p:notes xmlns:a="http://schemas.openxmlformats.org/drawingml/2006/main" xmlns:r="http://schemas.openxmlformats.org/officeDocument/2006/relationships" xmlns:p="http://schemas.openxmlformats.org/presentationml/2006/main">
+  <p:cSld>
+    <p:spTree>
+      <p:nvGrpSpPr>
+        <p:cNvPr id="1" name=""/>
+        <p:cNvGrpSpPr/>
+        <p:nvPr/>
+      </p:nvGrpSpPr>
+      <p:grpSpPr>
+        <a:xfrm>
+          <a:off x="0" y="0"/>
+          <a:ext cx="0" cy="0"/>
+          <a:chOff x="0" y="0"/>
+          <a:chExt cx="0" cy="0"/>
+        </a:xfrm>
+      </p:grpSpPr>
+      <p:sp>
+        <p:nvSpPr>
+          <p:cNvPr id="2" name="슬라이드 이미지 개체 틀 1"/>
+          <p:cNvSpPr>
+            <a:spLocks noGrp="1" noRot="1" noChangeAspect="1"/>
+          </p:cNvSpPr>
+          <p:nvPr>
+            <p:ph type="sldImg"/>
+          </p:nvPr>
+        </p:nvSpPr>
+        <p:spPr/>
+      </p:sp>
+      <p:sp>
+        <p:nvSpPr>
+          <p:cNvPr id="3" name="슬라이드 노트 개체 틀 2"/>
+          <p:cNvSpPr>
+            <a:spLocks noGrp="1"/>
+          </p:cNvSpPr>
+          <p:nvPr>
+            <p:ph type="body" idx="1"/>
+          </p:nvPr>
+        </p:nvSpPr>
+        <p:spPr/>
+        <p:txBody>
+          <a:bodyPr/>
+          <a:lstStyle/>
+          <a:p>
+            <a:endParaRPr lang="en-US"/>
+          </a:p>
+        </p:txBody>
+      </p:sp>
+      <p:sp>
+        <p:nvSpPr>
+          <p:cNvPr id="4" name="슬라이드 번호 개체 틀 3"/>
+          <p:cNvSpPr>
+            <a:spLocks noGrp="1"/>
+          </p:cNvSpPr>
+          <p:nvPr>
+            <p:ph type="sldNum" sz="quarter" idx="5"/>
+          </p:nvPr>
+        </p:nvSpPr>
+        <p:spPr/>
+        <p:txBody>
+          <a:bodyPr/>
+          <a:lstStyle/>
+          <a:p>
+            <a:fld id="{5D45A76C-9AB8-4EEE-87C1-821E5EC831BA}" type="slidenum">
+              <a:rPr lang="en-US" smtClean="0"/>
+              <a:t>3</a:t>
+            </a:fld>
+            <a:endParaRPr lang="en-US"/>
+          </a:p>
+        </p:txBody>
+      </p:sp>
+    </p:spTree>
+    <p:extLst>
+      <p:ext uri="{BB962C8B-B14F-4D97-AF65-F5344CB8AC3E}">
+        <p14:creationId xmlns:p14="http://schemas.microsoft.com/office/powerpoint/2010/main" val="2930667396"/>
+      </p:ext>
+    </p:extLst>
+  </p:cSld>
+  <p:clrMapOvr>
+    <a:masterClrMapping/>
+  </p:clrMapOvr>
+</p:notes>
+</file>
+
+<file path=ppt/notesSlides/notesSlide4.xml><?xml version="1.0" encoding="utf-8"?>
+<p:notes xmlns:a="http://schemas.openxmlformats.org/drawingml/2006/main" xmlns:r="http://schemas.openxmlformats.org/officeDocument/2006/relationships" xmlns:p="http://schemas.openxmlformats.org/presentationml/2006/main">
+  <p:cSld>
+    <p:spTree>
+      <p:nvGrpSpPr>
+        <p:cNvPr id="1" name=""/>
+        <p:cNvGrpSpPr/>
+        <p:nvPr/>
+      </p:nvGrpSpPr>
+      <p:grpSpPr>
+        <a:xfrm>
+          <a:off x="0" y="0"/>
+          <a:ext cx="0" cy="0"/>
+          <a:chOff x="0" y="0"/>
+          <a:chExt cx="0" cy="0"/>
+        </a:xfrm>
+      </p:grpSpPr>
+      <p:sp>
+        <p:nvSpPr>
+          <p:cNvPr id="2" name="슬라이드 이미지 개체 틀 1"/>
+          <p:cNvSpPr>
+            <a:spLocks noGrp="1" noRot="1" noChangeAspect="1"/>
+          </p:cNvSpPr>
+          <p:nvPr>
+            <p:ph type="sldImg"/>
+          </p:nvPr>
+        </p:nvSpPr>
+        <p:spPr/>
+      </p:sp>
+      <p:sp>
+        <p:nvSpPr>
+          <p:cNvPr id="3" name="슬라이드 노트 개체 틀 2"/>
+          <p:cNvSpPr>
+            <a:spLocks noGrp="1"/>
+          </p:cNvSpPr>
+          <p:nvPr>
+            <p:ph type="body" idx="1"/>
+          </p:nvPr>
+        </p:nvSpPr>
+        <p:spPr/>
+        <p:txBody>
+          <a:bodyPr/>
+          <a:lstStyle/>
+          <a:p>
+            <a:endParaRPr lang="en-US"/>
+          </a:p>
+        </p:txBody>
+      </p:sp>
+      <p:sp>
+        <p:nvSpPr>
+          <p:cNvPr id="4" name="슬라이드 번호 개체 틀 3"/>
+          <p:cNvSpPr>
+            <a:spLocks noGrp="1"/>
+          </p:cNvSpPr>
+          <p:nvPr>
+            <p:ph type="sldNum" sz="quarter" idx="5"/>
+          </p:nvPr>
+        </p:nvSpPr>
+        <p:spPr/>
+        <p:txBody>
+          <a:bodyPr/>
+          <a:lstStyle/>
+          <a:p>
+            <a:fld id="{5D45A76C-9AB8-4EEE-87C1-821E5EC831BA}" type="slidenum">
+              <a:rPr lang="en-US" smtClean="0"/>
+              <a:t>4</a:t>
+            </a:fld>
+            <a:endParaRPr lang="en-US"/>
+          </a:p>
+        </p:txBody>
+      </p:sp>
+    </p:spTree>
+    <p:extLst>
+      <p:ext uri="{BB962C8B-B14F-4D97-AF65-F5344CB8AC3E}">
+        <p14:creationId xmlns:p14="http://schemas.microsoft.com/office/powerpoint/2010/main" val="54277980"/>
+      </p:ext>
+    </p:extLst>
+  </p:cSld>
+  <p:clrMapOvr>
+    <a:masterClrMapping/>
+  </p:clrMapOvr>
+</p:notes>
+</file>
+
+<file path=ppt/notesSlides/notesSlide5.xml><?xml version="1.0" encoding="utf-8"?>
+<p:notes xmlns:a="http://schemas.openxmlformats.org/drawingml/2006/main" xmlns:r="http://schemas.openxmlformats.org/officeDocument/2006/relationships" xmlns:p="http://schemas.openxmlformats.org/presentationml/2006/main">
+  <p:cSld>
+    <p:spTree>
+      <p:nvGrpSpPr>
+        <p:cNvPr id="1" name=""/>
+        <p:cNvGrpSpPr/>
+        <p:nvPr/>
+      </p:nvGrpSpPr>
+      <p:grpSpPr>
+        <a:xfrm>
+          <a:off x="0" y="0"/>
+          <a:ext cx="0" cy="0"/>
+          <a:chOff x="0" y="0"/>
+          <a:chExt cx="0" cy="0"/>
+        </a:xfrm>
+      </p:grpSpPr>
+      <p:sp>
+        <p:nvSpPr>
+          <p:cNvPr id="2" name="슬라이드 이미지 개체 틀 1"/>
+          <p:cNvSpPr>
+            <a:spLocks noGrp="1" noRot="1" noChangeAspect="1"/>
+          </p:cNvSpPr>
+          <p:nvPr>
+            <p:ph type="sldImg"/>
+          </p:nvPr>
+        </p:nvSpPr>
+        <p:spPr/>
+      </p:sp>
+      <p:sp>
+        <p:nvSpPr>
+          <p:cNvPr id="3" name="슬라이드 노트 개체 틀 2"/>
+          <p:cNvSpPr>
+            <a:spLocks noGrp="1"/>
+          </p:cNvSpPr>
+          <p:nvPr>
+            <p:ph type="body" idx="1"/>
+          </p:nvPr>
+        </p:nvSpPr>
+        <p:spPr/>
+        <p:txBody>
+          <a:bodyPr/>
+          <a:lstStyle/>
+          <a:p>
+            <a:endParaRPr lang="en-US"/>
+          </a:p>
+        </p:txBody>
+      </p:sp>
+      <p:sp>
+        <p:nvSpPr>
+          <p:cNvPr id="4" name="슬라이드 번호 개체 틀 3"/>
+          <p:cNvSpPr>
+            <a:spLocks noGrp="1"/>
+          </p:cNvSpPr>
+          <p:nvPr>
+            <p:ph type="sldNum" sz="quarter" idx="5"/>
+          </p:nvPr>
+        </p:nvSpPr>
+        <p:spPr/>
+        <p:txBody>
+          <a:bodyPr/>
+          <a:lstStyle/>
+          <a:p>
+            <a:fld id="{5D45A76C-9AB8-4EEE-87C1-821E5EC831BA}" type="slidenum">
+              <a:rPr lang="en-US" smtClean="0"/>
+              <a:t>5</a:t>
+            </a:fld>
+            <a:endParaRPr lang="en-US"/>
+          </a:p>
+        </p:txBody>
+      </p:sp>
+    </p:spTree>
+    <p:extLst>
+      <p:ext uri="{BB962C8B-B14F-4D97-AF65-F5344CB8AC3E}">
+        <p14:creationId xmlns:p14="http://schemas.microsoft.com/office/powerpoint/2010/main" val="1180861842"/>
+      </p:ext>
+    </p:extLst>
+  </p:cSld>
+  <p:clrMapOvr>
+    <a:masterClrMapping/>
+  </p:clrMapOvr>
+</p:notes>
+</file>
+
+<file path=ppt/notesSlides/notesSlide6.xml><?xml version="1.0" encoding="utf-8"?>
+<p:notes xmlns:a="http://schemas.openxmlformats.org/drawingml/2006/main" xmlns:r="http://schemas.openxmlformats.org/officeDocument/2006/relationships" xmlns:p="http://schemas.openxmlformats.org/presentationml/2006/main">
+  <p:cSld>
+    <p:spTree>
+      <p:nvGrpSpPr>
+        <p:cNvPr id="1" name=""/>
+        <p:cNvGrpSpPr/>
+        <p:nvPr/>
+      </p:nvGrpSpPr>
+      <p:grpSpPr>
+        <a:xfrm>
+          <a:off x="0" y="0"/>
+          <a:ext cx="0" cy="0"/>
+          <a:chOff x="0" y="0"/>
+          <a:chExt cx="0" cy="0"/>
+        </a:xfrm>
+      </p:grpSpPr>
+      <p:sp>
+        <p:nvSpPr>
+          <p:cNvPr id="2" name="슬라이드 이미지 개체 틀 1"/>
+          <p:cNvSpPr>
+            <a:spLocks noGrp="1" noRot="1" noChangeAspect="1"/>
+          </p:cNvSpPr>
+          <p:nvPr>
+            <p:ph type="sldImg"/>
+          </p:nvPr>
+        </p:nvSpPr>
+        <p:spPr/>
+      </p:sp>
+      <p:sp>
+        <p:nvSpPr>
+          <p:cNvPr id="3" name="슬라이드 노트 개체 틀 2"/>
+          <p:cNvSpPr>
+            <a:spLocks noGrp="1"/>
+          </p:cNvSpPr>
+          <p:nvPr>
+            <p:ph type="body" idx="1"/>
+          </p:nvPr>
+        </p:nvSpPr>
+        <p:spPr/>
+        <p:txBody>
+          <a:bodyPr/>
+          <a:lstStyle/>
+          <a:p>
+            <a:endParaRPr lang="en-US"/>
+          </a:p>
+        </p:txBody>
+      </p:sp>
+      <p:sp>
+        <p:nvSpPr>
+          <p:cNvPr id="4" name="슬라이드 번호 개체 틀 3"/>
+          <p:cNvSpPr>
+            <a:spLocks noGrp="1"/>
+          </p:cNvSpPr>
+          <p:nvPr>
+            <p:ph type="sldNum" sz="quarter" idx="5"/>
+          </p:nvPr>
+        </p:nvSpPr>
+        <p:spPr/>
+        <p:txBody>
+          <a:bodyPr/>
+          <a:lstStyle/>
+          <a:p>
+            <a:fld id="{5D45A76C-9AB8-4EEE-87C1-821E5EC831BA}" type="slidenum">
+              <a:rPr lang="en-US" smtClean="0"/>
+              <a:t>6</a:t>
+            </a:fld>
+            <a:endParaRPr lang="en-US"/>
+          </a:p>
+        </p:txBody>
+      </p:sp>
+    </p:spTree>
+    <p:extLst>
+      <p:ext uri="{BB962C8B-B14F-4D97-AF65-F5344CB8AC3E}">
+        <p14:creationId xmlns:p14="http://schemas.microsoft.com/office/powerpoint/2010/main" val="3516561865"/>
+      </p:ext>
+    </p:extLst>
+  </p:cSld>
+  <p:clrMapOvr>
+    <a:masterClrMapping/>
+  </p:clrMapOvr>
+</p:notes>
+</file>
+
+<file path=ppt/notesSlides/notesSlide7.xml><?xml version="1.0" encoding="utf-8"?>
+<p:notes xmlns:a="http://schemas.openxmlformats.org/drawingml/2006/main" xmlns:r="http://schemas.openxmlformats.org/officeDocument/2006/relationships" xmlns:p="http://schemas.openxmlformats.org/presentationml/2006/main">
+  <p:cSld>
+    <p:spTree>
+      <p:nvGrpSpPr>
+        <p:cNvPr id="1" name=""/>
+        <p:cNvGrpSpPr/>
+        <p:nvPr/>
+      </p:nvGrpSpPr>
+      <p:grpSpPr>
+        <a:xfrm>
+          <a:off x="0" y="0"/>
+          <a:ext cx="0" cy="0"/>
+          <a:chOff x="0" y="0"/>
+          <a:chExt cx="0" cy="0"/>
+        </a:xfrm>
+      </p:grpSpPr>
+      <p:sp>
+        <p:nvSpPr>
+          <p:cNvPr id="2" name="슬라이드 이미지 개체 틀 1"/>
+          <p:cNvSpPr>
+            <a:spLocks noGrp="1" noRot="1" noChangeAspect="1"/>
+          </p:cNvSpPr>
+          <p:nvPr>
+            <p:ph type="sldImg"/>
+          </p:nvPr>
+        </p:nvSpPr>
+        <p:spPr/>
+      </p:sp>
+      <p:sp>
+        <p:nvSpPr>
+          <p:cNvPr id="3" name="슬라이드 노트 개체 틀 2"/>
+          <p:cNvSpPr>
+            <a:spLocks noGrp="1"/>
+          </p:cNvSpPr>
+          <p:nvPr>
+            <p:ph type="body" idx="1"/>
+          </p:nvPr>
+        </p:nvSpPr>
+        <p:spPr/>
+        <p:txBody>
+          <a:bodyPr/>
+          <a:lstStyle/>
+          <a:p>
+            <a:endParaRPr lang="en-US"/>
+          </a:p>
+        </p:txBody>
+      </p:sp>
+      <p:sp>
+        <p:nvSpPr>
+          <p:cNvPr id="4" name="슬라이드 번호 개체 틀 3"/>
+          <p:cNvSpPr>
+            <a:spLocks noGrp="1"/>
+          </p:cNvSpPr>
+          <p:nvPr>
+            <p:ph type="sldNum" sz="quarter" idx="5"/>
+          </p:nvPr>
+        </p:nvSpPr>
+        <p:spPr/>
+        <p:txBody>
+          <a:bodyPr/>
+          <a:lstStyle/>
+          <a:p>
+            <a:fld id="{5D45A76C-9AB8-4EEE-87C1-821E5EC831BA}" type="slidenum">
+              <a:rPr lang="en-US" smtClean="0"/>
+              <a:t>7</a:t>
+            </a:fld>
+            <a:endParaRPr lang="en-US"/>
+          </a:p>
+        </p:txBody>
+      </p:sp>
+    </p:spTree>
+    <p:extLst>
+      <p:ext uri="{BB962C8B-B14F-4D97-AF65-F5344CB8AC3E}">
+        <p14:creationId xmlns:p14="http://schemas.microsoft.com/office/powerpoint/2010/main" val="2088406129"/>
+      </p:ext>
+    </p:extLst>
+  </p:cSld>
+  <p:clrMapOvr>
+    <a:masterClrMapping/>
+  </p:clrMapOvr>
+</p:notes>
+</file>
+
+<file path=ppt/notesSlides/notesSlide8.xml><?xml version="1.0" encoding="utf-8"?>
+<p:notes xmlns:a="http://schemas.openxmlformats.org/drawingml/2006/main" xmlns:r="http://schemas.openxmlformats.org/officeDocument/2006/relationships" xmlns:p="http://schemas.openxmlformats.org/presentationml/2006/main">
+  <p:cSld>
+    <p:spTree>
+      <p:nvGrpSpPr>
+        <p:cNvPr id="1" name=""/>
+        <p:cNvGrpSpPr/>
+        <p:nvPr/>
+      </p:nvGrpSpPr>
+      <p:grpSpPr>
+        <a:xfrm>
+          <a:off x="0" y="0"/>
+          <a:ext cx="0" cy="0"/>
+          <a:chOff x="0" y="0"/>
+          <a:chExt cx="0" cy="0"/>
+        </a:xfrm>
+      </p:grpSpPr>
+      <p:sp>
+        <p:nvSpPr>
+          <p:cNvPr id="2" name="슬라이드 이미지 개체 틀 1"/>
+          <p:cNvSpPr>
+            <a:spLocks noGrp="1" noRot="1" noChangeAspect="1"/>
+          </p:cNvSpPr>
+          <p:nvPr>
+            <p:ph type="sldImg"/>
+          </p:nvPr>
+        </p:nvSpPr>
+        <p:spPr/>
+      </p:sp>
+      <p:sp>
+        <p:nvSpPr>
+          <p:cNvPr id="3" name="슬라이드 노트 개체 틀 2"/>
+          <p:cNvSpPr>
+            <a:spLocks noGrp="1"/>
+          </p:cNvSpPr>
+          <p:nvPr>
+            <p:ph type="body" idx="1"/>
+          </p:nvPr>
+        </p:nvSpPr>
+        <p:spPr/>
+        <p:txBody>
+          <a:bodyPr/>
+          <a:lstStyle/>
+          <a:p>
+            <a:endParaRPr lang="en-US"/>
+          </a:p>
+        </p:txBody>
+      </p:sp>
+      <p:sp>
+        <p:nvSpPr>
+          <p:cNvPr id="4" name="슬라이드 번호 개체 틀 3"/>
+          <p:cNvSpPr>
+            <a:spLocks noGrp="1"/>
+          </p:cNvSpPr>
+          <p:nvPr>
+            <p:ph type="sldNum" sz="quarter" idx="5"/>
+          </p:nvPr>
+        </p:nvSpPr>
+        <p:spPr/>
+        <p:txBody>
+          <a:bodyPr/>
+          <a:lstStyle/>
+          <a:p>
+            <a:fld id="{5D45A76C-9AB8-4EEE-87C1-821E5EC831BA}" type="slidenum">
+              <a:rPr lang="en-US" smtClean="0"/>
+              <a:t>8</a:t>
+            </a:fld>
+            <a:endParaRPr lang="en-US"/>
+          </a:p>
+        </p:txBody>
+      </p:sp>
+    </p:spTree>
+    <p:extLst>
+      <p:ext uri="{BB962C8B-B14F-4D97-AF65-F5344CB8AC3E}">
+        <p14:creationId xmlns:p14="http://schemas.microsoft.com/office/powerpoint/2010/main" val="1305296541"/>
+      </p:ext>
+    </p:extLst>
+  </p:cSld>
+  <p:clrMapOvr>
+    <a:masterClrMapping/>
+  </p:clrMapOvr>
+</p:notes>
+</file>
+
+<file path=ppt/notesSlides/notesSlide9.xml><?xml version="1.0" encoding="utf-8"?>
+<p:notes xmlns:a="http://schemas.openxmlformats.org/drawingml/2006/main" xmlns:r="http://schemas.openxmlformats.org/officeDocument/2006/relationships" xmlns:p="http://schemas.openxmlformats.org/presentationml/2006/main">
+  <p:cSld>
+    <p:spTree>
+      <p:nvGrpSpPr>
+        <p:cNvPr id="1" name=""/>
+        <p:cNvGrpSpPr/>
+        <p:nvPr/>
+      </p:nvGrpSpPr>
+      <p:grpSpPr>
+        <a:xfrm>
+          <a:off x="0" y="0"/>
+          <a:ext cx="0" cy="0"/>
+          <a:chOff x="0" y="0"/>
+          <a:chExt cx="0" cy="0"/>
+        </a:xfrm>
+      </p:grpSpPr>
+      <p:sp>
+        <p:nvSpPr>
+          <p:cNvPr id="2" name="슬라이드 이미지 개체 틀 1"/>
+          <p:cNvSpPr>
+            <a:spLocks noGrp="1" noRot="1" noChangeAspect="1"/>
+          </p:cNvSpPr>
+          <p:nvPr>
+            <p:ph type="sldImg"/>
+          </p:nvPr>
+        </p:nvSpPr>
+        <p:spPr/>
+      </p:sp>
+      <p:sp>
+        <p:nvSpPr>
+          <p:cNvPr id="3" name="슬라이드 노트 개체 틀 2"/>
+          <p:cNvSpPr>
+            <a:spLocks noGrp="1"/>
+          </p:cNvSpPr>
+          <p:nvPr>
+            <p:ph type="body" idx="1"/>
+          </p:nvPr>
+        </p:nvSpPr>
+        <p:spPr/>
+        <p:txBody>
+          <a:bodyPr/>
+          <a:lstStyle/>
+          <a:p>
+            <a:endParaRPr lang="en-US"/>
+          </a:p>
+        </p:txBody>
+      </p:sp>
+      <p:sp>
+        <p:nvSpPr>
+          <p:cNvPr id="4" name="슬라이드 번호 개체 틀 3"/>
+          <p:cNvSpPr>
+            <a:spLocks noGrp="1"/>
+          </p:cNvSpPr>
+          <p:nvPr>
+            <p:ph type="sldNum" sz="quarter" idx="5"/>
+          </p:nvPr>
+        </p:nvSpPr>
+        <p:spPr/>
+        <p:txBody>
+          <a:bodyPr/>
+          <a:lstStyle/>
+          <a:p>
+            <a:fld id="{5D45A76C-9AB8-4EEE-87C1-821E5EC831BA}" type="slidenum">
+              <a:rPr lang="en-US" smtClean="0"/>
+              <a:t>9</a:t>
+            </a:fld>
+            <a:endParaRPr lang="en-US"/>
+          </a:p>
+        </p:txBody>
+      </p:sp>
+    </p:spTree>
+    <p:extLst>
+      <p:ext uri="{BB962C8B-B14F-4D97-AF65-F5344CB8AC3E}">
+        <p14:creationId xmlns:p14="http://schemas.microsoft.com/office/powerpoint/2010/main" val="852113662"/>
+      </p:ext>
+    </p:extLst>
+  </p:cSld>
+  <p:clrMapOvr>
+    <a:masterClrMapping/>
+  </p:clrMapOvr>
+</p:notes>
 </file>
 
 <file path=ppt/slideLayouts/slideLayout1.xml><?xml version="1.0" encoding="utf-8"?>
@@ -3380,10 +5165,11 @@
           <a:bodyPr/>
           <a:lstStyle/>
           <a:p>
-            <a:r>
-              <a:rPr lang="ko-KR" altLang="en-US" dirty="0"/>
-              <a:t>인공지능 기반의 </a:t>
-            </a:r>
+            <a:pPr>
+              <a:lnSpc>
+                <a:spcPct val="100000"/>
+              </a:lnSpc>
+            </a:pPr>
             <a:br>
               <a:rPr lang="ko-KR" altLang="en-US" dirty="0"/>
             </a:br>
@@ -3437,6 +5223,84 @@
             <a:r>
               <a:rPr lang="en-US" altLang="ko-KR" dirty="0"/>
               <a:t>)</a:t>
+            </a:r>
+            <a:endParaRPr lang="en-US" dirty="0"/>
+          </a:p>
+        </p:txBody>
+      </p:sp>
+      <p:sp>
+        <p:nvSpPr>
+          <p:cNvPr id="4" name="TextBox 3">
+            <a:extLst>
+              <a:ext uri="{FF2B5EF4-FFF2-40B4-BE49-F238E27FC236}">
+                <a16:creationId xmlns:a16="http://schemas.microsoft.com/office/drawing/2014/main" id="{8C58F63B-B630-4A73-AEB7-8E063C69FF02}"/>
+              </a:ext>
+            </a:extLst>
+          </p:cNvPr>
+          <p:cNvSpPr txBox="1"/>
+          <p:nvPr/>
+        </p:nvSpPr>
+        <p:spPr>
+          <a:xfrm>
+            <a:off x="11133700" y="6428266"/>
+            <a:ext cx="836639" cy="276999"/>
+          </a:xfrm>
+          <a:prstGeom prst="rect">
+            <a:avLst/>
+          </a:prstGeom>
+          <a:noFill/>
+        </p:spPr>
+        <p:txBody>
+          <a:bodyPr wrap="none" rtlCol="0">
+            <a:spAutoFit/>
+          </a:bodyPr>
+          <a:lstStyle/>
+          <a:p>
+            <a:r>
+              <a:rPr lang="en-US" sz="1200" dirty="0">
+                <a:solidFill>
+                  <a:srgbClr val="0000FF"/>
+                </a:solidFill>
+              </a:rPr>
+              <a:t>How</a:t>
+            </a:r>
+            <a:r>
+              <a:rPr lang="en-US" sz="1200" dirty="0"/>
+              <a:t> to do</a:t>
+            </a:r>
+          </a:p>
+        </p:txBody>
+      </p:sp>
+      <p:sp>
+        <p:nvSpPr>
+          <p:cNvPr id="5" name="직사각형 4">
+            <a:extLst>
+              <a:ext uri="{FF2B5EF4-FFF2-40B4-BE49-F238E27FC236}">
+                <a16:creationId xmlns:a16="http://schemas.microsoft.com/office/drawing/2014/main" id="{A2B55D93-8E7F-4853-8692-307E33BCC20C}"/>
+              </a:ext>
+            </a:extLst>
+          </p:cNvPr>
+          <p:cNvSpPr/>
+          <p:nvPr/>
+        </p:nvSpPr>
+        <p:spPr>
+          <a:xfrm>
+            <a:off x="3247338" y="2131497"/>
+            <a:ext cx="1906291" cy="369332"/>
+          </a:xfrm>
+          <a:prstGeom prst="rect">
+            <a:avLst/>
+          </a:prstGeom>
+        </p:spPr>
+        <p:txBody>
+          <a:bodyPr wrap="none">
+            <a:spAutoFit/>
+          </a:bodyPr>
+          <a:lstStyle/>
+          <a:p>
+            <a:r>
+              <a:rPr lang="ko-KR" altLang="en-US" dirty="0"/>
+              <a:t>인공지능 기반의 </a:t>
             </a:r>
             <a:endParaRPr lang="en-US" dirty="0"/>
           </a:p>
@@ -3704,7 +5568,7 @@
           <p:nvPr/>
         </p:nvPicPr>
         <p:blipFill rotWithShape="1">
-          <a:blip r:embed="rId2">
+          <a:blip r:embed="rId3">
             <a:extLst>
               <a:ext uri="{28A0092B-C50C-407E-A947-70E740481C1C}">
                 <a14:useLocalDpi xmlns:a14="http://schemas.microsoft.com/office/drawing/2010/main" val="0"/>
@@ -4271,7 +6135,7 @@
             <a:pPr lvl="1"/>
             <a:r>
               <a:rPr lang="en-US" altLang="ko-KR" dirty="0">
-                <a:hlinkClick r:id="rId2"/>
+                <a:hlinkClick r:id="rId3"/>
               </a:rPr>
               <a:t>https://colab.research.google.com</a:t>
             </a:r>
@@ -4304,20 +6168,19 @@
               <a:t>실습강의안</a:t>
             </a:r>
             <a:r>
-              <a:rPr lang="en-US" altLang="ko-KR"/>
+              <a:rPr lang="en-US" altLang="ko-KR" dirty="0"/>
               <a:t>: </a:t>
             </a:r>
             <a:r>
-              <a:rPr lang="en-US" altLang="ko-KR">
-                <a:hlinkClick r:id="rId3"/>
+              <a:rPr lang="en-US" altLang="ko-KR" dirty="0">
+                <a:hlinkClick r:id="rId4"/>
               </a:rPr>
               <a:t>https://colab.research.google.com/drive/1BRAEWUyt8pcZRUq9kpZigWtgPmD_g5HH?usp=sharing</a:t>
             </a:r>
             <a:r>
-              <a:rPr lang="en-US" altLang="ko-KR"/>
+              <a:rPr lang="en-US" altLang="ko-KR" dirty="0"/>
               <a:t> </a:t>
             </a:r>
-            <a:endParaRPr lang="en-US" altLang="ko-KR" dirty="0"/>
           </a:p>
         </p:txBody>
       </p:sp>
@@ -4325,6 +6188,635 @@
     <p:extLst>
       <p:ext uri="{BB962C8B-B14F-4D97-AF65-F5344CB8AC3E}">
         <p14:creationId xmlns:p14="http://schemas.microsoft.com/office/powerpoint/2010/main" val="1347290150"/>
+      </p:ext>
+    </p:extLst>
+  </p:cSld>
+  <p:clrMapOvr>
+    <a:masterClrMapping/>
+  </p:clrMapOvr>
+</p:sld>
+</file>
+
+<file path=ppt/slides/slide14.xml><?xml version="1.0" encoding="utf-8"?>
+<p:sld xmlns:a="http://schemas.openxmlformats.org/drawingml/2006/main" xmlns:r="http://schemas.openxmlformats.org/officeDocument/2006/relationships" xmlns:p="http://schemas.openxmlformats.org/presentationml/2006/main">
+  <p:cSld>
+    <p:spTree>
+      <p:nvGrpSpPr>
+        <p:cNvPr id="1" name=""/>
+        <p:cNvGrpSpPr/>
+        <p:nvPr/>
+      </p:nvGrpSpPr>
+      <p:grpSpPr>
+        <a:xfrm>
+          <a:off x="0" y="0"/>
+          <a:ext cx="0" cy="0"/>
+          <a:chOff x="0" y="0"/>
+          <a:chExt cx="0" cy="0"/>
+        </a:xfrm>
+      </p:grpSpPr>
+      <p:sp>
+        <p:nvSpPr>
+          <p:cNvPr id="2" name="제목 1">
+            <a:extLst>
+              <a:ext uri="{FF2B5EF4-FFF2-40B4-BE49-F238E27FC236}">
+                <a16:creationId xmlns:a16="http://schemas.microsoft.com/office/drawing/2014/main" id="{A157DEF3-2B2A-4F76-B7DD-E45ED9C407F1}"/>
+              </a:ext>
+            </a:extLst>
+          </p:cNvPr>
+          <p:cNvSpPr>
+            <a:spLocks noGrp="1"/>
+          </p:cNvSpPr>
+          <p:nvPr>
+            <p:ph type="title"/>
+          </p:nvPr>
+        </p:nvSpPr>
+        <p:spPr/>
+        <p:txBody>
+          <a:bodyPr/>
+          <a:lstStyle/>
+          <a:p>
+            <a:r>
+              <a:rPr lang="ko-KR" altLang="en-US" dirty="0"/>
+              <a:t>기업 데이터 분석 인접 학문</a:t>
+            </a:r>
+            <a:endParaRPr lang="en-US" dirty="0"/>
+          </a:p>
+        </p:txBody>
+      </p:sp>
+      <p:sp>
+        <p:nvSpPr>
+          <p:cNvPr id="3" name="내용 개체 틀 2">
+            <a:extLst>
+              <a:ext uri="{FF2B5EF4-FFF2-40B4-BE49-F238E27FC236}">
+                <a16:creationId xmlns:a16="http://schemas.microsoft.com/office/drawing/2014/main" id="{E98348EA-4A06-4517-8402-0D1FB0B0112A}"/>
+              </a:ext>
+            </a:extLst>
+          </p:cNvPr>
+          <p:cNvSpPr>
+            <a:spLocks noGrp="1"/>
+          </p:cNvSpPr>
+          <p:nvPr>
+            <p:ph idx="1"/>
+          </p:nvPr>
+        </p:nvSpPr>
+        <p:spPr/>
+        <p:txBody>
+          <a:bodyPr/>
+          <a:lstStyle/>
+          <a:p>
+            <a:r>
+              <a:rPr lang="ko-KR" altLang="en-US" dirty="0"/>
+              <a:t>경영학  </a:t>
+            </a:r>
+            <a:r>
+              <a:rPr lang="en-US" altLang="ko-KR" dirty="0"/>
+              <a:t>(</a:t>
+            </a:r>
+            <a:r>
+              <a:rPr lang="ko-KR" altLang="en-US" dirty="0"/>
+              <a:t>기업</a:t>
+            </a:r>
+            <a:r>
+              <a:rPr lang="en-US" altLang="ko-KR" dirty="0"/>
+              <a:t>)  </a:t>
+            </a:r>
+            <a:r>
+              <a:rPr lang="ko-KR" altLang="en-US" sz="1200" dirty="0"/>
+              <a:t>사회과학</a:t>
+            </a:r>
+            <a:r>
+              <a:rPr lang="en-US" altLang="ko-KR" sz="1200" dirty="0"/>
+              <a:t>, </a:t>
+            </a:r>
+            <a:r>
+              <a:rPr lang="ko-KR" altLang="en-US" sz="1200" dirty="0"/>
+              <a:t>의학</a:t>
+            </a:r>
+            <a:r>
+              <a:rPr lang="en-US" altLang="ko-KR" sz="1200" dirty="0"/>
+              <a:t>, </a:t>
+            </a:r>
+            <a:r>
+              <a:rPr lang="ko-KR" altLang="en-US" sz="1200" dirty="0"/>
+              <a:t>약학</a:t>
+            </a:r>
+            <a:r>
+              <a:rPr lang="en-US" altLang="ko-KR" sz="1200" dirty="0"/>
+              <a:t>, </a:t>
+            </a:r>
+            <a:r>
+              <a:rPr lang="ko-KR" altLang="en-US" sz="1200" dirty="0"/>
+              <a:t>식품</a:t>
+            </a:r>
+            <a:r>
+              <a:rPr lang="en-US" altLang="ko-KR" sz="1200" dirty="0"/>
+              <a:t>, </a:t>
+            </a:r>
+            <a:r>
+              <a:rPr lang="ko-KR" altLang="en-US" sz="1200" dirty="0"/>
+              <a:t>패션</a:t>
+            </a:r>
+            <a:r>
+              <a:rPr lang="en-US" altLang="ko-KR" sz="1200" dirty="0"/>
+              <a:t>, </a:t>
+            </a:r>
+            <a:r>
+              <a:rPr lang="ko-KR" altLang="en-US" sz="1200" dirty="0"/>
+              <a:t>경제학</a:t>
+            </a:r>
+            <a:r>
+              <a:rPr lang="en-US" altLang="ko-KR" sz="1200" dirty="0"/>
+              <a:t>, </a:t>
+            </a:r>
+            <a:r>
+              <a:rPr lang="ko-KR" altLang="en-US" sz="1200" dirty="0"/>
+              <a:t>행정학</a:t>
+            </a:r>
+            <a:endParaRPr lang="en-US" altLang="ko-KR" sz="1200" dirty="0"/>
+          </a:p>
+          <a:p>
+            <a:endParaRPr lang="en-US" altLang="ko-KR" dirty="0"/>
+          </a:p>
+          <a:p>
+            <a:r>
+              <a:rPr lang="ko-KR" altLang="en-US" dirty="0"/>
+              <a:t>공학  </a:t>
+            </a:r>
+            <a:r>
+              <a:rPr lang="ko-KR" altLang="en-US" sz="1200" dirty="0"/>
+              <a:t>컴퓨터공학</a:t>
+            </a:r>
+            <a:r>
+              <a:rPr lang="en-US" altLang="ko-KR" sz="1200" dirty="0"/>
+              <a:t>, </a:t>
+            </a:r>
+            <a:r>
+              <a:rPr lang="ko-KR" altLang="en-US" sz="1200" dirty="0" err="1"/>
+              <a:t>소프트웨공학</a:t>
+            </a:r>
+            <a:r>
+              <a:rPr lang="en-US" altLang="ko-KR" sz="1200" dirty="0"/>
+              <a:t>, </a:t>
+            </a:r>
+            <a:r>
+              <a:rPr lang="ko-KR" altLang="en-US" sz="1200" dirty="0"/>
+              <a:t>데이터 처리</a:t>
+            </a:r>
+            <a:r>
+              <a:rPr lang="en-US" altLang="ko-KR" sz="1200" dirty="0"/>
+              <a:t>, python </a:t>
+            </a:r>
+          </a:p>
+          <a:p>
+            <a:endParaRPr lang="en-US" altLang="ko-KR" dirty="0"/>
+          </a:p>
+          <a:p>
+            <a:r>
+              <a:rPr lang="ko-KR" altLang="en-US" dirty="0"/>
+              <a:t>자연과학 </a:t>
+            </a:r>
+            <a:r>
+              <a:rPr lang="ko-KR" altLang="en-US" sz="1200" dirty="0"/>
+              <a:t>통계학</a:t>
+            </a:r>
+            <a:r>
+              <a:rPr lang="en-US" altLang="ko-KR" sz="1200" dirty="0"/>
+              <a:t>, </a:t>
+            </a:r>
+            <a:r>
+              <a:rPr lang="ko-KR" altLang="en-US" sz="1200" dirty="0"/>
+              <a:t>수학</a:t>
+            </a:r>
+            <a:endParaRPr lang="en-US" altLang="ko-KR" sz="1100" dirty="0"/>
+          </a:p>
+        </p:txBody>
+      </p:sp>
+    </p:spTree>
+    <p:extLst>
+      <p:ext uri="{BB962C8B-B14F-4D97-AF65-F5344CB8AC3E}">
+        <p14:creationId xmlns:p14="http://schemas.microsoft.com/office/powerpoint/2010/main" val="4088602674"/>
+      </p:ext>
+    </p:extLst>
+  </p:cSld>
+  <p:clrMapOvr>
+    <a:masterClrMapping/>
+  </p:clrMapOvr>
+</p:sld>
+</file>
+
+<file path=ppt/slides/slide15.xml><?xml version="1.0" encoding="utf-8"?>
+<p:sld xmlns:a="http://schemas.openxmlformats.org/drawingml/2006/main" xmlns:r="http://schemas.openxmlformats.org/officeDocument/2006/relationships" xmlns:p="http://schemas.openxmlformats.org/presentationml/2006/main">
+  <p:cSld>
+    <p:spTree>
+      <p:nvGrpSpPr>
+        <p:cNvPr id="1" name=""/>
+        <p:cNvGrpSpPr/>
+        <p:nvPr/>
+      </p:nvGrpSpPr>
+      <p:grpSpPr>
+        <a:xfrm>
+          <a:off x="0" y="0"/>
+          <a:ext cx="0" cy="0"/>
+          <a:chOff x="0" y="0"/>
+          <a:chExt cx="0" cy="0"/>
+        </a:xfrm>
+      </p:grpSpPr>
+      <p:sp>
+        <p:nvSpPr>
+          <p:cNvPr id="2" name="제목 1">
+            <a:extLst>
+              <a:ext uri="{FF2B5EF4-FFF2-40B4-BE49-F238E27FC236}">
+                <a16:creationId xmlns:a16="http://schemas.microsoft.com/office/drawing/2014/main" id="{08C11B5C-C384-42C7-AF65-0868765AF27B}"/>
+              </a:ext>
+            </a:extLst>
+          </p:cNvPr>
+          <p:cNvSpPr>
+            <a:spLocks noGrp="1"/>
+          </p:cNvSpPr>
+          <p:nvPr>
+            <p:ph type="title"/>
+          </p:nvPr>
+        </p:nvSpPr>
+        <p:spPr/>
+        <p:txBody>
+          <a:bodyPr/>
+          <a:lstStyle/>
+          <a:p>
+            <a:r>
+              <a:rPr lang="ko-KR" altLang="en-US" dirty="0"/>
+              <a:t>데이터 분석 교육 프로그램</a:t>
+            </a:r>
+            <a:endParaRPr lang="en-US" dirty="0"/>
+          </a:p>
+        </p:txBody>
+      </p:sp>
+      <p:sp>
+        <p:nvSpPr>
+          <p:cNvPr id="3" name="내용 개체 틀 2">
+            <a:extLst>
+              <a:ext uri="{FF2B5EF4-FFF2-40B4-BE49-F238E27FC236}">
+                <a16:creationId xmlns:a16="http://schemas.microsoft.com/office/drawing/2014/main" id="{24B051A0-34DA-4123-BAF5-81BC670BE9FB}"/>
+              </a:ext>
+            </a:extLst>
+          </p:cNvPr>
+          <p:cNvSpPr>
+            <a:spLocks noGrp="1"/>
+          </p:cNvSpPr>
+          <p:nvPr>
+            <p:ph idx="1"/>
+          </p:nvPr>
+        </p:nvSpPr>
+        <p:spPr/>
+        <p:txBody>
+          <a:bodyPr/>
+          <a:lstStyle/>
+          <a:p>
+            <a:r>
+              <a:rPr lang="ko-KR" altLang="en-US" dirty="0"/>
+              <a:t>충북대학교 정보화본부</a:t>
+            </a:r>
+            <a:endParaRPr lang="en-US" altLang="ko-KR" dirty="0"/>
+          </a:p>
+          <a:p>
+            <a:pPr lvl="1"/>
+            <a:r>
+              <a:rPr lang="en-US" altLang="ko-KR" sz="1800" dirty="0">
+                <a:hlinkClick r:id="rId3"/>
+              </a:rPr>
+              <a:t>https://icc.chungbuk.ac.kr/site/icc/boardView.do?post=3205295&amp;boardSeq=624&amp;key=icc_0501</a:t>
+            </a:r>
+            <a:r>
+              <a:rPr lang="en-US" altLang="ko-KR" sz="1800" dirty="0"/>
+              <a:t> </a:t>
+            </a:r>
+            <a:endParaRPr lang="en-US" altLang="ko-KR" dirty="0"/>
+          </a:p>
+          <a:p>
+            <a:r>
+              <a:rPr lang="en-US" altLang="ko-KR" dirty="0" err="1"/>
+              <a:t>Youtube</a:t>
+            </a:r>
+            <a:r>
+              <a:rPr lang="en-US" altLang="ko-KR" dirty="0"/>
+              <a:t> </a:t>
+            </a:r>
+            <a:r>
+              <a:rPr lang="ko-KR" altLang="en-US" dirty="0"/>
+              <a:t>동영상</a:t>
+            </a:r>
+            <a:endParaRPr lang="en-US" altLang="ko-KR" dirty="0"/>
+          </a:p>
+          <a:p>
+            <a:pPr lvl="1"/>
+            <a:r>
+              <a:rPr lang="en-US" altLang="ko-KR" dirty="0"/>
+              <a:t>….</a:t>
+            </a:r>
+          </a:p>
+          <a:p>
+            <a:pPr lvl="1"/>
+            <a:endParaRPr lang="en-US" dirty="0"/>
+          </a:p>
+        </p:txBody>
+      </p:sp>
+      <p:pic>
+        <p:nvPicPr>
+          <p:cNvPr id="4" name="그림 3">
+            <a:extLst>
+              <a:ext uri="{FF2B5EF4-FFF2-40B4-BE49-F238E27FC236}">
+                <a16:creationId xmlns:a16="http://schemas.microsoft.com/office/drawing/2014/main" id="{667D75BA-76C4-4122-B3C5-EFAD57B8D6AA}"/>
+              </a:ext>
+            </a:extLst>
+          </p:cNvPr>
+          <p:cNvPicPr>
+            <a:picLocks noChangeAspect="1"/>
+          </p:cNvPicPr>
+          <p:nvPr/>
+        </p:nvPicPr>
+        <p:blipFill>
+          <a:blip r:embed="rId4"/>
+          <a:stretch>
+            <a:fillRect/>
+          </a:stretch>
+        </p:blipFill>
+        <p:spPr>
+          <a:xfrm>
+            <a:off x="5874370" y="1271526"/>
+            <a:ext cx="6104232" cy="5515833"/>
+          </a:xfrm>
+          <a:prstGeom prst="rect">
+            <a:avLst/>
+          </a:prstGeom>
+        </p:spPr>
+      </p:pic>
+    </p:spTree>
+    <p:extLst>
+      <p:ext uri="{BB962C8B-B14F-4D97-AF65-F5344CB8AC3E}">
+        <p14:creationId xmlns:p14="http://schemas.microsoft.com/office/powerpoint/2010/main" val="2851354793"/>
+      </p:ext>
+    </p:extLst>
+  </p:cSld>
+  <p:clrMapOvr>
+    <a:masterClrMapping/>
+  </p:clrMapOvr>
+</p:sld>
+</file>
+
+<file path=ppt/slides/slide16.xml><?xml version="1.0" encoding="utf-8"?>
+<p:sld xmlns:a="http://schemas.openxmlformats.org/drawingml/2006/main" xmlns:r="http://schemas.openxmlformats.org/officeDocument/2006/relationships" xmlns:p="http://schemas.openxmlformats.org/presentationml/2006/main">
+  <p:cSld>
+    <p:spTree>
+      <p:nvGrpSpPr>
+        <p:cNvPr id="1" name=""/>
+        <p:cNvGrpSpPr/>
+        <p:nvPr/>
+      </p:nvGrpSpPr>
+      <p:grpSpPr>
+        <a:xfrm>
+          <a:off x="0" y="0"/>
+          <a:ext cx="0" cy="0"/>
+          <a:chOff x="0" y="0"/>
+          <a:chExt cx="0" cy="0"/>
+        </a:xfrm>
+      </p:grpSpPr>
+      <p:sp>
+        <p:nvSpPr>
+          <p:cNvPr id="2" name="제목 1">
+            <a:extLst>
+              <a:ext uri="{FF2B5EF4-FFF2-40B4-BE49-F238E27FC236}">
+                <a16:creationId xmlns:a16="http://schemas.microsoft.com/office/drawing/2014/main" id="{7057F736-675C-4C12-BC6D-62EC6B20C855}"/>
+              </a:ext>
+            </a:extLst>
+          </p:cNvPr>
+          <p:cNvSpPr>
+            <a:spLocks noGrp="1"/>
+          </p:cNvSpPr>
+          <p:nvPr>
+            <p:ph type="title"/>
+          </p:nvPr>
+        </p:nvSpPr>
+        <p:spPr/>
+        <p:txBody>
+          <a:bodyPr/>
+          <a:lstStyle/>
+          <a:p>
+            <a:r>
+              <a:rPr lang="ko-KR" altLang="en-US" dirty="0"/>
+              <a:t>데이터 분석 도구</a:t>
+            </a:r>
+            <a:endParaRPr lang="en-US" dirty="0"/>
+          </a:p>
+        </p:txBody>
+      </p:sp>
+      <p:sp>
+        <p:nvSpPr>
+          <p:cNvPr id="3" name="내용 개체 틀 2">
+            <a:extLst>
+              <a:ext uri="{FF2B5EF4-FFF2-40B4-BE49-F238E27FC236}">
+                <a16:creationId xmlns:a16="http://schemas.microsoft.com/office/drawing/2014/main" id="{2B821227-9754-404B-BD19-416830D017CF}"/>
+              </a:ext>
+            </a:extLst>
+          </p:cNvPr>
+          <p:cNvSpPr>
+            <a:spLocks noGrp="1"/>
+          </p:cNvSpPr>
+          <p:nvPr>
+            <p:ph idx="1"/>
+          </p:nvPr>
+        </p:nvSpPr>
+        <p:spPr/>
+        <p:txBody>
+          <a:bodyPr/>
+          <a:lstStyle/>
+          <a:p>
+            <a:r>
+              <a:rPr lang="en-US" altLang="ko-KR" dirty="0"/>
+              <a:t>R         </a:t>
+            </a:r>
+          </a:p>
+          <a:p>
+            <a:pPr lvl="1"/>
+            <a:r>
+              <a:rPr lang="ko-KR" altLang="en-US" dirty="0"/>
+              <a:t>통계분석 언어</a:t>
+            </a:r>
+            <a:r>
+              <a:rPr lang="en-US" altLang="ko-KR" sz="1200" dirty="0"/>
+              <a:t>(tool, </a:t>
+            </a:r>
+            <a:r>
+              <a:rPr lang="ko-KR" altLang="en-US" sz="1200" dirty="0"/>
+              <a:t>도구</a:t>
+            </a:r>
+            <a:r>
+              <a:rPr lang="en-US" altLang="ko-KR" sz="1200" dirty="0"/>
+              <a:t>)</a:t>
+            </a:r>
+            <a:r>
+              <a:rPr lang="ko-KR" altLang="en-US" dirty="0"/>
+              <a:t> </a:t>
+            </a:r>
+          </a:p>
+          <a:p>
+            <a:endParaRPr lang="en-US" altLang="ko-KR" dirty="0"/>
+          </a:p>
+          <a:p>
+            <a:r>
+              <a:rPr lang="en-US" altLang="ko-KR" dirty="0"/>
+              <a:t>Python </a:t>
+            </a:r>
+          </a:p>
+          <a:p>
+            <a:pPr lvl="1"/>
+            <a:r>
+              <a:rPr lang="ko-KR" altLang="en-US" dirty="0"/>
+              <a:t>소프트웨어 개발 언어</a:t>
+            </a:r>
+            <a:endParaRPr lang="en-US" altLang="ko-KR" dirty="0"/>
+          </a:p>
+          <a:p>
+            <a:pPr lvl="1"/>
+            <a:r>
+              <a:rPr lang="ko-KR" altLang="en-US" dirty="0"/>
+              <a:t>언어의 일부가 데이터 분석에 사용됨</a:t>
+            </a:r>
+            <a:endParaRPr lang="en-US" dirty="0"/>
+          </a:p>
+        </p:txBody>
+      </p:sp>
+    </p:spTree>
+    <p:extLst>
+      <p:ext uri="{BB962C8B-B14F-4D97-AF65-F5344CB8AC3E}">
+        <p14:creationId xmlns:p14="http://schemas.microsoft.com/office/powerpoint/2010/main" val="4113135209"/>
+      </p:ext>
+    </p:extLst>
+  </p:cSld>
+  <p:clrMapOvr>
+    <a:masterClrMapping/>
+  </p:clrMapOvr>
+</p:sld>
+</file>
+
+<file path=ppt/slides/slide17.xml><?xml version="1.0" encoding="utf-8"?>
+<p:sld xmlns:a="http://schemas.openxmlformats.org/drawingml/2006/main" xmlns:r="http://schemas.openxmlformats.org/officeDocument/2006/relationships" xmlns:p="http://schemas.openxmlformats.org/presentationml/2006/main">
+  <p:cSld>
+    <p:spTree>
+      <p:nvGrpSpPr>
+        <p:cNvPr id="1" name=""/>
+        <p:cNvGrpSpPr/>
+        <p:nvPr/>
+      </p:nvGrpSpPr>
+      <p:grpSpPr>
+        <a:xfrm>
+          <a:off x="0" y="0"/>
+          <a:ext cx="0" cy="0"/>
+          <a:chOff x="0" y="0"/>
+          <a:chExt cx="0" cy="0"/>
+        </a:xfrm>
+      </p:grpSpPr>
+      <p:sp>
+        <p:nvSpPr>
+          <p:cNvPr id="2" name="제목 1">
+            <a:extLst>
+              <a:ext uri="{FF2B5EF4-FFF2-40B4-BE49-F238E27FC236}">
+                <a16:creationId xmlns:a16="http://schemas.microsoft.com/office/drawing/2014/main" id="{83A79D09-BD75-4961-ACB8-5099181B1267}"/>
+              </a:ext>
+            </a:extLst>
+          </p:cNvPr>
+          <p:cNvSpPr>
+            <a:spLocks noGrp="1"/>
+          </p:cNvSpPr>
+          <p:nvPr>
+            <p:ph type="title"/>
+          </p:nvPr>
+        </p:nvSpPr>
+        <p:spPr/>
+        <p:txBody>
+          <a:bodyPr/>
+          <a:lstStyle/>
+          <a:p>
+            <a:r>
+              <a:rPr lang="ko-KR" altLang="en-US" dirty="0"/>
+              <a:t>데이터 분석 환경 설정</a:t>
+            </a:r>
+            <a:endParaRPr lang="en-US" dirty="0"/>
+          </a:p>
+        </p:txBody>
+      </p:sp>
+      <p:sp>
+        <p:nvSpPr>
+          <p:cNvPr id="3" name="내용 개체 틀 2">
+            <a:extLst>
+              <a:ext uri="{FF2B5EF4-FFF2-40B4-BE49-F238E27FC236}">
+                <a16:creationId xmlns:a16="http://schemas.microsoft.com/office/drawing/2014/main" id="{2DC3D1D7-70EC-452D-B371-BE2F674CA0AE}"/>
+              </a:ext>
+            </a:extLst>
+          </p:cNvPr>
+          <p:cNvSpPr>
+            <a:spLocks noGrp="1"/>
+          </p:cNvSpPr>
+          <p:nvPr>
+            <p:ph idx="1"/>
+          </p:nvPr>
+        </p:nvSpPr>
+        <p:spPr/>
+        <p:txBody>
+          <a:bodyPr/>
+          <a:lstStyle/>
+          <a:p>
+            <a:r>
+              <a:rPr lang="en-US" dirty="0"/>
+              <a:t>Google </a:t>
+            </a:r>
+            <a:r>
+              <a:rPr lang="en-US" dirty="0" err="1"/>
+              <a:t>colab</a:t>
+            </a:r>
+            <a:endParaRPr lang="en-US" dirty="0"/>
+          </a:p>
+          <a:p>
+            <a:pPr lvl="1"/>
+            <a:r>
+              <a:rPr lang="en-US" altLang="ko-KR" dirty="0">
+                <a:hlinkClick r:id="rId3"/>
+              </a:rPr>
+              <a:t>https://colab.research.google.com</a:t>
+            </a:r>
+            <a:endParaRPr lang="en-US" dirty="0"/>
+          </a:p>
+          <a:p>
+            <a:r>
+              <a:rPr lang="en-US" dirty="0" err="1"/>
+              <a:t>jupyter</a:t>
+            </a:r>
+            <a:r>
+              <a:rPr lang="ko-KR" altLang="en-US" dirty="0"/>
+              <a:t> </a:t>
+            </a:r>
+            <a:r>
+              <a:rPr lang="en-US" altLang="ko-KR" dirty="0"/>
+              <a:t>notebook</a:t>
+            </a:r>
+          </a:p>
+          <a:p>
+            <a:pPr lvl="1"/>
+            <a:r>
+              <a:rPr lang="en-US" dirty="0">
+                <a:hlinkClick r:id="rId4"/>
+              </a:rPr>
+              <a:t>https://www.anaconda.com</a:t>
+            </a:r>
+            <a:r>
+              <a:rPr lang="en-US" dirty="0"/>
+              <a:t> </a:t>
+            </a:r>
+          </a:p>
+        </p:txBody>
+      </p:sp>
+    </p:spTree>
+    <p:extLst>
+      <p:ext uri="{BB962C8B-B14F-4D97-AF65-F5344CB8AC3E}">
+        <p14:creationId xmlns:p14="http://schemas.microsoft.com/office/powerpoint/2010/main" val="2765418680"/>
       </p:ext>
     </p:extLst>
   </p:cSld>
@@ -4402,7 +6894,7 @@
         <p:spPr/>
         <p:txBody>
           <a:bodyPr>
-            <a:normAutofit fontScale="85000" lnSpcReduction="20000"/>
+            <a:normAutofit fontScale="92500"/>
           </a:bodyPr>
           <a:lstStyle/>
           <a:p>
@@ -4471,8 +6963,45 @@
             </a:r>
             <a:r>
               <a:rPr lang="en-US" altLang="ko-KR" dirty="0"/>
-              <a:t>)</a:t>
-            </a:r>
+              <a:t>), </a:t>
+            </a:r>
+            <a:r>
+              <a:rPr lang="ko-KR" altLang="en-US" dirty="0"/>
+              <a:t>설계도</a:t>
+            </a:r>
+            <a:r>
+              <a:rPr lang="en-US" altLang="ko-KR" dirty="0"/>
+              <a:t>(</a:t>
+            </a:r>
+            <a:r>
+              <a:rPr lang="ko-KR" altLang="en-US" dirty="0"/>
+              <a:t>계획</a:t>
+            </a:r>
+            <a:r>
+              <a:rPr lang="en-US" altLang="ko-KR" dirty="0"/>
+              <a:t>), </a:t>
+            </a:r>
+            <a:r>
+              <a:rPr lang="ko-KR" altLang="en-US" dirty="0"/>
+              <a:t>청사진</a:t>
+            </a:r>
+            <a:r>
+              <a:rPr lang="en-US" altLang="ko-KR" dirty="0"/>
+              <a:t>, </a:t>
+            </a:r>
+            <a:r>
+              <a:rPr lang="ko-KR" altLang="en-US" dirty="0"/>
+              <a:t>구조도</a:t>
+            </a:r>
+            <a:r>
+              <a:rPr lang="en-US" altLang="ko-KR" dirty="0"/>
+              <a:t>, </a:t>
+            </a:r>
+            <a:r>
+              <a:rPr lang="ko-KR" altLang="en-US" dirty="0"/>
+              <a:t>프레임워크</a:t>
+            </a:r>
+            <a:endParaRPr lang="en-US" altLang="ko-KR" dirty="0"/>
           </a:p>
           <a:p>
             <a:pPr>
@@ -4481,8 +7010,32 @@
               </a:lnSpc>
             </a:pPr>
             <a:r>
+              <a:rPr lang="ko-KR" altLang="en-US" dirty="0">
+                <a:solidFill>
+                  <a:srgbClr val="0000FF"/>
+                </a:solidFill>
+              </a:rPr>
+              <a:t>기업 데이터 분석</a:t>
+            </a:r>
+            <a:r>
               <a:rPr lang="ko-KR" altLang="en-US" dirty="0"/>
-              <a:t>설계도</a:t>
+              <a:t> 아키텍처</a:t>
+            </a:r>
+            <a:r>
+              <a:rPr lang="en-US" altLang="ko-KR" dirty="0"/>
+              <a:t>, (</a:t>
+            </a:r>
+            <a:r>
+              <a:rPr lang="ko-KR" altLang="en-US" dirty="0"/>
+              <a:t>빅</a:t>
+            </a:r>
+            <a:r>
+              <a:rPr lang="en-US" altLang="ko-KR" dirty="0"/>
+              <a:t>)</a:t>
+            </a:r>
+            <a:r>
+              <a:rPr lang="ko-KR" altLang="en-US" dirty="0"/>
+              <a:t>데이터 분석 절차</a:t>
             </a:r>
             <a:r>
               <a:rPr lang="en-US" altLang="ko-KR" dirty="0"/>
@@ -4490,15 +7043,7 @@
             </a:r>
             <a:r>
               <a:rPr lang="ko-KR" altLang="en-US" dirty="0"/>
-              <a:t>계획</a:t>
-            </a:r>
-            <a:r>
-              <a:rPr lang="en-US" altLang="ko-KR" dirty="0"/>
-              <a:t>), </a:t>
-            </a:r>
-            <a:r>
-              <a:rPr lang="ko-KR" altLang="en-US" dirty="0"/>
-              <a:t>청사진</a:t>
+              <a:t>구조</a:t>
             </a:r>
             <a:r>
               <a:rPr lang="en-US" altLang="ko-KR" dirty="0"/>
@@ -4506,19 +7051,13 @@
             </a:r>
             <a:r>
               <a:rPr lang="ko-KR" altLang="en-US" dirty="0"/>
-              <a:t>구조도 </a:t>
-            </a:r>
-          </a:p>
-          <a:p>
-            <a:pPr>
-              <a:lnSpc>
-                <a:spcPct val="150000"/>
-              </a:lnSpc>
-            </a:pPr>
-            <a:r>
-              <a:rPr lang="ko-KR" altLang="en-US" dirty="0"/>
-              <a:t>프레임워크</a:t>
-            </a:r>
+              <a:t>방법</a:t>
+            </a:r>
+            <a:r>
+              <a:rPr lang="en-US" altLang="ko-KR" dirty="0"/>
+              <a:t>)</a:t>
+            </a:r>
+            <a:endParaRPr lang="ko-KR" altLang="en-US" dirty="0"/>
           </a:p>
           <a:p>
             <a:pPr>
@@ -4560,313 +7099,685 @@
           <a:chExt cx="0" cy="0"/>
         </a:xfrm>
       </p:grpSpPr>
-      <p:sp>
-        <p:nvSpPr>
-          <p:cNvPr id="2" name="제목 1">
-            <a:extLst>
-              <a:ext uri="{FF2B5EF4-FFF2-40B4-BE49-F238E27FC236}">
-                <a16:creationId xmlns:a16="http://schemas.microsoft.com/office/drawing/2014/main" id="{8F4DE06F-ECEB-4702-B956-934D7283FB5B}"/>
-              </a:ext>
-            </a:extLst>
-          </p:cNvPr>
-          <p:cNvSpPr>
-            <a:spLocks noGrp="1"/>
-          </p:cNvSpPr>
-          <p:nvPr>
-            <p:ph type="title"/>
-          </p:nvPr>
-        </p:nvSpPr>
-        <p:spPr/>
-        <p:txBody>
-          <a:bodyPr/>
-          <a:lstStyle/>
-          <a:p>
-            <a:r>
-              <a:rPr lang="ko-KR" altLang="en-US" dirty="0"/>
-              <a:t>전자정부법의 </a:t>
-            </a:r>
-            <a:r>
-              <a:rPr lang="ko-KR" altLang="en-US" dirty="0" err="1"/>
-              <a:t>정보기술아키텍처</a:t>
-            </a:r>
-            <a:endParaRPr lang="en-US" dirty="0"/>
-          </a:p>
-        </p:txBody>
-      </p:sp>
-      <p:sp>
-        <p:nvSpPr>
-          <p:cNvPr id="3" name="내용 개체 틀 2">
-            <a:extLst>
-              <a:ext uri="{FF2B5EF4-FFF2-40B4-BE49-F238E27FC236}">
-                <a16:creationId xmlns:a16="http://schemas.microsoft.com/office/drawing/2014/main" id="{2FAA7322-ACA6-44EF-B21E-CE3AA5F9E692}"/>
-              </a:ext>
-            </a:extLst>
-          </p:cNvPr>
-          <p:cNvSpPr>
-            <a:spLocks noGrp="1"/>
-          </p:cNvSpPr>
-          <p:nvPr>
-            <p:ph idx="1"/>
-          </p:nvPr>
-        </p:nvSpPr>
+      <p:pic>
+        <p:nvPicPr>
+          <p:cNvPr id="3" name="그림 2">
+            <a:extLst>
+              <a:ext uri="{FF2B5EF4-FFF2-40B4-BE49-F238E27FC236}">
+                <a16:creationId xmlns:a16="http://schemas.microsoft.com/office/drawing/2014/main" id="{81A21D23-7B62-45AF-A79F-F259C130CC0C}"/>
+              </a:ext>
+            </a:extLst>
+          </p:cNvPr>
+          <p:cNvPicPr>
+            <a:picLocks noChangeAspect="1"/>
+          </p:cNvPicPr>
+          <p:nvPr/>
+        </p:nvPicPr>
+        <p:blipFill rotWithShape="1">
+          <a:blip r:embed="rId3"/>
+          <a:srcRect t="26395"/>
+          <a:stretch/>
+        </p:blipFill>
         <p:spPr>
           <a:xfrm>
-            <a:off x="188374" y="1825625"/>
-            <a:ext cx="11914671" cy="4351338"/>
+            <a:off x="-6849" y="51018"/>
+            <a:ext cx="12189614" cy="6764544"/>
           </a:xfrm>
+          <a:prstGeom prst="rect">
+            <a:avLst/>
+          </a:prstGeom>
         </p:spPr>
-        <p:txBody>
-          <a:bodyPr>
-            <a:normAutofit/>
+      </p:pic>
+      <p:sp>
+        <p:nvSpPr>
+          <p:cNvPr id="4" name="직사각형 3">
+            <a:extLst>
+              <a:ext uri="{FF2B5EF4-FFF2-40B4-BE49-F238E27FC236}">
+                <a16:creationId xmlns:a16="http://schemas.microsoft.com/office/drawing/2014/main" id="{FB398F0E-18AD-4E2A-80E9-B99F6D7C0061}"/>
+              </a:ext>
+            </a:extLst>
+          </p:cNvPr>
+          <p:cNvSpPr/>
+          <p:nvPr/>
+        </p:nvSpPr>
+        <p:spPr>
+          <a:xfrm>
+            <a:off x="95908" y="138857"/>
+            <a:ext cx="2335269" cy="292388"/>
+          </a:xfrm>
+          <a:prstGeom prst="rect">
+            <a:avLst/>
+          </a:prstGeom>
+        </p:spPr>
+        <p:txBody>
+          <a:bodyPr wrap="square">
+            <a:spAutoFit/>
           </a:bodyPr>
           <a:lstStyle/>
           <a:p>
-            <a:pPr>
-              <a:lnSpc>
-                <a:spcPct val="100000"/>
-              </a:lnSpc>
-            </a:pPr>
-            <a:r>
-              <a:rPr lang="ko-KR" altLang="en-US" sz="2000" dirty="0" err="1"/>
-              <a:t>정보기술아키텍처</a:t>
-            </a:r>
-            <a:r>
-              <a:rPr lang="en-US" altLang="ko-KR" sz="2000" dirty="0"/>
-              <a:t>(EA) </a:t>
-            </a:r>
-            <a:r>
-              <a:rPr lang="ko-KR" altLang="en-US" sz="2000" dirty="0"/>
-              <a:t>정의</a:t>
-            </a:r>
-          </a:p>
-          <a:p>
-            <a:pPr lvl="1">
-              <a:lnSpc>
-                <a:spcPct val="100000"/>
-              </a:lnSpc>
-            </a:pPr>
-            <a:r>
-              <a:rPr lang="ko-KR" altLang="en-US" sz="1800" dirty="0"/>
-              <a:t>일정한 기준과 절차에 따라 업무</a:t>
-            </a:r>
-            <a:r>
-              <a:rPr lang="en-US" altLang="ko-KR" sz="1800" dirty="0"/>
-              <a:t>, </a:t>
-            </a:r>
-            <a:r>
-              <a:rPr lang="ko-KR" altLang="en-US" sz="1800" dirty="0"/>
+            <a:r>
+              <a:rPr lang="ko-KR" altLang="en-US" sz="800" dirty="0" err="1">
+                <a:solidFill>
+                  <a:schemeClr val="bg1"/>
+                </a:solidFill>
+              </a:rPr>
+              <a:t>그림출처</a:t>
+            </a:r>
+            <a:r>
+              <a:rPr lang="ko-KR" altLang="en-US" sz="800" dirty="0">
+                <a:solidFill>
+                  <a:schemeClr val="bg1"/>
+                </a:solidFill>
+              </a:rPr>
+              <a:t> </a:t>
+            </a:r>
+            <a:endParaRPr lang="en-US" altLang="ko-KR" sz="800" dirty="0">
+              <a:solidFill>
+                <a:schemeClr val="bg1"/>
+              </a:solidFill>
+            </a:endParaRPr>
+          </a:p>
+          <a:p>
+            <a:r>
+              <a:rPr lang="en-US" altLang="ko-KR" sz="500" dirty="0">
+                <a:solidFill>
+                  <a:schemeClr val="bg1"/>
+                </a:solidFill>
+                <a:hlinkClick r:id="rId4"/>
+              </a:rPr>
+              <a:t>https://www.dragon1.com/demo/enterprise-architecture-blueprint-template</a:t>
+            </a:r>
+            <a:endParaRPr lang="en-US" sz="900" dirty="0">
+              <a:solidFill>
+                <a:schemeClr val="bg1"/>
+              </a:solidFill>
+            </a:endParaRPr>
+          </a:p>
+        </p:txBody>
+      </p:sp>
+      <p:sp>
+        <p:nvSpPr>
+          <p:cNvPr id="5" name="직사각형 4">
+            <a:extLst>
+              <a:ext uri="{FF2B5EF4-FFF2-40B4-BE49-F238E27FC236}">
+                <a16:creationId xmlns:a16="http://schemas.microsoft.com/office/drawing/2014/main" id="{E9BE2898-624C-48F3-B161-3AF17ECD3559}"/>
+              </a:ext>
+            </a:extLst>
+          </p:cNvPr>
+          <p:cNvSpPr/>
+          <p:nvPr/>
+        </p:nvSpPr>
+        <p:spPr>
+          <a:xfrm>
+            <a:off x="10482408" y="775463"/>
+            <a:ext cx="1768206" cy="5078313"/>
+          </a:xfrm>
+          <a:prstGeom prst="rect">
+            <a:avLst/>
+          </a:prstGeom>
+        </p:spPr>
+        <p:txBody>
+          <a:bodyPr wrap="square">
+            <a:spAutoFit/>
+          </a:bodyPr>
+          <a:lstStyle/>
+          <a:p>
+            <a:r>
+              <a:rPr lang="en-US" altLang="ko-KR" sz="900" b="1" dirty="0">
+                <a:solidFill>
+                  <a:srgbClr val="0000FF"/>
+                </a:solidFill>
+                <a:latin typeface="Times New Roman" panose="02020603050405020304" pitchFamily="18" charset="0"/>
+                <a:cs typeface="Times New Roman" panose="02020603050405020304" pitchFamily="18" charset="0"/>
+              </a:rPr>
+              <a:t>Business</a:t>
+            </a:r>
+            <a:r>
+              <a:rPr lang="ko-KR" altLang="en-US" sz="900" dirty="0">
+                <a:solidFill>
+                  <a:srgbClr val="0000FF"/>
+                </a:solidFill>
+                <a:latin typeface="Times New Roman" panose="02020603050405020304" pitchFamily="18" charset="0"/>
+                <a:cs typeface="Times New Roman" panose="02020603050405020304" pitchFamily="18" charset="0"/>
+              </a:rPr>
+              <a:t>업무</a:t>
+            </a:r>
+            <a:r>
+              <a:rPr lang="en-US" altLang="ko-KR" sz="900" dirty="0">
+                <a:solidFill>
+                  <a:srgbClr val="0000FF"/>
+                </a:solidFill>
+                <a:latin typeface="Times New Roman" panose="02020603050405020304" pitchFamily="18" charset="0"/>
+                <a:cs typeface="Times New Roman" panose="02020603050405020304" pitchFamily="18" charset="0"/>
+              </a:rPr>
+              <a:t> Architecture    </a:t>
+            </a:r>
+          </a:p>
+          <a:p>
+            <a:endParaRPr lang="en-US" altLang="ko-KR" sz="900" dirty="0">
+              <a:solidFill>
+                <a:srgbClr val="0000FF"/>
+              </a:solidFill>
+              <a:latin typeface="Times New Roman" panose="02020603050405020304" pitchFamily="18" charset="0"/>
+              <a:cs typeface="Times New Roman" panose="02020603050405020304" pitchFamily="18" charset="0"/>
+            </a:endParaRPr>
+          </a:p>
+          <a:p>
+            <a:endParaRPr lang="en-US" altLang="ko-KR" sz="900" dirty="0">
+              <a:solidFill>
+                <a:srgbClr val="0000FF"/>
+              </a:solidFill>
+              <a:latin typeface="Times New Roman" panose="02020603050405020304" pitchFamily="18" charset="0"/>
+              <a:cs typeface="Times New Roman" panose="02020603050405020304" pitchFamily="18" charset="0"/>
+            </a:endParaRPr>
+          </a:p>
+          <a:p>
+            <a:endParaRPr lang="en-US" altLang="ko-KR" sz="900" dirty="0">
+              <a:solidFill>
+                <a:srgbClr val="0000FF"/>
+              </a:solidFill>
+              <a:latin typeface="Times New Roman" panose="02020603050405020304" pitchFamily="18" charset="0"/>
+              <a:cs typeface="Times New Roman" panose="02020603050405020304" pitchFamily="18" charset="0"/>
+            </a:endParaRPr>
+          </a:p>
+          <a:p>
+            <a:endParaRPr lang="en-US" altLang="ko-KR" sz="900" dirty="0">
+              <a:solidFill>
+                <a:srgbClr val="0000FF"/>
+              </a:solidFill>
+              <a:latin typeface="Times New Roman" panose="02020603050405020304" pitchFamily="18" charset="0"/>
+              <a:cs typeface="Times New Roman" panose="02020603050405020304" pitchFamily="18" charset="0"/>
+            </a:endParaRPr>
+          </a:p>
+          <a:p>
+            <a:endParaRPr lang="en-US" altLang="ko-KR" sz="900" dirty="0">
+              <a:solidFill>
+                <a:srgbClr val="0000FF"/>
+              </a:solidFill>
+              <a:latin typeface="Times New Roman" panose="02020603050405020304" pitchFamily="18" charset="0"/>
+              <a:cs typeface="Times New Roman" panose="02020603050405020304" pitchFamily="18" charset="0"/>
+            </a:endParaRPr>
+          </a:p>
+          <a:p>
+            <a:endParaRPr lang="en-US" altLang="ko-KR" sz="900" dirty="0">
+              <a:solidFill>
+                <a:srgbClr val="0000FF"/>
+              </a:solidFill>
+              <a:latin typeface="Times New Roman" panose="02020603050405020304" pitchFamily="18" charset="0"/>
+              <a:cs typeface="Times New Roman" panose="02020603050405020304" pitchFamily="18" charset="0"/>
+            </a:endParaRPr>
+          </a:p>
+          <a:p>
+            <a:endParaRPr lang="en-US" altLang="ko-KR" sz="900" dirty="0">
+              <a:solidFill>
+                <a:srgbClr val="0000FF"/>
+              </a:solidFill>
+              <a:latin typeface="Times New Roman" panose="02020603050405020304" pitchFamily="18" charset="0"/>
+              <a:cs typeface="Times New Roman" panose="02020603050405020304" pitchFamily="18" charset="0"/>
+            </a:endParaRPr>
+          </a:p>
+          <a:p>
+            <a:endParaRPr lang="en-US" altLang="ko-KR" sz="900" dirty="0">
+              <a:solidFill>
+                <a:srgbClr val="0000FF"/>
+              </a:solidFill>
+              <a:latin typeface="Times New Roman" panose="02020603050405020304" pitchFamily="18" charset="0"/>
+              <a:cs typeface="Times New Roman" panose="02020603050405020304" pitchFamily="18" charset="0"/>
+            </a:endParaRPr>
+          </a:p>
+          <a:p>
+            <a:endParaRPr lang="en-US" altLang="ko-KR" sz="900" dirty="0">
+              <a:solidFill>
+                <a:srgbClr val="0000FF"/>
+              </a:solidFill>
+              <a:latin typeface="Times New Roman" panose="02020603050405020304" pitchFamily="18" charset="0"/>
+              <a:cs typeface="Times New Roman" panose="02020603050405020304" pitchFamily="18" charset="0"/>
+            </a:endParaRPr>
+          </a:p>
+          <a:p>
+            <a:endParaRPr lang="en-US" altLang="ko-KR" sz="900" dirty="0">
+              <a:solidFill>
+                <a:srgbClr val="0000FF"/>
+              </a:solidFill>
+              <a:latin typeface="Times New Roman" panose="02020603050405020304" pitchFamily="18" charset="0"/>
+              <a:cs typeface="Times New Roman" panose="02020603050405020304" pitchFamily="18" charset="0"/>
+            </a:endParaRPr>
+          </a:p>
+          <a:p>
+            <a:endParaRPr lang="en-US" altLang="ko-KR" sz="900" dirty="0">
+              <a:solidFill>
+                <a:srgbClr val="0000FF"/>
+              </a:solidFill>
+              <a:latin typeface="Times New Roman" panose="02020603050405020304" pitchFamily="18" charset="0"/>
+              <a:cs typeface="Times New Roman" panose="02020603050405020304" pitchFamily="18" charset="0"/>
+            </a:endParaRPr>
+          </a:p>
+          <a:p>
+            <a:endParaRPr lang="en-US" altLang="ko-KR" sz="900" dirty="0">
+              <a:solidFill>
+                <a:srgbClr val="0000FF"/>
+              </a:solidFill>
+              <a:latin typeface="Times New Roman" panose="02020603050405020304" pitchFamily="18" charset="0"/>
+              <a:cs typeface="Times New Roman" panose="02020603050405020304" pitchFamily="18" charset="0"/>
+            </a:endParaRPr>
+          </a:p>
+          <a:p>
+            <a:r>
+              <a:rPr lang="en-US" altLang="ko-KR" sz="900" b="1" dirty="0">
+                <a:solidFill>
+                  <a:srgbClr val="0000FF"/>
+                </a:solidFill>
+                <a:latin typeface="Times New Roman" panose="02020603050405020304" pitchFamily="18" charset="0"/>
+                <a:cs typeface="Times New Roman" panose="02020603050405020304" pitchFamily="18" charset="0"/>
+              </a:rPr>
+              <a:t>Data</a:t>
+            </a:r>
+            <a:r>
+              <a:rPr lang="ko-KR" altLang="en-US" sz="900" dirty="0">
+                <a:solidFill>
+                  <a:srgbClr val="0000FF"/>
+                </a:solidFill>
+                <a:latin typeface="Times New Roman" panose="02020603050405020304" pitchFamily="18" charset="0"/>
+                <a:cs typeface="Times New Roman" panose="02020603050405020304" pitchFamily="18" charset="0"/>
+              </a:rPr>
+              <a:t>데이터</a:t>
+            </a:r>
+            <a:r>
+              <a:rPr lang="en-US" altLang="ko-KR" sz="900" dirty="0">
+                <a:solidFill>
+                  <a:srgbClr val="0000FF"/>
+                </a:solidFill>
+                <a:latin typeface="Times New Roman" panose="02020603050405020304" pitchFamily="18" charset="0"/>
+                <a:cs typeface="Times New Roman" panose="02020603050405020304" pitchFamily="18" charset="0"/>
+              </a:rPr>
+              <a:t> Architecture</a:t>
+            </a:r>
+            <a:br>
+              <a:rPr lang="en-US" altLang="ko-KR" sz="900" dirty="0">
+                <a:solidFill>
+                  <a:srgbClr val="0000FF"/>
+                </a:solidFill>
+                <a:latin typeface="Times New Roman" panose="02020603050405020304" pitchFamily="18" charset="0"/>
+                <a:cs typeface="Times New Roman" panose="02020603050405020304" pitchFamily="18" charset="0"/>
+              </a:rPr>
+            </a:br>
+            <a:endParaRPr lang="en-US" altLang="ko-KR" sz="900" dirty="0">
+              <a:solidFill>
+                <a:srgbClr val="0000FF"/>
+              </a:solidFill>
+              <a:latin typeface="Times New Roman" panose="02020603050405020304" pitchFamily="18" charset="0"/>
+              <a:cs typeface="Times New Roman" panose="02020603050405020304" pitchFamily="18" charset="0"/>
+            </a:endParaRPr>
+          </a:p>
+          <a:p>
+            <a:endParaRPr lang="en-US" altLang="ko-KR" sz="900" b="1" dirty="0">
+              <a:solidFill>
+                <a:srgbClr val="0000FF"/>
+              </a:solidFill>
+              <a:latin typeface="Times New Roman" panose="02020603050405020304" pitchFamily="18" charset="0"/>
+              <a:cs typeface="Times New Roman" panose="02020603050405020304" pitchFamily="18" charset="0"/>
+            </a:endParaRPr>
+          </a:p>
+          <a:p>
+            <a:endParaRPr lang="en-US" altLang="ko-KR" sz="900" b="1" dirty="0">
+              <a:solidFill>
+                <a:srgbClr val="0000FF"/>
+              </a:solidFill>
+              <a:latin typeface="Times New Roman" panose="02020603050405020304" pitchFamily="18" charset="0"/>
+              <a:cs typeface="Times New Roman" panose="02020603050405020304" pitchFamily="18" charset="0"/>
+            </a:endParaRPr>
+          </a:p>
+          <a:p>
+            <a:endParaRPr lang="en-US" altLang="ko-KR" sz="900" b="1" dirty="0">
+              <a:solidFill>
+                <a:srgbClr val="0000FF"/>
+              </a:solidFill>
+              <a:latin typeface="Times New Roman" panose="02020603050405020304" pitchFamily="18" charset="0"/>
+              <a:cs typeface="Times New Roman" panose="02020603050405020304" pitchFamily="18" charset="0"/>
+            </a:endParaRPr>
+          </a:p>
+          <a:p>
+            <a:endParaRPr lang="en-US" altLang="ko-KR" sz="900" b="1" dirty="0">
+              <a:solidFill>
+                <a:srgbClr val="0000FF"/>
+              </a:solidFill>
+              <a:latin typeface="Times New Roman" panose="02020603050405020304" pitchFamily="18" charset="0"/>
+              <a:cs typeface="Times New Roman" panose="02020603050405020304" pitchFamily="18" charset="0"/>
+            </a:endParaRPr>
+          </a:p>
+          <a:p>
+            <a:endParaRPr lang="en-US" altLang="ko-KR" sz="900" b="1" dirty="0">
+              <a:solidFill>
+                <a:srgbClr val="0000FF"/>
+              </a:solidFill>
+              <a:latin typeface="Times New Roman" panose="02020603050405020304" pitchFamily="18" charset="0"/>
+              <a:cs typeface="Times New Roman" panose="02020603050405020304" pitchFamily="18" charset="0"/>
+            </a:endParaRPr>
+          </a:p>
+          <a:p>
+            <a:endParaRPr lang="en-US" altLang="ko-KR" sz="900" b="1" dirty="0">
+              <a:solidFill>
+                <a:srgbClr val="0000FF"/>
+              </a:solidFill>
+              <a:latin typeface="Times New Roman" panose="02020603050405020304" pitchFamily="18" charset="0"/>
+              <a:cs typeface="Times New Roman" panose="02020603050405020304" pitchFamily="18" charset="0"/>
+            </a:endParaRPr>
+          </a:p>
+          <a:p>
+            <a:r>
+              <a:rPr lang="en-US" altLang="ko-KR" sz="900" b="1" dirty="0">
+                <a:solidFill>
+                  <a:srgbClr val="0000FF"/>
+                </a:solidFill>
+                <a:latin typeface="Times New Roman" panose="02020603050405020304" pitchFamily="18" charset="0"/>
+                <a:cs typeface="Times New Roman" panose="02020603050405020304" pitchFamily="18" charset="0"/>
+              </a:rPr>
+              <a:t>Application</a:t>
+            </a:r>
+            <a:r>
+              <a:rPr lang="ko-KR" altLang="en-US" sz="900" dirty="0">
+                <a:solidFill>
+                  <a:srgbClr val="0000FF"/>
+                </a:solidFill>
+                <a:latin typeface="Times New Roman" panose="02020603050405020304" pitchFamily="18" charset="0"/>
+                <a:cs typeface="Times New Roman" panose="02020603050405020304" pitchFamily="18" charset="0"/>
+              </a:rPr>
               <a:t>응용</a:t>
             </a:r>
             <a:r>
-              <a:rPr lang="en-US" altLang="ko-KR" sz="1800" dirty="0"/>
-              <a:t>, </a:t>
-            </a:r>
-            <a:r>
-              <a:rPr lang="ko-KR" altLang="en-US" sz="1800" dirty="0"/>
-              <a:t>데이터</a:t>
-            </a:r>
-            <a:r>
-              <a:rPr lang="en-US" altLang="ko-KR" sz="1800" dirty="0"/>
-              <a:t>, </a:t>
-            </a:r>
-            <a:r>
-              <a:rPr lang="ko-KR" altLang="en-US" sz="1800" dirty="0"/>
+              <a:rPr lang="en-US" altLang="ko-KR" sz="900" dirty="0">
+                <a:solidFill>
+                  <a:srgbClr val="0000FF"/>
+                </a:solidFill>
+                <a:latin typeface="Times New Roman" panose="02020603050405020304" pitchFamily="18" charset="0"/>
+                <a:cs typeface="Times New Roman" panose="02020603050405020304" pitchFamily="18" charset="0"/>
+              </a:rPr>
+              <a:t> Architecture</a:t>
+            </a:r>
+            <a:endParaRPr lang="en-US" altLang="ko-KR" sz="900" b="1" dirty="0">
+              <a:solidFill>
+                <a:srgbClr val="0000FF"/>
+              </a:solidFill>
+              <a:latin typeface="Times New Roman" panose="02020603050405020304" pitchFamily="18" charset="0"/>
+              <a:cs typeface="Times New Roman" panose="02020603050405020304" pitchFamily="18" charset="0"/>
+            </a:endParaRPr>
+          </a:p>
+          <a:p>
+            <a:endParaRPr lang="en-US" altLang="ko-KR" sz="900" dirty="0">
+              <a:solidFill>
+                <a:srgbClr val="0000FF"/>
+              </a:solidFill>
+              <a:latin typeface="Times New Roman" panose="02020603050405020304" pitchFamily="18" charset="0"/>
+              <a:cs typeface="Times New Roman" panose="02020603050405020304" pitchFamily="18" charset="0"/>
+            </a:endParaRPr>
+          </a:p>
+          <a:p>
+            <a:endParaRPr lang="en-US" altLang="ko-KR" sz="900" b="1" dirty="0">
+              <a:solidFill>
+                <a:srgbClr val="0000FF"/>
+              </a:solidFill>
+              <a:latin typeface="Times New Roman" panose="02020603050405020304" pitchFamily="18" charset="0"/>
+              <a:cs typeface="Times New Roman" panose="02020603050405020304" pitchFamily="18" charset="0"/>
+            </a:endParaRPr>
+          </a:p>
+          <a:p>
+            <a:endParaRPr lang="en-US" altLang="ko-KR" sz="900" b="1" dirty="0">
+              <a:solidFill>
+                <a:srgbClr val="0000FF"/>
+              </a:solidFill>
+              <a:latin typeface="Times New Roman" panose="02020603050405020304" pitchFamily="18" charset="0"/>
+              <a:cs typeface="Times New Roman" panose="02020603050405020304" pitchFamily="18" charset="0"/>
+            </a:endParaRPr>
+          </a:p>
+          <a:p>
+            <a:endParaRPr lang="en-US" altLang="ko-KR" sz="900" b="1" dirty="0">
+              <a:solidFill>
+                <a:srgbClr val="0000FF"/>
+              </a:solidFill>
+              <a:latin typeface="Times New Roman" panose="02020603050405020304" pitchFamily="18" charset="0"/>
+              <a:cs typeface="Times New Roman" panose="02020603050405020304" pitchFamily="18" charset="0"/>
+            </a:endParaRPr>
+          </a:p>
+          <a:p>
+            <a:endParaRPr lang="en-US" altLang="ko-KR" sz="900" b="1" dirty="0">
+              <a:solidFill>
+                <a:srgbClr val="0000FF"/>
+              </a:solidFill>
+              <a:latin typeface="Times New Roman" panose="02020603050405020304" pitchFamily="18" charset="0"/>
+              <a:cs typeface="Times New Roman" panose="02020603050405020304" pitchFamily="18" charset="0"/>
+            </a:endParaRPr>
+          </a:p>
+          <a:p>
+            <a:endParaRPr lang="en-US" altLang="ko-KR" sz="900" b="1" dirty="0">
+              <a:solidFill>
+                <a:srgbClr val="0000FF"/>
+              </a:solidFill>
+              <a:latin typeface="Times New Roman" panose="02020603050405020304" pitchFamily="18" charset="0"/>
+              <a:cs typeface="Times New Roman" panose="02020603050405020304" pitchFamily="18" charset="0"/>
+            </a:endParaRPr>
+          </a:p>
+          <a:p>
+            <a:endParaRPr lang="en-US" altLang="ko-KR" sz="900" b="1" dirty="0">
+              <a:solidFill>
+                <a:srgbClr val="0000FF"/>
+              </a:solidFill>
+              <a:latin typeface="Times New Roman" panose="02020603050405020304" pitchFamily="18" charset="0"/>
+              <a:cs typeface="Times New Roman" panose="02020603050405020304" pitchFamily="18" charset="0"/>
+            </a:endParaRPr>
+          </a:p>
+          <a:p>
+            <a:endParaRPr lang="en-US" altLang="ko-KR" sz="900" b="1" dirty="0">
+              <a:solidFill>
+                <a:srgbClr val="0000FF"/>
+              </a:solidFill>
+              <a:latin typeface="Times New Roman" panose="02020603050405020304" pitchFamily="18" charset="0"/>
+              <a:cs typeface="Times New Roman" panose="02020603050405020304" pitchFamily="18" charset="0"/>
+            </a:endParaRPr>
+          </a:p>
+          <a:p>
+            <a:endParaRPr lang="en-US" altLang="ko-KR" sz="900" b="1" dirty="0">
+              <a:solidFill>
+                <a:srgbClr val="0000FF"/>
+              </a:solidFill>
+              <a:latin typeface="Times New Roman" panose="02020603050405020304" pitchFamily="18" charset="0"/>
+              <a:cs typeface="Times New Roman" panose="02020603050405020304" pitchFamily="18" charset="0"/>
+            </a:endParaRPr>
+          </a:p>
+          <a:p>
+            <a:endParaRPr lang="en-US" altLang="ko-KR" sz="900" b="1" dirty="0">
+              <a:solidFill>
+                <a:srgbClr val="0000FF"/>
+              </a:solidFill>
+              <a:latin typeface="Times New Roman" panose="02020603050405020304" pitchFamily="18" charset="0"/>
+              <a:cs typeface="Times New Roman" panose="02020603050405020304" pitchFamily="18" charset="0"/>
+            </a:endParaRPr>
+          </a:p>
+          <a:p>
+            <a:endParaRPr lang="en-US" altLang="ko-KR" sz="900" b="1" dirty="0">
+              <a:solidFill>
+                <a:srgbClr val="0000FF"/>
+              </a:solidFill>
+              <a:latin typeface="Times New Roman" panose="02020603050405020304" pitchFamily="18" charset="0"/>
+              <a:cs typeface="Times New Roman" panose="02020603050405020304" pitchFamily="18" charset="0"/>
+            </a:endParaRPr>
+          </a:p>
+          <a:p>
+            <a:endParaRPr lang="en-US" altLang="ko-KR" sz="900" b="1" dirty="0">
+              <a:solidFill>
+                <a:srgbClr val="0000FF"/>
+              </a:solidFill>
+              <a:latin typeface="Times New Roman" panose="02020603050405020304" pitchFamily="18" charset="0"/>
+              <a:cs typeface="Times New Roman" panose="02020603050405020304" pitchFamily="18" charset="0"/>
+            </a:endParaRPr>
+          </a:p>
+          <a:p>
+            <a:endParaRPr lang="en-US" altLang="ko-KR" sz="900" b="1" dirty="0">
+              <a:solidFill>
+                <a:srgbClr val="0000FF"/>
+              </a:solidFill>
+              <a:latin typeface="Times New Roman" panose="02020603050405020304" pitchFamily="18" charset="0"/>
+              <a:cs typeface="Times New Roman" panose="02020603050405020304" pitchFamily="18" charset="0"/>
+            </a:endParaRPr>
+          </a:p>
+          <a:p>
+            <a:r>
+              <a:rPr lang="en-US" altLang="ko-KR" sz="900" b="1" dirty="0">
+                <a:solidFill>
+                  <a:srgbClr val="0000FF"/>
+                </a:solidFill>
+                <a:latin typeface="Times New Roman" panose="02020603050405020304" pitchFamily="18" charset="0"/>
+                <a:cs typeface="Times New Roman" panose="02020603050405020304" pitchFamily="18" charset="0"/>
+              </a:rPr>
+              <a:t>Technology</a:t>
+            </a:r>
+            <a:r>
+              <a:rPr lang="ko-KR" altLang="en-US" sz="900" dirty="0">
+                <a:solidFill>
+                  <a:srgbClr val="0000FF"/>
+                </a:solidFill>
+                <a:latin typeface="Times New Roman" panose="02020603050405020304" pitchFamily="18" charset="0"/>
+                <a:cs typeface="Times New Roman" panose="02020603050405020304" pitchFamily="18" charset="0"/>
+              </a:rPr>
               <a:t>기술</a:t>
             </a:r>
             <a:r>
-              <a:rPr lang="en-US" altLang="ko-KR" sz="1800" dirty="0"/>
-              <a:t>, </a:t>
-            </a:r>
-            <a:r>
-              <a:rPr lang="ko-KR" altLang="en-US" sz="1800" dirty="0"/>
-              <a:t>보안 등 조직 전체의 구성요소들을 통합적으로 분석한 뒤 이들 간의 관계를 구조적으로 정리한 체제 및 이를 바탕으로 정보화 등을 통하여 구성요소들을 최적화하기 위한 방법을 말한다</a:t>
-            </a:r>
-            <a:r>
-              <a:rPr lang="en-US" altLang="ko-KR" sz="1800" dirty="0"/>
-              <a:t>.</a:t>
-            </a:r>
-          </a:p>
-          <a:p>
-            <a:pPr>
-              <a:lnSpc>
-                <a:spcPct val="100000"/>
-              </a:lnSpc>
-            </a:pPr>
-            <a:endParaRPr lang="en-US" altLang="ko-KR" sz="2000" dirty="0"/>
-          </a:p>
-          <a:p>
-            <a:pPr>
-              <a:lnSpc>
-                <a:spcPct val="100000"/>
-              </a:lnSpc>
-            </a:pPr>
-            <a:r>
-              <a:rPr lang="ko-KR" altLang="en-US" sz="2000" dirty="0"/>
-              <a:t>용어 정의</a:t>
-            </a:r>
-          </a:p>
-          <a:p>
-            <a:pPr lvl="1">
-              <a:lnSpc>
-                <a:spcPct val="100000"/>
-              </a:lnSpc>
-            </a:pPr>
-            <a:r>
-              <a:rPr lang="en-US" altLang="ko-KR" sz="1800" dirty="0"/>
-              <a:t>"</a:t>
-            </a:r>
-            <a:r>
-              <a:rPr lang="ko-KR" altLang="en-US" sz="1800" dirty="0"/>
-              <a:t>업무 아키텍처</a:t>
-            </a:r>
-            <a:r>
-              <a:rPr lang="en-US" altLang="ko-KR" sz="1800" dirty="0"/>
-              <a:t>"</a:t>
-            </a:r>
-            <a:r>
-              <a:rPr lang="ko-KR" altLang="en-US" sz="1800" dirty="0"/>
-              <a:t>란 조직</a:t>
-            </a:r>
-            <a:r>
-              <a:rPr lang="en-US" altLang="ko-KR" sz="1800" dirty="0"/>
-              <a:t>, </a:t>
-            </a:r>
-            <a:r>
-              <a:rPr lang="ko-KR" altLang="en-US" sz="1800" dirty="0"/>
-              <a:t>업무</a:t>
-            </a:r>
-            <a:r>
-              <a:rPr lang="en-US" altLang="ko-KR" sz="1800" dirty="0"/>
-              <a:t>, </a:t>
-            </a:r>
-            <a:r>
-              <a:rPr lang="ko-KR" altLang="en-US" sz="1800" dirty="0"/>
-              <a:t>업무별 기능</a:t>
-            </a:r>
-            <a:r>
-              <a:rPr lang="en-US" altLang="ko-KR" sz="1800" dirty="0"/>
+              <a:rPr lang="en-US" altLang="ko-KR" sz="900" dirty="0">
+                <a:solidFill>
+                  <a:srgbClr val="0000FF"/>
+                </a:solidFill>
+                <a:latin typeface="Times New Roman" panose="02020603050405020304" pitchFamily="18" charset="0"/>
+                <a:cs typeface="Times New Roman" panose="02020603050405020304" pitchFamily="18" charset="0"/>
+              </a:rPr>
+              <a:t> Architecture</a:t>
+            </a:r>
+            <a:endParaRPr lang="en-US" sz="900" dirty="0">
+              <a:solidFill>
+                <a:srgbClr val="0000FF"/>
+              </a:solidFill>
+              <a:latin typeface="Times New Roman" panose="02020603050405020304" pitchFamily="18" charset="0"/>
+              <a:cs typeface="Times New Roman" panose="02020603050405020304" pitchFamily="18" charset="0"/>
+            </a:endParaRPr>
+          </a:p>
+        </p:txBody>
+      </p:sp>
+      <p:sp>
+        <p:nvSpPr>
+          <p:cNvPr id="17" name="직사각형 16">
+            <a:extLst>
+              <a:ext uri="{FF2B5EF4-FFF2-40B4-BE49-F238E27FC236}">
+                <a16:creationId xmlns:a16="http://schemas.microsoft.com/office/drawing/2014/main" id="{66448545-D471-4E15-9CEA-7892FBB16E21}"/>
+              </a:ext>
+            </a:extLst>
+          </p:cNvPr>
+          <p:cNvSpPr/>
+          <p:nvPr/>
+        </p:nvSpPr>
+        <p:spPr>
+          <a:xfrm>
+            <a:off x="1817812" y="1592618"/>
+            <a:ext cx="6853158" cy="276999"/>
+          </a:xfrm>
+          <a:prstGeom prst="rect">
+            <a:avLst/>
+          </a:prstGeom>
+        </p:spPr>
+        <p:txBody>
+          <a:bodyPr wrap="none">
+            <a:spAutoFit/>
+          </a:bodyPr>
+          <a:lstStyle/>
+          <a:p>
+            <a:r>
+              <a:rPr lang="ko-KR" altLang="en-US" sz="1200" b="1" dirty="0">
+                <a:solidFill>
+                  <a:schemeClr val="bg1"/>
+                </a:solidFill>
+                <a:latin typeface="Times New Roman" panose="02020603050405020304" pitchFamily="18" charset="0"/>
+                <a:cs typeface="Times New Roman" panose="02020603050405020304" pitchFamily="18" charset="0"/>
+              </a:rPr>
+              <a:t>구매                                                생산                                      영업</a:t>
+            </a:r>
+            <a:r>
+              <a:rPr lang="en-US" altLang="ko-KR" sz="1200" b="1" dirty="0">
+                <a:solidFill>
+                  <a:schemeClr val="bg1"/>
+                </a:solidFill>
+                <a:latin typeface="Times New Roman" panose="02020603050405020304" pitchFamily="18" charset="0"/>
+                <a:cs typeface="Times New Roman" panose="02020603050405020304" pitchFamily="18" charset="0"/>
+              </a:rPr>
               <a:t>·</a:t>
             </a:r>
             <a:r>
-              <a:rPr lang="ko-KR" altLang="en-US" sz="1800" dirty="0"/>
-              <a:t>절차</a:t>
-            </a:r>
-            <a:r>
-              <a:rPr lang="en-US" altLang="ko-KR" sz="1800" dirty="0"/>
-              <a:t>·</a:t>
-            </a:r>
-            <a:r>
-              <a:rPr lang="ko-KR" altLang="en-US" sz="1800" dirty="0"/>
-              <a:t>정보와 이들 간의 관계를 식별하고 정의한 구조를 말한다</a:t>
-            </a:r>
-            <a:r>
-              <a:rPr lang="en-US" altLang="ko-KR" sz="1800" dirty="0"/>
-              <a:t>. </a:t>
-            </a:r>
-          </a:p>
-          <a:p>
-            <a:pPr lvl="1">
-              <a:lnSpc>
-                <a:spcPct val="100000"/>
-              </a:lnSpc>
-            </a:pPr>
-            <a:r>
-              <a:rPr lang="en-US" altLang="ko-KR" sz="1800" dirty="0"/>
-              <a:t>"</a:t>
-            </a:r>
-            <a:r>
-              <a:rPr lang="ko-KR" altLang="en-US" sz="1800" dirty="0"/>
-              <a:t>응용 아키텍처</a:t>
-            </a:r>
-            <a:r>
-              <a:rPr lang="en-US" altLang="ko-KR" sz="1800" dirty="0"/>
-              <a:t>"</a:t>
-            </a:r>
-            <a:r>
-              <a:rPr lang="ko-KR" altLang="en-US" sz="1800" dirty="0"/>
-              <a:t>란 업무를 지원하는 응용기능</a:t>
-            </a:r>
-            <a:r>
-              <a:rPr lang="en-US" altLang="ko-KR" sz="1800" dirty="0"/>
-              <a:t>, </a:t>
-            </a:r>
-            <a:r>
-              <a:rPr lang="ko-KR" altLang="en-US" sz="1800" dirty="0"/>
-              <a:t>응용시스템 및 이들 간의 관계를 식별하고 정의한 구조를 말한다</a:t>
-            </a:r>
-            <a:r>
-              <a:rPr lang="en-US" altLang="ko-KR" sz="1800" dirty="0"/>
-              <a:t>. </a:t>
-            </a:r>
-          </a:p>
-          <a:p>
-            <a:pPr lvl="1">
-              <a:lnSpc>
-                <a:spcPct val="100000"/>
-              </a:lnSpc>
-            </a:pPr>
-            <a:r>
-              <a:rPr lang="en-US" altLang="ko-KR" sz="1800" dirty="0"/>
-              <a:t>"</a:t>
-            </a:r>
-            <a:r>
-              <a:rPr lang="ko-KR" altLang="en-US" sz="1800" dirty="0"/>
-              <a:t>데이터 아키텍처</a:t>
-            </a:r>
-            <a:r>
-              <a:rPr lang="en-US" altLang="ko-KR" sz="1800" dirty="0"/>
-              <a:t>"</a:t>
-            </a:r>
-            <a:r>
-              <a:rPr lang="ko-KR" altLang="en-US" sz="1800" dirty="0"/>
-              <a:t>란 업무와 응용에서 사용되는 데이터 및 이들 간의 관계를 식별하고 정의한 구조를 말한다</a:t>
-            </a:r>
-            <a:r>
-              <a:rPr lang="en-US" altLang="ko-KR" sz="1800" dirty="0"/>
-              <a:t>. </a:t>
-            </a:r>
-          </a:p>
-          <a:p>
-            <a:pPr lvl="1">
-              <a:lnSpc>
-                <a:spcPct val="100000"/>
-              </a:lnSpc>
-            </a:pPr>
-            <a:r>
-              <a:rPr lang="en-US" altLang="ko-KR" sz="1800" dirty="0"/>
-              <a:t>"</a:t>
-            </a:r>
-            <a:r>
-              <a:rPr lang="ko-KR" altLang="en-US" sz="1800" dirty="0"/>
-              <a:t>기술 아키텍처</a:t>
-            </a:r>
-            <a:r>
-              <a:rPr lang="en-US" altLang="ko-KR" sz="1800" dirty="0"/>
-              <a:t>"</a:t>
-            </a:r>
-            <a:r>
-              <a:rPr lang="ko-KR" altLang="en-US" sz="1800" dirty="0"/>
-              <a:t>란 응용서비스와 응용시스템을 지원하는 기술자원 및 이들 간의 관계를 식별하고 정의한 구조를 말한다</a:t>
-            </a:r>
-            <a:r>
-              <a:rPr lang="en-US" altLang="ko-KR" sz="1800" dirty="0"/>
-              <a:t>.</a:t>
-            </a:r>
-          </a:p>
-          <a:p>
-            <a:pPr>
-              <a:lnSpc>
-                <a:spcPct val="100000"/>
-              </a:lnSpc>
-            </a:pPr>
-            <a:endParaRPr lang="en-US" sz="2000" dirty="0"/>
+              <a:rPr lang="ko-KR" altLang="en-US" sz="1200" b="1" dirty="0">
+                <a:solidFill>
+                  <a:schemeClr val="bg1"/>
+                </a:solidFill>
+                <a:latin typeface="Times New Roman" panose="02020603050405020304" pitchFamily="18" charset="0"/>
+                <a:cs typeface="Times New Roman" panose="02020603050405020304" pitchFamily="18" charset="0"/>
+              </a:rPr>
+              <a:t>마케팅                               고객서비스</a:t>
+            </a:r>
+            <a:endParaRPr lang="en-US" altLang="ko-KR" sz="1200" dirty="0">
+              <a:solidFill>
+                <a:schemeClr val="bg1"/>
+              </a:solidFill>
+              <a:latin typeface="Times New Roman" panose="02020603050405020304" pitchFamily="18" charset="0"/>
+              <a:cs typeface="Times New Roman" panose="02020603050405020304" pitchFamily="18" charset="0"/>
+            </a:endParaRPr>
+          </a:p>
+        </p:txBody>
+      </p:sp>
+      <p:sp>
+        <p:nvSpPr>
+          <p:cNvPr id="19" name="직사각형 18">
+            <a:extLst>
+              <a:ext uri="{FF2B5EF4-FFF2-40B4-BE49-F238E27FC236}">
+                <a16:creationId xmlns:a16="http://schemas.microsoft.com/office/drawing/2014/main" id="{A3E7B0B4-AEBB-4331-A442-0DA06717A299}"/>
+              </a:ext>
+            </a:extLst>
+          </p:cNvPr>
+          <p:cNvSpPr/>
+          <p:nvPr/>
+        </p:nvSpPr>
+        <p:spPr>
+          <a:xfrm>
+            <a:off x="2621858" y="6348058"/>
+            <a:ext cx="6973563" cy="276999"/>
+          </a:xfrm>
+          <a:prstGeom prst="rect">
+            <a:avLst/>
+          </a:prstGeom>
+        </p:spPr>
+        <p:txBody>
+          <a:bodyPr wrap="square">
+            <a:spAutoFit/>
+          </a:bodyPr>
+          <a:lstStyle/>
+          <a:p>
+            <a:r>
+              <a:rPr lang="en-US" altLang="ko-KR" sz="1200" b="1" dirty="0">
+                <a:solidFill>
+                  <a:schemeClr val="bg1"/>
+                </a:solidFill>
+                <a:latin typeface="Times New Roman" panose="02020603050405020304" pitchFamily="18" charset="0"/>
+                <a:cs typeface="Times New Roman" panose="02020603050405020304" pitchFamily="18" charset="0"/>
+              </a:rPr>
+              <a:t>          Server                                     Storage                        Networking</a:t>
+            </a:r>
+            <a:endParaRPr lang="en-US" altLang="ko-KR" sz="1200" dirty="0">
+              <a:solidFill>
+                <a:schemeClr val="bg1"/>
+              </a:solidFill>
+              <a:latin typeface="Times New Roman" panose="02020603050405020304" pitchFamily="18" charset="0"/>
+              <a:cs typeface="Times New Roman" panose="02020603050405020304" pitchFamily="18" charset="0"/>
+            </a:endParaRPr>
           </a:p>
         </p:txBody>
       </p:sp>
     </p:spTree>
     <p:extLst>
       <p:ext uri="{BB962C8B-B14F-4D97-AF65-F5344CB8AC3E}">
-        <p14:creationId xmlns:p14="http://schemas.microsoft.com/office/powerpoint/2010/main" val="1219099051"/>
+        <p14:creationId xmlns:p14="http://schemas.microsoft.com/office/powerpoint/2010/main" val="3018242228"/>
       </p:ext>
     </p:extLst>
   </p:cSld>
@@ -4893,711 +7804,6 @@
           <a:chExt cx="0" cy="0"/>
         </a:xfrm>
       </p:grpSpPr>
-      <p:pic>
-        <p:nvPicPr>
-          <p:cNvPr id="3" name="그림 2">
-            <a:extLst>
-              <a:ext uri="{FF2B5EF4-FFF2-40B4-BE49-F238E27FC236}">
-                <a16:creationId xmlns:a16="http://schemas.microsoft.com/office/drawing/2014/main" id="{81A21D23-7B62-45AF-A79F-F259C130CC0C}"/>
-              </a:ext>
-            </a:extLst>
-          </p:cNvPr>
-          <p:cNvPicPr>
-            <a:picLocks noChangeAspect="1"/>
-          </p:cNvPicPr>
-          <p:nvPr/>
-        </p:nvPicPr>
-        <p:blipFill rotWithShape="1">
-          <a:blip r:embed="rId2"/>
-          <a:srcRect t="26395"/>
-          <a:stretch/>
-        </p:blipFill>
-        <p:spPr>
-          <a:xfrm>
-            <a:off x="-6849" y="51018"/>
-            <a:ext cx="12189614" cy="6764544"/>
-          </a:xfrm>
-          <a:prstGeom prst="rect">
-            <a:avLst/>
-          </a:prstGeom>
-        </p:spPr>
-      </p:pic>
-      <p:sp>
-        <p:nvSpPr>
-          <p:cNvPr id="4" name="직사각형 3">
-            <a:extLst>
-              <a:ext uri="{FF2B5EF4-FFF2-40B4-BE49-F238E27FC236}">
-                <a16:creationId xmlns:a16="http://schemas.microsoft.com/office/drawing/2014/main" id="{FB398F0E-18AD-4E2A-80E9-B99F6D7C0061}"/>
-              </a:ext>
-            </a:extLst>
-          </p:cNvPr>
-          <p:cNvSpPr/>
-          <p:nvPr/>
-        </p:nvSpPr>
-        <p:spPr>
-          <a:xfrm>
-            <a:off x="95908" y="138857"/>
-            <a:ext cx="2335269" cy="292388"/>
-          </a:xfrm>
-          <a:prstGeom prst="rect">
-            <a:avLst/>
-          </a:prstGeom>
-        </p:spPr>
-        <p:txBody>
-          <a:bodyPr wrap="square">
-            <a:spAutoFit/>
-          </a:bodyPr>
-          <a:lstStyle/>
-          <a:p>
-            <a:r>
-              <a:rPr lang="ko-KR" altLang="en-US" sz="800" dirty="0" err="1">
-                <a:solidFill>
-                  <a:schemeClr val="bg1"/>
-                </a:solidFill>
-              </a:rPr>
-              <a:t>그림출처</a:t>
-            </a:r>
-            <a:r>
-              <a:rPr lang="ko-KR" altLang="en-US" sz="800" dirty="0">
-                <a:solidFill>
-                  <a:schemeClr val="bg1"/>
-                </a:solidFill>
-              </a:rPr>
-              <a:t> </a:t>
-            </a:r>
-            <a:endParaRPr lang="en-US" altLang="ko-KR" sz="800" dirty="0">
-              <a:solidFill>
-                <a:schemeClr val="bg1"/>
-              </a:solidFill>
-            </a:endParaRPr>
-          </a:p>
-          <a:p>
-            <a:r>
-              <a:rPr lang="en-US" altLang="ko-KR" sz="500" dirty="0">
-                <a:solidFill>
-                  <a:schemeClr val="bg1"/>
-                </a:solidFill>
-                <a:hlinkClick r:id="rId3"/>
-              </a:rPr>
-              <a:t>https://www.dragon1.com/demo/enterprise-architecture-blueprint-template</a:t>
-            </a:r>
-            <a:endParaRPr lang="en-US" sz="900" dirty="0">
-              <a:solidFill>
-                <a:schemeClr val="bg1"/>
-              </a:solidFill>
-            </a:endParaRPr>
-          </a:p>
-        </p:txBody>
-      </p:sp>
-      <p:sp>
-        <p:nvSpPr>
-          <p:cNvPr id="5" name="직사각형 4">
-            <a:extLst>
-              <a:ext uri="{FF2B5EF4-FFF2-40B4-BE49-F238E27FC236}">
-                <a16:creationId xmlns:a16="http://schemas.microsoft.com/office/drawing/2014/main" id="{E9BE2898-624C-48F3-B161-3AF17ECD3559}"/>
-              </a:ext>
-            </a:extLst>
-          </p:cNvPr>
-          <p:cNvSpPr/>
-          <p:nvPr/>
-        </p:nvSpPr>
-        <p:spPr>
-          <a:xfrm>
-            <a:off x="10482408" y="775463"/>
-            <a:ext cx="1768206" cy="5078313"/>
-          </a:xfrm>
-          <a:prstGeom prst="rect">
-            <a:avLst/>
-          </a:prstGeom>
-        </p:spPr>
-        <p:txBody>
-          <a:bodyPr wrap="square">
-            <a:spAutoFit/>
-          </a:bodyPr>
-          <a:lstStyle/>
-          <a:p>
-            <a:r>
-              <a:rPr lang="en-US" altLang="ko-KR" sz="900" b="1" dirty="0">
-                <a:solidFill>
-                  <a:srgbClr val="0000FF"/>
-                </a:solidFill>
-                <a:latin typeface="Times New Roman" panose="02020603050405020304" pitchFamily="18" charset="0"/>
-                <a:cs typeface="Times New Roman" panose="02020603050405020304" pitchFamily="18" charset="0"/>
-              </a:rPr>
-              <a:t>Business</a:t>
-            </a:r>
-            <a:r>
-              <a:rPr lang="ko-KR" altLang="en-US" sz="900" dirty="0">
-                <a:solidFill>
-                  <a:srgbClr val="0000FF"/>
-                </a:solidFill>
-                <a:latin typeface="Times New Roman" panose="02020603050405020304" pitchFamily="18" charset="0"/>
-                <a:cs typeface="Times New Roman" panose="02020603050405020304" pitchFamily="18" charset="0"/>
-              </a:rPr>
-              <a:t>업무</a:t>
-            </a:r>
-            <a:r>
-              <a:rPr lang="en-US" altLang="ko-KR" sz="900" dirty="0">
-                <a:solidFill>
-                  <a:srgbClr val="0000FF"/>
-                </a:solidFill>
-                <a:latin typeface="Times New Roman" panose="02020603050405020304" pitchFamily="18" charset="0"/>
-                <a:cs typeface="Times New Roman" panose="02020603050405020304" pitchFamily="18" charset="0"/>
-              </a:rPr>
-              <a:t> Architecture    </a:t>
-            </a:r>
-          </a:p>
-          <a:p>
-            <a:endParaRPr lang="en-US" altLang="ko-KR" sz="900" dirty="0">
-              <a:solidFill>
-                <a:srgbClr val="0000FF"/>
-              </a:solidFill>
-              <a:latin typeface="Times New Roman" panose="02020603050405020304" pitchFamily="18" charset="0"/>
-              <a:cs typeface="Times New Roman" panose="02020603050405020304" pitchFamily="18" charset="0"/>
-            </a:endParaRPr>
-          </a:p>
-          <a:p>
-            <a:endParaRPr lang="en-US" altLang="ko-KR" sz="900" dirty="0">
-              <a:solidFill>
-                <a:srgbClr val="0000FF"/>
-              </a:solidFill>
-              <a:latin typeface="Times New Roman" panose="02020603050405020304" pitchFamily="18" charset="0"/>
-              <a:cs typeface="Times New Roman" panose="02020603050405020304" pitchFamily="18" charset="0"/>
-            </a:endParaRPr>
-          </a:p>
-          <a:p>
-            <a:endParaRPr lang="en-US" altLang="ko-KR" sz="900" dirty="0">
-              <a:solidFill>
-                <a:srgbClr val="0000FF"/>
-              </a:solidFill>
-              <a:latin typeface="Times New Roman" panose="02020603050405020304" pitchFamily="18" charset="0"/>
-              <a:cs typeface="Times New Roman" panose="02020603050405020304" pitchFamily="18" charset="0"/>
-            </a:endParaRPr>
-          </a:p>
-          <a:p>
-            <a:endParaRPr lang="en-US" altLang="ko-KR" sz="900" dirty="0">
-              <a:solidFill>
-                <a:srgbClr val="0000FF"/>
-              </a:solidFill>
-              <a:latin typeface="Times New Roman" panose="02020603050405020304" pitchFamily="18" charset="0"/>
-              <a:cs typeface="Times New Roman" panose="02020603050405020304" pitchFamily="18" charset="0"/>
-            </a:endParaRPr>
-          </a:p>
-          <a:p>
-            <a:endParaRPr lang="en-US" altLang="ko-KR" sz="900" dirty="0">
-              <a:solidFill>
-                <a:srgbClr val="0000FF"/>
-              </a:solidFill>
-              <a:latin typeface="Times New Roman" panose="02020603050405020304" pitchFamily="18" charset="0"/>
-              <a:cs typeface="Times New Roman" panose="02020603050405020304" pitchFamily="18" charset="0"/>
-            </a:endParaRPr>
-          </a:p>
-          <a:p>
-            <a:endParaRPr lang="en-US" altLang="ko-KR" sz="900" dirty="0">
-              <a:solidFill>
-                <a:srgbClr val="0000FF"/>
-              </a:solidFill>
-              <a:latin typeface="Times New Roman" panose="02020603050405020304" pitchFamily="18" charset="0"/>
-              <a:cs typeface="Times New Roman" panose="02020603050405020304" pitchFamily="18" charset="0"/>
-            </a:endParaRPr>
-          </a:p>
-          <a:p>
-            <a:endParaRPr lang="en-US" altLang="ko-KR" sz="900" dirty="0">
-              <a:solidFill>
-                <a:srgbClr val="0000FF"/>
-              </a:solidFill>
-              <a:latin typeface="Times New Roman" panose="02020603050405020304" pitchFamily="18" charset="0"/>
-              <a:cs typeface="Times New Roman" panose="02020603050405020304" pitchFamily="18" charset="0"/>
-            </a:endParaRPr>
-          </a:p>
-          <a:p>
-            <a:endParaRPr lang="en-US" altLang="ko-KR" sz="900" dirty="0">
-              <a:solidFill>
-                <a:srgbClr val="0000FF"/>
-              </a:solidFill>
-              <a:latin typeface="Times New Roman" panose="02020603050405020304" pitchFamily="18" charset="0"/>
-              <a:cs typeface="Times New Roman" panose="02020603050405020304" pitchFamily="18" charset="0"/>
-            </a:endParaRPr>
-          </a:p>
-          <a:p>
-            <a:endParaRPr lang="en-US" altLang="ko-KR" sz="900" dirty="0">
-              <a:solidFill>
-                <a:srgbClr val="0000FF"/>
-              </a:solidFill>
-              <a:latin typeface="Times New Roman" panose="02020603050405020304" pitchFamily="18" charset="0"/>
-              <a:cs typeface="Times New Roman" panose="02020603050405020304" pitchFamily="18" charset="0"/>
-            </a:endParaRPr>
-          </a:p>
-          <a:p>
-            <a:endParaRPr lang="en-US" altLang="ko-KR" sz="900" dirty="0">
-              <a:solidFill>
-                <a:srgbClr val="0000FF"/>
-              </a:solidFill>
-              <a:latin typeface="Times New Roman" panose="02020603050405020304" pitchFamily="18" charset="0"/>
-              <a:cs typeface="Times New Roman" panose="02020603050405020304" pitchFamily="18" charset="0"/>
-            </a:endParaRPr>
-          </a:p>
-          <a:p>
-            <a:endParaRPr lang="en-US" altLang="ko-KR" sz="900" dirty="0">
-              <a:solidFill>
-                <a:srgbClr val="0000FF"/>
-              </a:solidFill>
-              <a:latin typeface="Times New Roman" panose="02020603050405020304" pitchFamily="18" charset="0"/>
-              <a:cs typeface="Times New Roman" panose="02020603050405020304" pitchFamily="18" charset="0"/>
-            </a:endParaRPr>
-          </a:p>
-          <a:p>
-            <a:endParaRPr lang="en-US" altLang="ko-KR" sz="900" dirty="0">
-              <a:solidFill>
-                <a:srgbClr val="0000FF"/>
-              </a:solidFill>
-              <a:latin typeface="Times New Roman" panose="02020603050405020304" pitchFamily="18" charset="0"/>
-              <a:cs typeface="Times New Roman" panose="02020603050405020304" pitchFamily="18" charset="0"/>
-            </a:endParaRPr>
-          </a:p>
-          <a:p>
-            <a:r>
-              <a:rPr lang="en-US" altLang="ko-KR" sz="900" b="1" dirty="0">
-                <a:solidFill>
-                  <a:srgbClr val="0000FF"/>
-                </a:solidFill>
-                <a:latin typeface="Times New Roman" panose="02020603050405020304" pitchFamily="18" charset="0"/>
-                <a:cs typeface="Times New Roman" panose="02020603050405020304" pitchFamily="18" charset="0"/>
-              </a:rPr>
-              <a:t>Data</a:t>
-            </a:r>
-            <a:r>
-              <a:rPr lang="ko-KR" altLang="en-US" sz="900" dirty="0">
-                <a:solidFill>
-                  <a:srgbClr val="0000FF"/>
-                </a:solidFill>
-                <a:latin typeface="Times New Roman" panose="02020603050405020304" pitchFamily="18" charset="0"/>
-                <a:cs typeface="Times New Roman" panose="02020603050405020304" pitchFamily="18" charset="0"/>
-              </a:rPr>
-              <a:t>데이터</a:t>
-            </a:r>
-            <a:r>
-              <a:rPr lang="en-US" altLang="ko-KR" sz="900" dirty="0">
-                <a:solidFill>
-                  <a:srgbClr val="0000FF"/>
-                </a:solidFill>
-                <a:latin typeface="Times New Roman" panose="02020603050405020304" pitchFamily="18" charset="0"/>
-                <a:cs typeface="Times New Roman" panose="02020603050405020304" pitchFamily="18" charset="0"/>
-              </a:rPr>
-              <a:t> Architecture</a:t>
-            </a:r>
-            <a:br>
-              <a:rPr lang="en-US" altLang="ko-KR" sz="900" dirty="0">
-                <a:solidFill>
-                  <a:srgbClr val="0000FF"/>
-                </a:solidFill>
-                <a:latin typeface="Times New Roman" panose="02020603050405020304" pitchFamily="18" charset="0"/>
-                <a:cs typeface="Times New Roman" panose="02020603050405020304" pitchFamily="18" charset="0"/>
-              </a:rPr>
-            </a:br>
-            <a:endParaRPr lang="en-US" altLang="ko-KR" sz="900" dirty="0">
-              <a:solidFill>
-                <a:srgbClr val="0000FF"/>
-              </a:solidFill>
-              <a:latin typeface="Times New Roman" panose="02020603050405020304" pitchFamily="18" charset="0"/>
-              <a:cs typeface="Times New Roman" panose="02020603050405020304" pitchFamily="18" charset="0"/>
-            </a:endParaRPr>
-          </a:p>
-          <a:p>
-            <a:endParaRPr lang="en-US" altLang="ko-KR" sz="900" b="1" dirty="0">
-              <a:solidFill>
-                <a:srgbClr val="0000FF"/>
-              </a:solidFill>
-              <a:latin typeface="Times New Roman" panose="02020603050405020304" pitchFamily="18" charset="0"/>
-              <a:cs typeface="Times New Roman" panose="02020603050405020304" pitchFamily="18" charset="0"/>
-            </a:endParaRPr>
-          </a:p>
-          <a:p>
-            <a:endParaRPr lang="en-US" altLang="ko-KR" sz="900" b="1" dirty="0">
-              <a:solidFill>
-                <a:srgbClr val="0000FF"/>
-              </a:solidFill>
-              <a:latin typeface="Times New Roman" panose="02020603050405020304" pitchFamily="18" charset="0"/>
-              <a:cs typeface="Times New Roman" panose="02020603050405020304" pitchFamily="18" charset="0"/>
-            </a:endParaRPr>
-          </a:p>
-          <a:p>
-            <a:endParaRPr lang="en-US" altLang="ko-KR" sz="900" b="1" dirty="0">
-              <a:solidFill>
-                <a:srgbClr val="0000FF"/>
-              </a:solidFill>
-              <a:latin typeface="Times New Roman" panose="02020603050405020304" pitchFamily="18" charset="0"/>
-              <a:cs typeface="Times New Roman" panose="02020603050405020304" pitchFamily="18" charset="0"/>
-            </a:endParaRPr>
-          </a:p>
-          <a:p>
-            <a:endParaRPr lang="en-US" altLang="ko-KR" sz="900" b="1" dirty="0">
-              <a:solidFill>
-                <a:srgbClr val="0000FF"/>
-              </a:solidFill>
-              <a:latin typeface="Times New Roman" panose="02020603050405020304" pitchFamily="18" charset="0"/>
-              <a:cs typeface="Times New Roman" panose="02020603050405020304" pitchFamily="18" charset="0"/>
-            </a:endParaRPr>
-          </a:p>
-          <a:p>
-            <a:endParaRPr lang="en-US" altLang="ko-KR" sz="900" b="1" dirty="0">
-              <a:solidFill>
-                <a:srgbClr val="0000FF"/>
-              </a:solidFill>
-              <a:latin typeface="Times New Roman" panose="02020603050405020304" pitchFamily="18" charset="0"/>
-              <a:cs typeface="Times New Roman" panose="02020603050405020304" pitchFamily="18" charset="0"/>
-            </a:endParaRPr>
-          </a:p>
-          <a:p>
-            <a:endParaRPr lang="en-US" altLang="ko-KR" sz="900" b="1" dirty="0">
-              <a:solidFill>
-                <a:srgbClr val="0000FF"/>
-              </a:solidFill>
-              <a:latin typeface="Times New Roman" panose="02020603050405020304" pitchFamily="18" charset="0"/>
-              <a:cs typeface="Times New Roman" panose="02020603050405020304" pitchFamily="18" charset="0"/>
-            </a:endParaRPr>
-          </a:p>
-          <a:p>
-            <a:r>
-              <a:rPr lang="en-US" altLang="ko-KR" sz="900" b="1" dirty="0">
-                <a:solidFill>
-                  <a:srgbClr val="0000FF"/>
-                </a:solidFill>
-                <a:latin typeface="Times New Roman" panose="02020603050405020304" pitchFamily="18" charset="0"/>
-                <a:cs typeface="Times New Roman" panose="02020603050405020304" pitchFamily="18" charset="0"/>
-              </a:rPr>
-              <a:t>Application</a:t>
-            </a:r>
-            <a:r>
-              <a:rPr lang="ko-KR" altLang="en-US" sz="900" dirty="0">
-                <a:solidFill>
-                  <a:srgbClr val="0000FF"/>
-                </a:solidFill>
-                <a:latin typeface="Times New Roman" panose="02020603050405020304" pitchFamily="18" charset="0"/>
-                <a:cs typeface="Times New Roman" panose="02020603050405020304" pitchFamily="18" charset="0"/>
-              </a:rPr>
-              <a:t>응용</a:t>
-            </a:r>
-            <a:r>
-              <a:rPr lang="en-US" altLang="ko-KR" sz="900" dirty="0">
-                <a:solidFill>
-                  <a:srgbClr val="0000FF"/>
-                </a:solidFill>
-                <a:latin typeface="Times New Roman" panose="02020603050405020304" pitchFamily="18" charset="0"/>
-                <a:cs typeface="Times New Roman" panose="02020603050405020304" pitchFamily="18" charset="0"/>
-              </a:rPr>
-              <a:t> Architecture</a:t>
-            </a:r>
-            <a:endParaRPr lang="en-US" altLang="ko-KR" sz="900" b="1" dirty="0">
-              <a:solidFill>
-                <a:srgbClr val="0000FF"/>
-              </a:solidFill>
-              <a:latin typeface="Times New Roman" panose="02020603050405020304" pitchFamily="18" charset="0"/>
-              <a:cs typeface="Times New Roman" panose="02020603050405020304" pitchFamily="18" charset="0"/>
-            </a:endParaRPr>
-          </a:p>
-          <a:p>
-            <a:endParaRPr lang="en-US" altLang="ko-KR" sz="900" dirty="0">
-              <a:solidFill>
-                <a:srgbClr val="0000FF"/>
-              </a:solidFill>
-              <a:latin typeface="Times New Roman" panose="02020603050405020304" pitchFamily="18" charset="0"/>
-              <a:cs typeface="Times New Roman" panose="02020603050405020304" pitchFamily="18" charset="0"/>
-            </a:endParaRPr>
-          </a:p>
-          <a:p>
-            <a:endParaRPr lang="en-US" altLang="ko-KR" sz="900" b="1" dirty="0">
-              <a:solidFill>
-                <a:srgbClr val="0000FF"/>
-              </a:solidFill>
-              <a:latin typeface="Times New Roman" panose="02020603050405020304" pitchFamily="18" charset="0"/>
-              <a:cs typeface="Times New Roman" panose="02020603050405020304" pitchFamily="18" charset="0"/>
-            </a:endParaRPr>
-          </a:p>
-          <a:p>
-            <a:endParaRPr lang="en-US" altLang="ko-KR" sz="900" b="1" dirty="0">
-              <a:solidFill>
-                <a:srgbClr val="0000FF"/>
-              </a:solidFill>
-              <a:latin typeface="Times New Roman" panose="02020603050405020304" pitchFamily="18" charset="0"/>
-              <a:cs typeface="Times New Roman" panose="02020603050405020304" pitchFamily="18" charset="0"/>
-            </a:endParaRPr>
-          </a:p>
-          <a:p>
-            <a:endParaRPr lang="en-US" altLang="ko-KR" sz="900" b="1" dirty="0">
-              <a:solidFill>
-                <a:srgbClr val="0000FF"/>
-              </a:solidFill>
-              <a:latin typeface="Times New Roman" panose="02020603050405020304" pitchFamily="18" charset="0"/>
-              <a:cs typeface="Times New Roman" panose="02020603050405020304" pitchFamily="18" charset="0"/>
-            </a:endParaRPr>
-          </a:p>
-          <a:p>
-            <a:endParaRPr lang="en-US" altLang="ko-KR" sz="900" b="1" dirty="0">
-              <a:solidFill>
-                <a:srgbClr val="0000FF"/>
-              </a:solidFill>
-              <a:latin typeface="Times New Roman" panose="02020603050405020304" pitchFamily="18" charset="0"/>
-              <a:cs typeface="Times New Roman" panose="02020603050405020304" pitchFamily="18" charset="0"/>
-            </a:endParaRPr>
-          </a:p>
-          <a:p>
-            <a:endParaRPr lang="en-US" altLang="ko-KR" sz="900" b="1" dirty="0">
-              <a:solidFill>
-                <a:srgbClr val="0000FF"/>
-              </a:solidFill>
-              <a:latin typeface="Times New Roman" panose="02020603050405020304" pitchFamily="18" charset="0"/>
-              <a:cs typeface="Times New Roman" panose="02020603050405020304" pitchFamily="18" charset="0"/>
-            </a:endParaRPr>
-          </a:p>
-          <a:p>
-            <a:endParaRPr lang="en-US" altLang="ko-KR" sz="900" b="1" dirty="0">
-              <a:solidFill>
-                <a:srgbClr val="0000FF"/>
-              </a:solidFill>
-              <a:latin typeface="Times New Roman" panose="02020603050405020304" pitchFamily="18" charset="0"/>
-              <a:cs typeface="Times New Roman" panose="02020603050405020304" pitchFamily="18" charset="0"/>
-            </a:endParaRPr>
-          </a:p>
-          <a:p>
-            <a:endParaRPr lang="en-US" altLang="ko-KR" sz="900" b="1" dirty="0">
-              <a:solidFill>
-                <a:srgbClr val="0000FF"/>
-              </a:solidFill>
-              <a:latin typeface="Times New Roman" panose="02020603050405020304" pitchFamily="18" charset="0"/>
-              <a:cs typeface="Times New Roman" panose="02020603050405020304" pitchFamily="18" charset="0"/>
-            </a:endParaRPr>
-          </a:p>
-          <a:p>
-            <a:endParaRPr lang="en-US" altLang="ko-KR" sz="900" b="1" dirty="0">
-              <a:solidFill>
-                <a:srgbClr val="0000FF"/>
-              </a:solidFill>
-              <a:latin typeface="Times New Roman" panose="02020603050405020304" pitchFamily="18" charset="0"/>
-              <a:cs typeface="Times New Roman" panose="02020603050405020304" pitchFamily="18" charset="0"/>
-            </a:endParaRPr>
-          </a:p>
-          <a:p>
-            <a:endParaRPr lang="en-US" altLang="ko-KR" sz="900" b="1" dirty="0">
-              <a:solidFill>
-                <a:srgbClr val="0000FF"/>
-              </a:solidFill>
-              <a:latin typeface="Times New Roman" panose="02020603050405020304" pitchFamily="18" charset="0"/>
-              <a:cs typeface="Times New Roman" panose="02020603050405020304" pitchFamily="18" charset="0"/>
-            </a:endParaRPr>
-          </a:p>
-          <a:p>
-            <a:endParaRPr lang="en-US" altLang="ko-KR" sz="900" b="1" dirty="0">
-              <a:solidFill>
-                <a:srgbClr val="0000FF"/>
-              </a:solidFill>
-              <a:latin typeface="Times New Roman" panose="02020603050405020304" pitchFamily="18" charset="0"/>
-              <a:cs typeface="Times New Roman" panose="02020603050405020304" pitchFamily="18" charset="0"/>
-            </a:endParaRPr>
-          </a:p>
-          <a:p>
-            <a:endParaRPr lang="en-US" altLang="ko-KR" sz="900" b="1" dirty="0">
-              <a:solidFill>
-                <a:srgbClr val="0000FF"/>
-              </a:solidFill>
-              <a:latin typeface="Times New Roman" panose="02020603050405020304" pitchFamily="18" charset="0"/>
-              <a:cs typeface="Times New Roman" panose="02020603050405020304" pitchFamily="18" charset="0"/>
-            </a:endParaRPr>
-          </a:p>
-          <a:p>
-            <a:endParaRPr lang="en-US" altLang="ko-KR" sz="900" b="1" dirty="0">
-              <a:solidFill>
-                <a:srgbClr val="0000FF"/>
-              </a:solidFill>
-              <a:latin typeface="Times New Roman" panose="02020603050405020304" pitchFamily="18" charset="0"/>
-              <a:cs typeface="Times New Roman" panose="02020603050405020304" pitchFamily="18" charset="0"/>
-            </a:endParaRPr>
-          </a:p>
-          <a:p>
-            <a:r>
-              <a:rPr lang="en-US" altLang="ko-KR" sz="900" b="1" dirty="0">
-                <a:solidFill>
-                  <a:srgbClr val="0000FF"/>
-                </a:solidFill>
-                <a:latin typeface="Times New Roman" panose="02020603050405020304" pitchFamily="18" charset="0"/>
-                <a:cs typeface="Times New Roman" panose="02020603050405020304" pitchFamily="18" charset="0"/>
-              </a:rPr>
-              <a:t>Technology</a:t>
-            </a:r>
-            <a:r>
-              <a:rPr lang="ko-KR" altLang="en-US" sz="900" dirty="0">
-                <a:solidFill>
-                  <a:srgbClr val="0000FF"/>
-                </a:solidFill>
-                <a:latin typeface="Times New Roman" panose="02020603050405020304" pitchFamily="18" charset="0"/>
-                <a:cs typeface="Times New Roman" panose="02020603050405020304" pitchFamily="18" charset="0"/>
-              </a:rPr>
-              <a:t>기술</a:t>
-            </a:r>
-            <a:r>
-              <a:rPr lang="en-US" altLang="ko-KR" sz="900" dirty="0">
-                <a:solidFill>
-                  <a:srgbClr val="0000FF"/>
-                </a:solidFill>
-                <a:latin typeface="Times New Roman" panose="02020603050405020304" pitchFamily="18" charset="0"/>
-                <a:cs typeface="Times New Roman" panose="02020603050405020304" pitchFamily="18" charset="0"/>
-              </a:rPr>
-              <a:t> Architecture</a:t>
-            </a:r>
-            <a:endParaRPr lang="en-US" sz="900" dirty="0">
-              <a:solidFill>
-                <a:srgbClr val="0000FF"/>
-              </a:solidFill>
-              <a:latin typeface="Times New Roman" panose="02020603050405020304" pitchFamily="18" charset="0"/>
-              <a:cs typeface="Times New Roman" panose="02020603050405020304" pitchFamily="18" charset="0"/>
-            </a:endParaRPr>
-          </a:p>
-        </p:txBody>
-      </p:sp>
-      <p:sp>
-        <p:nvSpPr>
-          <p:cNvPr id="17" name="직사각형 16">
-            <a:extLst>
-              <a:ext uri="{FF2B5EF4-FFF2-40B4-BE49-F238E27FC236}">
-                <a16:creationId xmlns:a16="http://schemas.microsoft.com/office/drawing/2014/main" id="{66448545-D471-4E15-9CEA-7892FBB16E21}"/>
-              </a:ext>
-            </a:extLst>
-          </p:cNvPr>
-          <p:cNvSpPr/>
-          <p:nvPr/>
-        </p:nvSpPr>
-        <p:spPr>
-          <a:xfrm>
-            <a:off x="1817812" y="1592618"/>
-            <a:ext cx="6853158" cy="276999"/>
-          </a:xfrm>
-          <a:prstGeom prst="rect">
-            <a:avLst/>
-          </a:prstGeom>
-        </p:spPr>
-        <p:txBody>
-          <a:bodyPr wrap="none">
-            <a:spAutoFit/>
-          </a:bodyPr>
-          <a:lstStyle/>
-          <a:p>
-            <a:r>
-              <a:rPr lang="ko-KR" altLang="en-US" sz="1200" b="1" dirty="0">
-                <a:solidFill>
-                  <a:schemeClr val="bg1"/>
-                </a:solidFill>
-                <a:latin typeface="Times New Roman" panose="02020603050405020304" pitchFamily="18" charset="0"/>
-                <a:cs typeface="Times New Roman" panose="02020603050405020304" pitchFamily="18" charset="0"/>
-              </a:rPr>
-              <a:t>구매                                                생산                                      영업</a:t>
-            </a:r>
-            <a:r>
-              <a:rPr lang="en-US" altLang="ko-KR" sz="1200" b="1" dirty="0">
-                <a:solidFill>
-                  <a:schemeClr val="bg1"/>
-                </a:solidFill>
-                <a:latin typeface="Times New Roman" panose="02020603050405020304" pitchFamily="18" charset="0"/>
-                <a:cs typeface="Times New Roman" panose="02020603050405020304" pitchFamily="18" charset="0"/>
-              </a:rPr>
-              <a:t>·</a:t>
-            </a:r>
-            <a:r>
-              <a:rPr lang="ko-KR" altLang="en-US" sz="1200" b="1" dirty="0">
-                <a:solidFill>
-                  <a:schemeClr val="bg1"/>
-                </a:solidFill>
-                <a:latin typeface="Times New Roman" panose="02020603050405020304" pitchFamily="18" charset="0"/>
-                <a:cs typeface="Times New Roman" panose="02020603050405020304" pitchFamily="18" charset="0"/>
-              </a:rPr>
-              <a:t>마케팅                               고객서비스</a:t>
-            </a:r>
-            <a:endParaRPr lang="en-US" altLang="ko-KR" sz="1200" dirty="0">
-              <a:solidFill>
-                <a:schemeClr val="bg1"/>
-              </a:solidFill>
-              <a:latin typeface="Times New Roman" panose="02020603050405020304" pitchFamily="18" charset="0"/>
-              <a:cs typeface="Times New Roman" panose="02020603050405020304" pitchFamily="18" charset="0"/>
-            </a:endParaRPr>
-          </a:p>
-        </p:txBody>
-      </p:sp>
-      <p:sp>
-        <p:nvSpPr>
-          <p:cNvPr id="19" name="직사각형 18">
-            <a:extLst>
-              <a:ext uri="{FF2B5EF4-FFF2-40B4-BE49-F238E27FC236}">
-                <a16:creationId xmlns:a16="http://schemas.microsoft.com/office/drawing/2014/main" id="{A3E7B0B4-AEBB-4331-A442-0DA06717A299}"/>
-              </a:ext>
-            </a:extLst>
-          </p:cNvPr>
-          <p:cNvSpPr/>
-          <p:nvPr/>
-        </p:nvSpPr>
-        <p:spPr>
-          <a:xfrm>
-            <a:off x="2621858" y="6348058"/>
-            <a:ext cx="6973563" cy="276999"/>
-          </a:xfrm>
-          <a:prstGeom prst="rect">
-            <a:avLst/>
-          </a:prstGeom>
-        </p:spPr>
-        <p:txBody>
-          <a:bodyPr wrap="square">
-            <a:spAutoFit/>
-          </a:bodyPr>
-          <a:lstStyle/>
-          <a:p>
-            <a:r>
-              <a:rPr lang="en-US" altLang="ko-KR" sz="1200" b="1" dirty="0">
-                <a:solidFill>
-                  <a:schemeClr val="bg1"/>
-                </a:solidFill>
-                <a:latin typeface="Times New Roman" panose="02020603050405020304" pitchFamily="18" charset="0"/>
-                <a:cs typeface="Times New Roman" panose="02020603050405020304" pitchFamily="18" charset="0"/>
-              </a:rPr>
-              <a:t>          Server                                     Storage                        Networking</a:t>
-            </a:r>
-            <a:endParaRPr lang="en-US" altLang="ko-KR" sz="1200" dirty="0">
-              <a:solidFill>
-                <a:schemeClr val="bg1"/>
-              </a:solidFill>
-              <a:latin typeface="Times New Roman" panose="02020603050405020304" pitchFamily="18" charset="0"/>
-              <a:cs typeface="Times New Roman" panose="02020603050405020304" pitchFamily="18" charset="0"/>
-            </a:endParaRPr>
-          </a:p>
-        </p:txBody>
-      </p:sp>
-    </p:spTree>
-    <p:extLst>
-      <p:ext uri="{BB962C8B-B14F-4D97-AF65-F5344CB8AC3E}">
-        <p14:creationId xmlns:p14="http://schemas.microsoft.com/office/powerpoint/2010/main" val="3018242228"/>
-      </p:ext>
-    </p:extLst>
-  </p:cSld>
-  <p:clrMapOvr>
-    <a:masterClrMapping/>
-  </p:clrMapOvr>
-</p:sld>
-</file>
-
-<file path=ppt/slides/slide5.xml><?xml version="1.0" encoding="utf-8"?>
-<p:sld xmlns:a="http://schemas.openxmlformats.org/drawingml/2006/main" xmlns:r="http://schemas.openxmlformats.org/officeDocument/2006/relationships" xmlns:p="http://schemas.openxmlformats.org/presentationml/2006/main">
-  <p:cSld>
-    <p:spTree>
-      <p:nvGrpSpPr>
-        <p:cNvPr id="1" name=""/>
-        <p:cNvGrpSpPr/>
-        <p:nvPr/>
-      </p:nvGrpSpPr>
-      <p:grpSpPr>
-        <a:xfrm>
-          <a:off x="0" y="0"/>
-          <a:ext cx="0" cy="0"/>
-          <a:chOff x="0" y="0"/>
-          <a:chExt cx="0" cy="0"/>
-        </a:xfrm>
-      </p:grpSpPr>
       <p:sp>
         <p:nvSpPr>
           <p:cNvPr id="2" name="제목 1">
@@ -5795,7 +8001,7 @@
 </p:sld>
 </file>
 
-<file path=ppt/slides/slide6.xml><?xml version="1.0" encoding="utf-8"?>
+<file path=ppt/slides/slide5.xml><?xml version="1.0" encoding="utf-8"?>
 <p:sld xmlns:a="http://schemas.openxmlformats.org/drawingml/2006/main" xmlns:r="http://schemas.openxmlformats.org/officeDocument/2006/relationships" xmlns:p="http://schemas.openxmlformats.org/presentationml/2006/main">
   <p:cSld>
     <p:spTree>
@@ -6297,6 +8503,407 @@
 </p:sld>
 </file>
 
+<file path=ppt/slides/slide6.xml><?xml version="1.0" encoding="utf-8"?>
+<p:sld xmlns:a="http://schemas.openxmlformats.org/drawingml/2006/main" xmlns:r="http://schemas.openxmlformats.org/officeDocument/2006/relationships" xmlns:p="http://schemas.openxmlformats.org/presentationml/2006/main">
+  <p:cSld>
+    <p:spTree>
+      <p:nvGrpSpPr>
+        <p:cNvPr id="1" name=""/>
+        <p:cNvGrpSpPr/>
+        <p:nvPr/>
+      </p:nvGrpSpPr>
+      <p:grpSpPr>
+        <a:xfrm>
+          <a:off x="0" y="0"/>
+          <a:ext cx="0" cy="0"/>
+          <a:chOff x="0" y="0"/>
+          <a:chExt cx="0" cy="0"/>
+        </a:xfrm>
+      </p:grpSpPr>
+      <p:sp>
+        <p:nvSpPr>
+          <p:cNvPr id="2" name="제목 1">
+            <a:extLst>
+              <a:ext uri="{FF2B5EF4-FFF2-40B4-BE49-F238E27FC236}">
+                <a16:creationId xmlns:a16="http://schemas.microsoft.com/office/drawing/2014/main" id="{8F4DE06F-ECEB-4702-B956-934D7283FB5B}"/>
+              </a:ext>
+            </a:extLst>
+          </p:cNvPr>
+          <p:cNvSpPr>
+            <a:spLocks noGrp="1"/>
+          </p:cNvSpPr>
+          <p:nvPr>
+            <p:ph type="title"/>
+          </p:nvPr>
+        </p:nvSpPr>
+        <p:spPr/>
+        <p:txBody>
+          <a:bodyPr/>
+          <a:lstStyle/>
+          <a:p>
+            <a:r>
+              <a:rPr lang="ko-KR" altLang="en-US" sz="2000" dirty="0"/>
+              <a:t>전자정부법의</a:t>
+            </a:r>
+            <a:r>
+              <a:rPr lang="ko-KR" altLang="en-US" dirty="0"/>
+              <a:t> </a:t>
+            </a:r>
+            <a:r>
+              <a:rPr lang="ko-KR" altLang="en-US" dirty="0" err="1"/>
+              <a:t>정보기술아키텍처</a:t>
+            </a:r>
+            <a:endParaRPr lang="en-US" dirty="0"/>
+          </a:p>
+        </p:txBody>
+      </p:sp>
+      <p:sp>
+        <p:nvSpPr>
+          <p:cNvPr id="3" name="내용 개체 틀 2">
+            <a:extLst>
+              <a:ext uri="{FF2B5EF4-FFF2-40B4-BE49-F238E27FC236}">
+                <a16:creationId xmlns:a16="http://schemas.microsoft.com/office/drawing/2014/main" id="{2FAA7322-ACA6-44EF-B21E-CE3AA5F9E692}"/>
+              </a:ext>
+            </a:extLst>
+          </p:cNvPr>
+          <p:cNvSpPr>
+            <a:spLocks noGrp="1"/>
+          </p:cNvSpPr>
+          <p:nvPr>
+            <p:ph idx="1"/>
+          </p:nvPr>
+        </p:nvSpPr>
+        <p:spPr>
+          <a:xfrm>
+            <a:off x="188374" y="1825625"/>
+            <a:ext cx="11914671" cy="4351338"/>
+          </a:xfrm>
+        </p:spPr>
+        <p:txBody>
+          <a:bodyPr>
+            <a:normAutofit/>
+          </a:bodyPr>
+          <a:lstStyle/>
+          <a:p>
+            <a:pPr>
+              <a:lnSpc>
+                <a:spcPct val="100000"/>
+              </a:lnSpc>
+            </a:pPr>
+            <a:r>
+              <a:rPr lang="ko-KR" altLang="en-US" sz="2000" dirty="0" err="1"/>
+              <a:t>정보기술아키텍처</a:t>
+            </a:r>
+            <a:r>
+              <a:rPr lang="en-US" altLang="ko-KR" sz="2000" dirty="0"/>
+              <a:t>(EA) </a:t>
+            </a:r>
+            <a:r>
+              <a:rPr lang="ko-KR" altLang="en-US" sz="2000" dirty="0"/>
+              <a:t>정의</a:t>
+            </a:r>
+          </a:p>
+          <a:p>
+            <a:pPr lvl="1">
+              <a:lnSpc>
+                <a:spcPct val="100000"/>
+              </a:lnSpc>
+            </a:pPr>
+            <a:r>
+              <a:rPr lang="ko-KR" altLang="en-US" sz="1800" dirty="0"/>
+              <a:t>일정한 기준과 절차에 따라 </a:t>
+            </a:r>
+            <a:r>
+              <a:rPr lang="ko-KR" altLang="en-US" sz="1800" dirty="0">
+                <a:solidFill>
+                  <a:srgbClr val="0000FF"/>
+                </a:solidFill>
+              </a:rPr>
+              <a:t>업무</a:t>
+            </a:r>
+            <a:r>
+              <a:rPr lang="en-US" altLang="ko-KR" sz="1800" dirty="0">
+                <a:solidFill>
+                  <a:srgbClr val="0000FF"/>
+                </a:solidFill>
+              </a:rPr>
+              <a:t>, </a:t>
+            </a:r>
+            <a:r>
+              <a:rPr lang="ko-KR" altLang="en-US" sz="1800" dirty="0">
+                <a:solidFill>
+                  <a:srgbClr val="0000FF"/>
+                </a:solidFill>
+              </a:rPr>
+              <a:t>응용</a:t>
+            </a:r>
+            <a:r>
+              <a:rPr lang="en-US" altLang="ko-KR" sz="1800" dirty="0">
+                <a:solidFill>
+                  <a:srgbClr val="0000FF"/>
+                </a:solidFill>
+              </a:rPr>
+              <a:t>, </a:t>
+            </a:r>
+            <a:r>
+              <a:rPr lang="ko-KR" altLang="en-US" sz="1800" dirty="0">
+                <a:solidFill>
+                  <a:srgbClr val="0000FF"/>
+                </a:solidFill>
+              </a:rPr>
+              <a:t>데이터</a:t>
+            </a:r>
+            <a:r>
+              <a:rPr lang="en-US" altLang="ko-KR" sz="1800" dirty="0">
+                <a:solidFill>
+                  <a:srgbClr val="0000FF"/>
+                </a:solidFill>
+              </a:rPr>
+              <a:t>, </a:t>
+            </a:r>
+            <a:r>
+              <a:rPr lang="ko-KR" altLang="en-US" sz="1800" dirty="0">
+                <a:solidFill>
+                  <a:srgbClr val="0000FF"/>
+                </a:solidFill>
+              </a:rPr>
+              <a:t>기술</a:t>
+            </a:r>
+            <a:r>
+              <a:rPr lang="en-US" altLang="ko-KR" sz="1800" dirty="0"/>
+              <a:t>, </a:t>
+            </a:r>
+            <a:r>
+              <a:rPr lang="ko-KR" altLang="en-US" sz="1800" dirty="0"/>
+              <a:t>보안 등 조직 전체의 구성요소들을 통합적으로 분석한 뒤 이들 간의 관계를 구조적으로 정리한 체제 및 이를 바탕으로 정보화 등을 통하여 구성요소들을 최적화하기 위한 방법을 말한다</a:t>
+            </a:r>
+            <a:r>
+              <a:rPr lang="en-US" altLang="ko-KR" sz="1800" dirty="0"/>
+              <a:t>.</a:t>
+            </a:r>
+          </a:p>
+          <a:p>
+            <a:pPr>
+              <a:lnSpc>
+                <a:spcPct val="100000"/>
+              </a:lnSpc>
+            </a:pPr>
+            <a:endParaRPr lang="en-US" altLang="ko-KR" sz="2000" dirty="0"/>
+          </a:p>
+          <a:p>
+            <a:pPr>
+              <a:lnSpc>
+                <a:spcPct val="100000"/>
+              </a:lnSpc>
+            </a:pPr>
+            <a:r>
+              <a:rPr lang="ko-KR" altLang="en-US" sz="2000" dirty="0"/>
+              <a:t>용어 정의</a:t>
+            </a:r>
+          </a:p>
+          <a:p>
+            <a:pPr lvl="1">
+              <a:lnSpc>
+                <a:spcPct val="100000"/>
+              </a:lnSpc>
+            </a:pPr>
+            <a:r>
+              <a:rPr lang="en-US" altLang="ko-KR" sz="1800" dirty="0"/>
+              <a:t>"</a:t>
+            </a:r>
+            <a:r>
+              <a:rPr lang="ko-KR" altLang="en-US" sz="1800" dirty="0">
+                <a:solidFill>
+                  <a:srgbClr val="0000FF"/>
+                </a:solidFill>
+              </a:rPr>
+              <a:t>업무</a:t>
+            </a:r>
+            <a:r>
+              <a:rPr lang="ko-KR" altLang="en-US" sz="1800" dirty="0"/>
+              <a:t> 아키텍처</a:t>
+            </a:r>
+            <a:r>
+              <a:rPr lang="en-US" altLang="ko-KR" sz="1800" dirty="0"/>
+              <a:t>"</a:t>
+            </a:r>
+            <a:r>
+              <a:rPr lang="ko-KR" altLang="en-US" sz="1800" dirty="0"/>
+              <a:t>란 조직</a:t>
+            </a:r>
+            <a:r>
+              <a:rPr lang="en-US" altLang="ko-KR" sz="1800" dirty="0"/>
+              <a:t>, </a:t>
+            </a:r>
+            <a:r>
+              <a:rPr lang="ko-KR" altLang="en-US" sz="1800" dirty="0"/>
+              <a:t>업무</a:t>
+            </a:r>
+            <a:r>
+              <a:rPr lang="en-US" altLang="ko-KR" sz="1800" dirty="0"/>
+              <a:t>, </a:t>
+            </a:r>
+            <a:r>
+              <a:rPr lang="ko-KR" altLang="en-US" sz="1800" dirty="0"/>
+              <a:t>업무별 기능</a:t>
+            </a:r>
+            <a:r>
+              <a:rPr lang="en-US" altLang="ko-KR" sz="1800" dirty="0"/>
+              <a:t>·</a:t>
+            </a:r>
+            <a:r>
+              <a:rPr lang="ko-KR" altLang="en-US" sz="1800" dirty="0"/>
+              <a:t>절차</a:t>
+            </a:r>
+            <a:r>
+              <a:rPr lang="en-US" altLang="ko-KR" sz="1800" dirty="0"/>
+              <a:t>·</a:t>
+            </a:r>
+            <a:r>
+              <a:rPr lang="ko-KR" altLang="en-US" sz="1800" dirty="0"/>
+              <a:t>정보와 이들 간의 관계를 식별하고 정의한 구조를 말한다</a:t>
+            </a:r>
+            <a:r>
+              <a:rPr lang="en-US" altLang="ko-KR" sz="1800" dirty="0"/>
+              <a:t>. </a:t>
+            </a:r>
+          </a:p>
+          <a:p>
+            <a:pPr lvl="1">
+              <a:lnSpc>
+                <a:spcPct val="100000"/>
+              </a:lnSpc>
+            </a:pPr>
+            <a:r>
+              <a:rPr lang="en-US" altLang="ko-KR" sz="1800" dirty="0"/>
+              <a:t>"</a:t>
+            </a:r>
+            <a:r>
+              <a:rPr lang="ko-KR" altLang="en-US" sz="1800" dirty="0">
+                <a:solidFill>
+                  <a:srgbClr val="0000FF"/>
+                </a:solidFill>
+              </a:rPr>
+              <a:t>응용</a:t>
+            </a:r>
+            <a:r>
+              <a:rPr lang="ko-KR" altLang="en-US" sz="1800" dirty="0"/>
+              <a:t> 아키텍처</a:t>
+            </a:r>
+            <a:r>
+              <a:rPr lang="en-US" altLang="ko-KR" sz="1800" dirty="0"/>
+              <a:t>"</a:t>
+            </a:r>
+            <a:r>
+              <a:rPr lang="ko-KR" altLang="en-US" sz="1800" dirty="0"/>
+              <a:t>란 업무를 지원하는 응용기능</a:t>
+            </a:r>
+            <a:r>
+              <a:rPr lang="en-US" altLang="ko-KR" sz="1800" dirty="0"/>
+              <a:t>, </a:t>
+            </a:r>
+            <a:r>
+              <a:rPr lang="ko-KR" altLang="en-US" sz="1800" dirty="0"/>
+              <a:t>응용시스템 및 이들 간의 관계를 식별하고 정의한 구조를 말한다</a:t>
+            </a:r>
+            <a:r>
+              <a:rPr lang="en-US" altLang="ko-KR" sz="1800" dirty="0"/>
+              <a:t>. </a:t>
+            </a:r>
+          </a:p>
+          <a:p>
+            <a:pPr lvl="1">
+              <a:lnSpc>
+                <a:spcPct val="100000"/>
+              </a:lnSpc>
+            </a:pPr>
+            <a:r>
+              <a:rPr lang="en-US" altLang="ko-KR" sz="1800" dirty="0"/>
+              <a:t>"</a:t>
+            </a:r>
+            <a:r>
+              <a:rPr lang="ko-KR" altLang="en-US" sz="1800" dirty="0">
+                <a:solidFill>
+                  <a:srgbClr val="0000FF"/>
+                </a:solidFill>
+              </a:rPr>
+              <a:t>데이터</a:t>
+            </a:r>
+            <a:r>
+              <a:rPr lang="ko-KR" altLang="en-US" sz="1800" dirty="0"/>
+              <a:t> 아키텍처</a:t>
+            </a:r>
+            <a:r>
+              <a:rPr lang="en-US" altLang="ko-KR" sz="1800" dirty="0"/>
+              <a:t>"</a:t>
+            </a:r>
+            <a:r>
+              <a:rPr lang="ko-KR" altLang="en-US" sz="1800" dirty="0"/>
+              <a:t>란 업무와 응용에서 사용되는 데이터 및 이들 간의 관계를 식별하고 정의한 구조를 말한다</a:t>
+            </a:r>
+            <a:r>
+              <a:rPr lang="en-US" altLang="ko-KR" sz="1800" dirty="0"/>
+              <a:t>. </a:t>
+            </a:r>
+          </a:p>
+          <a:p>
+            <a:pPr lvl="1">
+              <a:lnSpc>
+                <a:spcPct val="100000"/>
+              </a:lnSpc>
+            </a:pPr>
+            <a:r>
+              <a:rPr lang="en-US" altLang="ko-KR" sz="1800" dirty="0"/>
+              <a:t>"</a:t>
+            </a:r>
+            <a:r>
+              <a:rPr lang="ko-KR" altLang="en-US" sz="1800" dirty="0">
+                <a:solidFill>
+                  <a:srgbClr val="0000FF"/>
+                </a:solidFill>
+              </a:rPr>
+              <a:t>기술</a:t>
+            </a:r>
+            <a:r>
+              <a:rPr lang="ko-KR" altLang="en-US" sz="1800" dirty="0"/>
+              <a:t> 아키텍처</a:t>
+            </a:r>
+            <a:r>
+              <a:rPr lang="en-US" altLang="ko-KR" sz="1800" dirty="0"/>
+              <a:t>"</a:t>
+            </a:r>
+            <a:r>
+              <a:rPr lang="ko-KR" altLang="en-US" sz="1800" dirty="0"/>
+              <a:t>란 응용서비스와 응용시스템을 지원하는 기술자원 및 이들 간의 관계를 식별하고 정의한 구조를 말한다</a:t>
+            </a:r>
+            <a:r>
+              <a:rPr lang="en-US" altLang="ko-KR" sz="1800" dirty="0"/>
+              <a:t>.</a:t>
+            </a:r>
+          </a:p>
+          <a:p>
+            <a:pPr>
+              <a:lnSpc>
+                <a:spcPct val="100000"/>
+              </a:lnSpc>
+            </a:pPr>
+            <a:endParaRPr lang="en-US" sz="2000" dirty="0"/>
+          </a:p>
+        </p:txBody>
+      </p:sp>
+    </p:spTree>
+    <p:extLst>
+      <p:ext uri="{BB962C8B-B14F-4D97-AF65-F5344CB8AC3E}">
+        <p14:creationId xmlns:p14="http://schemas.microsoft.com/office/powerpoint/2010/main" val="1219099051"/>
+      </p:ext>
+    </p:extLst>
+  </p:cSld>
+  <p:clrMapOvr>
+    <a:masterClrMapping/>
+  </p:clrMapOvr>
+</p:sld>
+</file>
+
 <file path=ppt/slides/slide7.xml><?xml version="1.0" encoding="utf-8"?>
 <p:sld xmlns:a="http://schemas.openxmlformats.org/drawingml/2006/main" xmlns:r="http://schemas.openxmlformats.org/officeDocument/2006/relationships" xmlns:p="http://schemas.openxmlformats.org/presentationml/2006/main">
   <p:cSld>
@@ -6688,7 +9295,7 @@
             </a:r>
             <a:r>
               <a:rPr lang="ko-KR" altLang="en-US" dirty="0"/>
-              <a:t>음악</a:t>
+              <a:t>음성</a:t>
             </a:r>
             <a:r>
               <a:rPr lang="en-US" altLang="ko-KR" dirty="0"/>
@@ -7150,4 +9757,299 @@
     </a:ext>
   </a:extLst>
 </a:theme>
+</file>
+
+<file path=ppt/theme/theme2.xml><?xml version="1.0" encoding="utf-8"?>
+<a:theme xmlns:a="http://schemas.openxmlformats.org/drawingml/2006/main" name="Office 테마">
+  <a:themeElements>
+    <a:clrScheme name="Office">
+      <a:dk1>
+        <a:sysClr val="windowText" lastClr="000000"/>
+      </a:dk1>
+      <a:lt1>
+        <a:sysClr val="window" lastClr="FFFFFF"/>
+      </a:lt1>
+      <a:dk2>
+        <a:srgbClr val="44546A"/>
+      </a:dk2>
+      <a:lt2>
+        <a:srgbClr val="E7E6E6"/>
+      </a:lt2>
+      <a:accent1>
+        <a:srgbClr val="4472C4"/>
+      </a:accent1>
+      <a:accent2>
+        <a:srgbClr val="ED7D31"/>
+      </a:accent2>
+      <a:accent3>
+        <a:srgbClr val="A5A5A5"/>
+      </a:accent3>
+      <a:accent4>
+        <a:srgbClr val="FFC000"/>
+      </a:accent4>
+      <a:accent5>
+        <a:srgbClr val="5B9BD5"/>
+      </a:accent5>
+      <a:accent6>
+        <a:srgbClr val="70AD47"/>
+      </a:accent6>
+      <a:hlink>
+        <a:srgbClr val="0563C1"/>
+      </a:hlink>
+      <a:folHlink>
+        <a:srgbClr val="954F72"/>
+      </a:folHlink>
+    </a:clrScheme>
+    <a:fontScheme name="Office">
+      <a:majorFont>
+        <a:latin typeface="Calibri Light" panose="020F0302020204030204"/>
+        <a:ea typeface=""/>
+        <a:cs typeface=""/>
+        <a:font script="Jpan" typeface="游ゴシック Light"/>
+        <a:font script="Hang" typeface="맑은 고딕"/>
+        <a:font script="Hans" typeface="等线 Light"/>
+        <a:font script="Hant" typeface="新細明體"/>
+        <a:font script="Arab" typeface="Times New Roman"/>
+        <a:font script="Hebr" typeface="Times New Roman"/>
+        <a:font script="Thai" typeface="Angsana New"/>
+        <a:font script="Ethi" typeface="Nyala"/>
+        <a:font script="Beng" typeface="Vrinda"/>
+        <a:font script="Gujr" typeface="Shruti"/>
+        <a:font script="Khmr" typeface="MoolBoran"/>
+        <a:font script="Knda" typeface="Tunga"/>
+        <a:font script="Guru" typeface="Raavi"/>
+        <a:font script="Cans" typeface="Euphemia"/>
+        <a:font script="Cher" typeface="Plantagenet Cherokee"/>
+        <a:font script="Yiii" typeface="Microsoft Yi Baiti"/>
+        <a:font script="Tibt" typeface="Microsoft Himalaya"/>
+        <a:font script="Thaa" typeface="MV Boli"/>
+        <a:font script="Deva" typeface="Mangal"/>
+        <a:font script="Telu" typeface="Gautami"/>
+        <a:font script="Taml" typeface="Latha"/>
+        <a:font script="Syrc" typeface="Estrangelo Edessa"/>
+        <a:font script="Orya" typeface="Kalinga"/>
+        <a:font script="Mlym" typeface="Kartika"/>
+        <a:font script="Laoo" typeface="DokChampa"/>
+        <a:font script="Sinh" typeface="Iskoola Pota"/>
+        <a:font script="Mong" typeface="Mongolian Baiti"/>
+        <a:font script="Viet" typeface="Times New Roman"/>
+        <a:font script="Uigh" typeface="Microsoft Uighur"/>
+        <a:font script="Geor" typeface="Sylfaen"/>
+        <a:font script="Armn" typeface="Arial"/>
+        <a:font script="Bugi" typeface="Leelawadee UI"/>
+        <a:font script="Bopo" typeface="Microsoft JhengHei"/>
+        <a:font script="Java" typeface="Javanese Text"/>
+        <a:font script="Lisu" typeface="Segoe UI"/>
+        <a:font script="Mymr" typeface="Myanmar Text"/>
+        <a:font script="Nkoo" typeface="Ebrima"/>
+        <a:font script="Olck" typeface="Nirmala UI"/>
+        <a:font script="Osma" typeface="Ebrima"/>
+        <a:font script="Phag" typeface="Phagspa"/>
+        <a:font script="Syrn" typeface="Estrangelo Edessa"/>
+        <a:font script="Syrj" typeface="Estrangelo Edessa"/>
+        <a:font script="Syre" typeface="Estrangelo Edessa"/>
+        <a:font script="Sora" typeface="Nirmala UI"/>
+        <a:font script="Tale" typeface="Microsoft Tai Le"/>
+        <a:font script="Talu" typeface="Microsoft New Tai Lue"/>
+        <a:font script="Tfng" typeface="Ebrima"/>
+      </a:majorFont>
+      <a:minorFont>
+        <a:latin typeface="Calibri" panose="020F0502020204030204"/>
+        <a:ea typeface=""/>
+        <a:cs typeface=""/>
+        <a:font script="Jpan" typeface="游ゴシック"/>
+        <a:font script="Hang" typeface="맑은 고딕"/>
+        <a:font script="Hans" typeface="等线"/>
+        <a:font script="Hant" typeface="新細明體"/>
+        <a:font script="Arab" typeface="Arial"/>
+        <a:font script="Hebr" typeface="Arial"/>
+        <a:font script="Thai" typeface="Cordia New"/>
+        <a:font script="Ethi" typeface="Nyala"/>
+        <a:font script="Beng" typeface="Vrinda"/>
+        <a:font script="Gujr" typeface="Shruti"/>
+        <a:font script="Khmr" typeface="DaunPenh"/>
+        <a:font script="Knda" typeface="Tunga"/>
+        <a:font script="Guru" typeface="Raavi"/>
+        <a:font script="Cans" typeface="Euphemia"/>
+        <a:font script="Cher" typeface="Plantagenet Cherokee"/>
+        <a:font script="Yiii" typeface="Microsoft Yi Baiti"/>
+        <a:font script="Tibt" typeface="Microsoft Himalaya"/>
+        <a:font script="Thaa" typeface="MV Boli"/>
+        <a:font script="Deva" typeface="Mangal"/>
+        <a:font script="Telu" typeface="Gautami"/>
+        <a:font script="Taml" typeface="Latha"/>
+        <a:font script="Syrc" typeface="Estrangelo Edessa"/>
+        <a:font script="Orya" typeface="Kalinga"/>
+        <a:font script="Mlym" typeface="Kartika"/>
+        <a:font script="Laoo" typeface="DokChampa"/>
+        <a:font script="Sinh" typeface="Iskoola Pota"/>
+        <a:font script="Mong" typeface="Mongolian Baiti"/>
+        <a:font script="Viet" typeface="Arial"/>
+        <a:font script="Uigh" typeface="Microsoft Uighur"/>
+        <a:font script="Geor" typeface="Sylfaen"/>
+        <a:font script="Armn" typeface="Arial"/>
+        <a:font script="Bugi" typeface="Leelawadee UI"/>
+        <a:font script="Bopo" typeface="Microsoft JhengHei"/>
+        <a:font script="Java" typeface="Javanese Text"/>
+        <a:font script="Lisu" typeface="Segoe UI"/>
+        <a:font script="Mymr" typeface="Myanmar Text"/>
+        <a:font script="Nkoo" typeface="Ebrima"/>
+        <a:font script="Olck" typeface="Nirmala UI"/>
+        <a:font script="Osma" typeface="Ebrima"/>
+        <a:font script="Phag" typeface="Phagspa"/>
+        <a:font script="Syrn" typeface="Estrangelo Edessa"/>
+        <a:font script="Syrj" typeface="Estrangelo Edessa"/>
+        <a:font script="Syre" typeface="Estrangelo Edessa"/>
+        <a:font script="Sora" typeface="Nirmala UI"/>
+        <a:font script="Tale" typeface="Microsoft Tai Le"/>
+        <a:font script="Talu" typeface="Microsoft New Tai Lue"/>
+        <a:font script="Tfng" typeface="Ebrima"/>
+      </a:minorFont>
+    </a:fontScheme>
+    <a:fmtScheme name="Office">
+      <a:fillStyleLst>
+        <a:solidFill>
+          <a:schemeClr val="phClr"/>
+        </a:solidFill>
+        <a:gradFill rotWithShape="1">
+          <a:gsLst>
+            <a:gs pos="0">
+              <a:schemeClr val="phClr">
+                <a:lumMod val="110000"/>
+                <a:satMod val="105000"/>
+                <a:tint val="67000"/>
+              </a:schemeClr>
+            </a:gs>
+            <a:gs pos="50000">
+              <a:schemeClr val="phClr">
+                <a:lumMod val="105000"/>
+                <a:satMod val="103000"/>
+                <a:tint val="73000"/>
+              </a:schemeClr>
+            </a:gs>
+            <a:gs pos="100000">
+              <a:schemeClr val="phClr">
+                <a:lumMod val="105000"/>
+                <a:satMod val="109000"/>
+                <a:tint val="81000"/>
+              </a:schemeClr>
+            </a:gs>
+          </a:gsLst>
+          <a:lin ang="5400000" scaled="0"/>
+        </a:gradFill>
+        <a:gradFill rotWithShape="1">
+          <a:gsLst>
+            <a:gs pos="0">
+              <a:schemeClr val="phClr">
+                <a:satMod val="103000"/>
+                <a:lumMod val="102000"/>
+                <a:tint val="94000"/>
+              </a:schemeClr>
+            </a:gs>
+            <a:gs pos="50000">
+              <a:schemeClr val="phClr">
+                <a:satMod val="110000"/>
+                <a:lumMod val="100000"/>
+                <a:shade val="100000"/>
+              </a:schemeClr>
+            </a:gs>
+            <a:gs pos="100000">
+              <a:schemeClr val="phClr">
+                <a:lumMod val="99000"/>
+                <a:satMod val="120000"/>
+                <a:shade val="78000"/>
+              </a:schemeClr>
+            </a:gs>
+          </a:gsLst>
+          <a:lin ang="5400000" scaled="0"/>
+        </a:gradFill>
+      </a:fillStyleLst>
+      <a:lnStyleLst>
+        <a:ln w="6350" cap="flat" cmpd="sng" algn="ctr">
+          <a:solidFill>
+            <a:schemeClr val="phClr"/>
+          </a:solidFill>
+          <a:prstDash val="solid"/>
+          <a:miter lim="800000"/>
+        </a:ln>
+        <a:ln w="12700" cap="flat" cmpd="sng" algn="ctr">
+          <a:solidFill>
+            <a:schemeClr val="phClr"/>
+          </a:solidFill>
+          <a:prstDash val="solid"/>
+          <a:miter lim="800000"/>
+        </a:ln>
+        <a:ln w="19050" cap="flat" cmpd="sng" algn="ctr">
+          <a:solidFill>
+            <a:schemeClr val="phClr"/>
+          </a:solidFill>
+          <a:prstDash val="solid"/>
+          <a:miter lim="800000"/>
+        </a:ln>
+      </a:lnStyleLst>
+      <a:effectStyleLst>
+        <a:effectStyle>
+          <a:effectLst/>
+        </a:effectStyle>
+        <a:effectStyle>
+          <a:effectLst/>
+        </a:effectStyle>
+        <a:effectStyle>
+          <a:effectLst>
+            <a:outerShdw blurRad="57150" dist="19050" dir="5400000" algn="ctr" rotWithShape="0">
+              <a:srgbClr val="000000">
+                <a:alpha val="63000"/>
+              </a:srgbClr>
+            </a:outerShdw>
+          </a:effectLst>
+        </a:effectStyle>
+      </a:effectStyleLst>
+      <a:bgFillStyleLst>
+        <a:solidFill>
+          <a:schemeClr val="phClr"/>
+        </a:solidFill>
+        <a:solidFill>
+          <a:schemeClr val="phClr">
+            <a:tint val="95000"/>
+            <a:satMod val="170000"/>
+          </a:schemeClr>
+        </a:solidFill>
+        <a:gradFill rotWithShape="1">
+          <a:gsLst>
+            <a:gs pos="0">
+              <a:schemeClr val="phClr">
+                <a:tint val="93000"/>
+                <a:satMod val="150000"/>
+                <a:shade val="98000"/>
+                <a:lumMod val="102000"/>
+              </a:schemeClr>
+            </a:gs>
+            <a:gs pos="50000">
+              <a:schemeClr val="phClr">
+                <a:tint val="98000"/>
+                <a:satMod val="130000"/>
+                <a:shade val="90000"/>
+                <a:lumMod val="103000"/>
+              </a:schemeClr>
+            </a:gs>
+            <a:gs pos="100000">
+              <a:schemeClr val="phClr">
+                <a:shade val="63000"/>
+                <a:satMod val="120000"/>
+              </a:schemeClr>
+            </a:gs>
+          </a:gsLst>
+          <a:lin ang="5400000" scaled="0"/>
+        </a:gradFill>
+      </a:bgFillStyleLst>
+    </a:fmtScheme>
+  </a:themeElements>
+  <a:objectDefaults/>
+  <a:extraClrSchemeLst/>
+  <a:extLst>
+    <a:ext uri="{05A4C25C-085E-4340-85A3-A5531E510DB2}">
+      <thm15:themeFamily xmlns:thm15="http://schemas.microsoft.com/office/thememl/2012/main" name="Office Theme" id="{62F939B6-93AF-4DB8-9C6B-D6C7DFDC589F}" vid="{4A3C46E8-61CC-4603-A589-7422A47A8E4A}"/>
+    </a:ext>
+  </a:extLst>
+</a:theme>
 </file>